--- a/presentation/Workshop_airflow.pptx
+++ b/presentation/Workshop_airflow.pptx
@@ -10,20 +10,20 @@
   <p:sldIdLst>
     <p:sldId id="256" r:id="rId2"/>
     <p:sldId id="257" r:id="rId3"/>
-    <p:sldId id="258" r:id="rId4"/>
-    <p:sldId id="259" r:id="rId5"/>
-    <p:sldId id="260" r:id="rId6"/>
-    <p:sldId id="285" r:id="rId7"/>
-    <p:sldId id="280" r:id="rId8"/>
-    <p:sldId id="293" r:id="rId9"/>
-    <p:sldId id="282" r:id="rId10"/>
-    <p:sldId id="286" r:id="rId11"/>
-    <p:sldId id="283" r:id="rId12"/>
-    <p:sldId id="292" r:id="rId13"/>
-    <p:sldId id="295" r:id="rId14"/>
-    <p:sldId id="287" r:id="rId15"/>
-    <p:sldId id="289" r:id="rId16"/>
-    <p:sldId id="296" r:id="rId17"/>
+    <p:sldId id="259" r:id="rId4"/>
+    <p:sldId id="260" r:id="rId5"/>
+    <p:sldId id="285" r:id="rId6"/>
+    <p:sldId id="282" r:id="rId7"/>
+    <p:sldId id="286" r:id="rId8"/>
+    <p:sldId id="283" r:id="rId9"/>
+    <p:sldId id="293" r:id="rId10"/>
+    <p:sldId id="292" r:id="rId11"/>
+    <p:sldId id="295" r:id="rId12"/>
+    <p:sldId id="287" r:id="rId13"/>
+    <p:sldId id="280" r:id="rId14"/>
+    <p:sldId id="289" r:id="rId15"/>
+    <p:sldId id="296" r:id="rId16"/>
+    <p:sldId id="297" r:id="rId17"/>
     <p:sldId id="279" r:id="rId18"/>
     <p:sldId id="272" r:id="rId19"/>
   </p:sldIdLst>
@@ -214,7 +214,7 @@
           <a:p>
             <a:fld id="{FA8C675E-D247-4BCD-B4BB-1300372C0488}" type="datetimeFigureOut">
               <a:rPr lang="ru-RU" smtClean="0"/>
-              <a:t>27.07.2022</a:t>
+              <a:t>17.12.2022</a:t>
             </a:fld>
             <a:endParaRPr lang="ru-RU"/>
           </a:p>
@@ -547,7 +547,7 @@
           <a:p>
             <a:fld id="{08DCBBFF-06B2-4939-BB68-6F79C27FD789}" type="slidenum">
               <a:rPr lang="ru-RU" smtClean="0"/>
-              <a:t>9</a:t>
+              <a:t>6</a:t>
             </a:fld>
             <a:endParaRPr lang="ru-RU"/>
           </a:p>
@@ -969,7 +969,7 @@
           <a:p>
             <a:fld id="{7CD77A28-62FA-4A1C-955D-4EB5AA405F1C}" type="datetimeFigureOut">
               <a:rPr lang="ru-RU" smtClean="0"/>
-              <a:t>27.07.2022</a:t>
+              <a:t>17.12.2022</a:t>
             </a:fld>
             <a:endParaRPr lang="ru-RU" dirty="0"/>
           </a:p>
@@ -1148,7 +1148,7 @@
           <a:p>
             <a:fld id="{7CD77A28-62FA-4A1C-955D-4EB5AA405F1C}" type="datetimeFigureOut">
               <a:rPr lang="ru-RU" smtClean="0"/>
-              <a:t>27.07.2022</a:t>
+              <a:t>17.12.2022</a:t>
             </a:fld>
             <a:endParaRPr lang="ru-RU" dirty="0"/>
           </a:p>
@@ -1328,7 +1328,7 @@
           <a:p>
             <a:fld id="{7CD77A28-62FA-4A1C-955D-4EB5AA405F1C}" type="datetimeFigureOut">
               <a:rPr lang="ru-RU" smtClean="0"/>
-              <a:t>27.07.2022</a:t>
+              <a:t>17.12.2022</a:t>
             </a:fld>
             <a:endParaRPr lang="ru-RU" dirty="0"/>
           </a:p>
@@ -1498,7 +1498,7 @@
           <a:p>
             <a:fld id="{7CD77A28-62FA-4A1C-955D-4EB5AA405F1C}" type="datetimeFigureOut">
               <a:rPr lang="ru-RU" smtClean="0"/>
-              <a:t>27.07.2022</a:t>
+              <a:t>17.12.2022</a:t>
             </a:fld>
             <a:endParaRPr lang="ru-RU" dirty="0"/>
           </a:p>
@@ -1811,7 +1811,7 @@
           <a:p>
             <a:fld id="{7CD77A28-62FA-4A1C-955D-4EB5AA405F1C}" type="datetimeFigureOut">
               <a:rPr lang="ru-RU" smtClean="0"/>
-              <a:t>27.07.2022</a:t>
+              <a:t>17.12.2022</a:t>
             </a:fld>
             <a:endParaRPr lang="ru-RU" dirty="0"/>
           </a:p>
@@ -2197,7 +2197,7 @@
           <a:p>
             <a:fld id="{7CD77A28-62FA-4A1C-955D-4EB5AA405F1C}" type="datetimeFigureOut">
               <a:rPr lang="ru-RU" smtClean="0"/>
-              <a:t>27.07.2022</a:t>
+              <a:t>17.12.2022</a:t>
             </a:fld>
             <a:endParaRPr lang="ru-RU" dirty="0"/>
           </a:p>
@@ -2631,7 +2631,7 @@
           <a:p>
             <a:fld id="{7CD77A28-62FA-4A1C-955D-4EB5AA405F1C}" type="datetimeFigureOut">
               <a:rPr lang="ru-RU" smtClean="0"/>
-              <a:t>27.07.2022</a:t>
+              <a:t>17.12.2022</a:t>
             </a:fld>
             <a:endParaRPr lang="ru-RU" dirty="0"/>
           </a:p>
@@ -2749,7 +2749,7 @@
           <a:p>
             <a:fld id="{7CD77A28-62FA-4A1C-955D-4EB5AA405F1C}" type="datetimeFigureOut">
               <a:rPr lang="ru-RU" smtClean="0"/>
-              <a:t>27.07.2022</a:t>
+              <a:t>17.12.2022</a:t>
             </a:fld>
             <a:endParaRPr lang="ru-RU" dirty="0"/>
           </a:p>
@@ -2844,7 +2844,7 @@
           <a:p>
             <a:fld id="{7CD77A28-62FA-4A1C-955D-4EB5AA405F1C}" type="datetimeFigureOut">
               <a:rPr lang="ru-RU" smtClean="0"/>
-              <a:t>27.07.2022</a:t>
+              <a:t>17.12.2022</a:t>
             </a:fld>
             <a:endParaRPr lang="ru-RU" dirty="0"/>
           </a:p>
@@ -3194,7 +3194,7 @@
           <a:p>
             <a:fld id="{7CD77A28-62FA-4A1C-955D-4EB5AA405F1C}" type="datetimeFigureOut">
               <a:rPr lang="ru-RU" smtClean="0"/>
-              <a:t>27.07.2022</a:t>
+              <a:t>17.12.2022</a:t>
             </a:fld>
             <a:endParaRPr lang="ru-RU" dirty="0"/>
           </a:p>
@@ -3618,7 +3618,7 @@
           <a:p>
             <a:fld id="{7CD77A28-62FA-4A1C-955D-4EB5AA405F1C}" type="datetimeFigureOut">
               <a:rPr lang="ru-RU" smtClean="0"/>
-              <a:t>27.07.2022</a:t>
+              <a:t>17.12.2022</a:t>
             </a:fld>
             <a:endParaRPr lang="ru-RU" dirty="0"/>
           </a:p>
@@ -3899,7 +3899,7 @@
           <a:p>
             <a:fld id="{7CD77A28-62FA-4A1C-955D-4EB5AA405F1C}" type="datetimeFigureOut">
               <a:rPr lang="ru-RU" smtClean="0"/>
-              <a:t>27.07.2022</a:t>
+              <a:t>17.12.2022</a:t>
             </a:fld>
             <a:endParaRPr lang="ru-RU" dirty="0"/>
           </a:p>
@@ -4615,8 +4615,12 @@
           <a:lstStyle/>
           <a:p>
             <a:r>
-              <a:rPr lang="en-US" b="1" dirty="0"/>
-              <a:t>Control flow</a:t>
+              <a:rPr lang="af-ZA" b="1" dirty="0"/>
+              <a:t>Variables (</a:t>
+            </a:r>
+            <a:r>
+              <a:rPr lang="ru-RU" b="1" dirty="0"/>
+              <a:t>Переменные)</a:t>
             </a:r>
             <a:endParaRPr lang="ru-RU" dirty="0"/>
           </a:p>
@@ -4640,2157 +4644,37 @@
         </p:nvSpPr>
         <p:spPr>
           <a:xfrm>
-            <a:off x="594804" y="1722268"/>
-            <a:ext cx="5632260" cy="5135732"/>
+            <a:off x="1069848" y="2121408"/>
+            <a:ext cx="10058400" cy="4050792"/>
           </a:xfrm>
         </p:spPr>
         <p:txBody>
-          <a:bodyPr>
-            <a:normAutofit/>
-          </a:bodyPr>
+          <a:bodyPr/>
           <a:lstStyle/>
           <a:p>
             <a:r>
-              <a:rPr lang="en-US" sz="1600" dirty="0"/>
-              <a:t>Control flow = </a:t>
-            </a:r>
-            <a:r>
-              <a:rPr lang="ru-RU" sz="1600" dirty="0"/>
-              <a:t>последовательность выполнения заданий в рамках </a:t>
-            </a:r>
-            <a:r>
-              <a:rPr lang="en-US" sz="1600" dirty="0"/>
-              <a:t>DAG</a:t>
-            </a:r>
-            <a:endParaRPr lang="ru-RU" sz="1600" dirty="0"/>
-          </a:p>
-          <a:p>
-            <a:r>
-              <a:rPr lang="ru-RU" sz="1600" dirty="0"/>
-              <a:t>Устанавливает зависимости в порядке выполнения заданий в </a:t>
-            </a:r>
-            <a:r>
-              <a:rPr lang="en-US" sz="1600" dirty="0"/>
-              <a:t>DAG</a:t>
-            </a:r>
-            <a:r>
-              <a:rPr lang="ru-RU" sz="1600" dirty="0"/>
-              <a:t>:</a:t>
-            </a:r>
-          </a:p>
-          <a:p>
-            <a:pPr lvl="1"/>
-            <a:r>
-              <a:rPr lang="ru-RU" sz="1400" dirty="0"/>
-              <a:t>Последовательное выполнение заданий</a:t>
-            </a:r>
-          </a:p>
-          <a:p>
-            <a:pPr lvl="1"/>
-            <a:r>
-              <a:rPr lang="ru-RU" sz="1400" dirty="0"/>
-              <a:t>Выполнение</a:t>
-            </a:r>
-            <a:r>
-              <a:rPr lang="en-US" sz="1400" dirty="0"/>
-              <a:t> </a:t>
-            </a:r>
-            <a:r>
-              <a:rPr lang="ru-RU" sz="1400" dirty="0"/>
-              <a:t>нескольких заданий параллельно</a:t>
-            </a:r>
-          </a:p>
-          <a:p>
-            <a:pPr lvl="1"/>
-            <a:r>
-              <a:rPr lang="ru-RU" sz="1400" dirty="0"/>
-              <a:t>Запуск после успешного выполнения одного или более заданий</a:t>
-            </a:r>
-          </a:p>
-          <a:p>
-            <a:r>
-              <a:rPr lang="en-US" sz="1800" dirty="0" err="1"/>
-              <a:t>Trigger_rule</a:t>
-            </a:r>
-            <a:r>
-              <a:rPr lang="en-US" sz="1800" dirty="0"/>
-              <a:t>:</a:t>
-            </a:r>
-            <a:br>
-              <a:rPr lang="ru-RU" sz="1800" dirty="0"/>
-            </a:br>
-            <a:endParaRPr lang="ru-RU" sz="1800" dirty="0"/>
-          </a:p>
-          <a:p>
-            <a:pPr eaLnBrk="0" fontAlgn="base" hangingPunct="0">
-              <a:lnSpc>
-                <a:spcPct val="100000"/>
-              </a:lnSpc>
-              <a:spcBef>
-                <a:spcPct val="0"/>
-              </a:spcBef>
-              <a:spcAft>
-                <a:spcPct val="0"/>
-              </a:spcAft>
-              <a:buClrTx/>
-              <a:buSzTx/>
-            </a:pPr>
-            <a:r>
-              <a:rPr lang="ru-RU" altLang="ru-RU" sz="900" dirty="0" err="1">
-                <a:solidFill>
-                  <a:srgbClr val="E74C3C"/>
-                </a:solidFill>
-                <a:latin typeface="SFMono-Regular"/>
-              </a:rPr>
-              <a:t>all_success</a:t>
-            </a:r>
-            <a:r>
-              <a:rPr lang="ru-RU" altLang="ru-RU" sz="1200" dirty="0">
-                <a:solidFill>
-                  <a:srgbClr val="404040"/>
-                </a:solidFill>
-                <a:latin typeface="Lato"/>
-              </a:rPr>
-              <a:t>: (</a:t>
-            </a:r>
-            <a:r>
-              <a:rPr lang="ru-RU" altLang="ru-RU" sz="1200" dirty="0" err="1">
-                <a:solidFill>
-                  <a:srgbClr val="404040"/>
-                </a:solidFill>
-                <a:latin typeface="Lato"/>
-              </a:rPr>
-              <a:t>default</a:t>
-            </a:r>
-            <a:r>
-              <a:rPr lang="ru-RU" altLang="ru-RU" sz="1200" dirty="0">
-                <a:solidFill>
-                  <a:srgbClr val="404040"/>
-                </a:solidFill>
-                <a:latin typeface="Lato"/>
-              </a:rPr>
-              <a:t>) </a:t>
-            </a:r>
-            <a:r>
-              <a:rPr lang="ru-RU" altLang="ru-RU" sz="1200" dirty="0" err="1">
-                <a:solidFill>
-                  <a:srgbClr val="404040"/>
-                </a:solidFill>
-                <a:latin typeface="Lato"/>
-              </a:rPr>
-              <a:t>all</a:t>
-            </a:r>
-            <a:r>
-              <a:rPr lang="ru-RU" altLang="ru-RU" sz="1200" dirty="0">
-                <a:solidFill>
-                  <a:srgbClr val="404040"/>
-                </a:solidFill>
-                <a:latin typeface="Lato"/>
-              </a:rPr>
-              <a:t> </a:t>
-            </a:r>
-            <a:r>
-              <a:rPr lang="ru-RU" altLang="ru-RU" sz="1200" dirty="0" err="1">
-                <a:solidFill>
-                  <a:srgbClr val="404040"/>
-                </a:solidFill>
-                <a:latin typeface="Lato"/>
-              </a:rPr>
-              <a:t>parents</a:t>
-            </a:r>
-            <a:r>
-              <a:rPr lang="ru-RU" altLang="ru-RU" sz="1200" dirty="0">
-                <a:solidFill>
-                  <a:srgbClr val="404040"/>
-                </a:solidFill>
-                <a:latin typeface="Lato"/>
-              </a:rPr>
-              <a:t> </a:t>
-            </a:r>
-            <a:r>
-              <a:rPr lang="ru-RU" altLang="ru-RU" sz="1200" dirty="0" err="1">
-                <a:solidFill>
-                  <a:srgbClr val="404040"/>
-                </a:solidFill>
-                <a:latin typeface="Lato"/>
-              </a:rPr>
-              <a:t>have</a:t>
-            </a:r>
-            <a:r>
-              <a:rPr lang="ru-RU" altLang="ru-RU" sz="1200" dirty="0">
-                <a:solidFill>
-                  <a:srgbClr val="404040"/>
-                </a:solidFill>
-                <a:latin typeface="Lato"/>
-              </a:rPr>
-              <a:t> </a:t>
-            </a:r>
-            <a:r>
-              <a:rPr lang="ru-RU" altLang="ru-RU" sz="1200" dirty="0" err="1">
-                <a:solidFill>
-                  <a:srgbClr val="404040"/>
-                </a:solidFill>
-                <a:latin typeface="Lato"/>
-              </a:rPr>
-              <a:t>succeeded</a:t>
-            </a:r>
-            <a:endParaRPr lang="ru-RU" altLang="ru-RU" sz="1200" dirty="0">
-              <a:solidFill>
-                <a:srgbClr val="404040"/>
-              </a:solidFill>
-              <a:latin typeface="Lato"/>
-            </a:endParaRPr>
-          </a:p>
-          <a:p>
-            <a:pPr eaLnBrk="0" fontAlgn="base" hangingPunct="0">
-              <a:lnSpc>
-                <a:spcPct val="100000"/>
-              </a:lnSpc>
-              <a:spcBef>
-                <a:spcPct val="0"/>
-              </a:spcBef>
-              <a:spcAft>
-                <a:spcPct val="0"/>
-              </a:spcAft>
-              <a:buClrTx/>
-              <a:buSzTx/>
-            </a:pPr>
-            <a:r>
-              <a:rPr lang="ru-RU" altLang="ru-RU" sz="900" dirty="0" err="1">
-                <a:solidFill>
-                  <a:srgbClr val="E74C3C"/>
-                </a:solidFill>
-                <a:latin typeface="SFMono-Regular"/>
-              </a:rPr>
-              <a:t>all_failed</a:t>
-            </a:r>
-            <a:r>
-              <a:rPr lang="ru-RU" altLang="ru-RU" sz="1200" dirty="0">
-                <a:solidFill>
-                  <a:srgbClr val="404040"/>
-                </a:solidFill>
-                <a:latin typeface="Lato"/>
-              </a:rPr>
-              <a:t>: </a:t>
-            </a:r>
-            <a:r>
-              <a:rPr lang="ru-RU" altLang="ru-RU" sz="1200" dirty="0" err="1">
-                <a:solidFill>
-                  <a:srgbClr val="404040"/>
-                </a:solidFill>
-                <a:latin typeface="Lato"/>
-              </a:rPr>
-              <a:t>all</a:t>
-            </a:r>
-            <a:r>
-              <a:rPr lang="ru-RU" altLang="ru-RU" sz="1200" dirty="0">
-                <a:solidFill>
-                  <a:srgbClr val="404040"/>
-                </a:solidFill>
-                <a:latin typeface="Lato"/>
-              </a:rPr>
-              <a:t> </a:t>
-            </a:r>
-            <a:r>
-              <a:rPr lang="ru-RU" altLang="ru-RU" sz="1200" dirty="0" err="1">
-                <a:solidFill>
-                  <a:srgbClr val="404040"/>
-                </a:solidFill>
-                <a:latin typeface="Lato"/>
-              </a:rPr>
-              <a:t>parents</a:t>
-            </a:r>
-            <a:r>
-              <a:rPr lang="ru-RU" altLang="ru-RU" sz="1200" dirty="0">
-                <a:solidFill>
-                  <a:srgbClr val="404040"/>
-                </a:solidFill>
-                <a:latin typeface="Lato"/>
-              </a:rPr>
-              <a:t> </a:t>
-            </a:r>
-            <a:r>
-              <a:rPr lang="ru-RU" altLang="ru-RU" sz="1200" dirty="0" err="1">
-                <a:solidFill>
-                  <a:srgbClr val="404040"/>
-                </a:solidFill>
-                <a:latin typeface="Lato"/>
-              </a:rPr>
-              <a:t>are</a:t>
-            </a:r>
-            <a:r>
-              <a:rPr lang="ru-RU" altLang="ru-RU" sz="1200" dirty="0">
-                <a:solidFill>
-                  <a:srgbClr val="404040"/>
-                </a:solidFill>
-                <a:latin typeface="Lato"/>
-              </a:rPr>
-              <a:t> </a:t>
-            </a:r>
-            <a:r>
-              <a:rPr lang="ru-RU" altLang="ru-RU" sz="1200" dirty="0" err="1">
-                <a:solidFill>
-                  <a:srgbClr val="404040"/>
-                </a:solidFill>
-                <a:latin typeface="Lato"/>
-              </a:rPr>
-              <a:t>in</a:t>
-            </a:r>
-            <a:r>
-              <a:rPr lang="ru-RU" altLang="ru-RU" sz="1200" dirty="0">
-                <a:solidFill>
-                  <a:srgbClr val="404040"/>
-                </a:solidFill>
-                <a:latin typeface="Lato"/>
-              </a:rPr>
-              <a:t> a </a:t>
-            </a:r>
-            <a:r>
-              <a:rPr lang="ru-RU" altLang="ru-RU" sz="900" dirty="0" err="1">
-                <a:solidFill>
-                  <a:srgbClr val="E74C3C"/>
-                </a:solidFill>
-                <a:latin typeface="SFMono-Regular"/>
-              </a:rPr>
-              <a:t>failed</a:t>
-            </a:r>
-            <a:r>
-              <a:rPr lang="ru-RU" altLang="ru-RU" sz="1200" dirty="0">
-                <a:solidFill>
-                  <a:srgbClr val="404040"/>
-                </a:solidFill>
-                <a:latin typeface="Lato"/>
-              </a:rPr>
-              <a:t> </a:t>
-            </a:r>
-            <a:r>
-              <a:rPr lang="ru-RU" altLang="ru-RU" sz="1200" dirty="0" err="1">
-                <a:solidFill>
-                  <a:srgbClr val="404040"/>
-                </a:solidFill>
-                <a:latin typeface="Lato"/>
-              </a:rPr>
-              <a:t>or</a:t>
-            </a:r>
-            <a:r>
-              <a:rPr lang="ru-RU" altLang="ru-RU" sz="1200" dirty="0">
-                <a:solidFill>
-                  <a:srgbClr val="404040"/>
-                </a:solidFill>
-                <a:latin typeface="Lato"/>
-              </a:rPr>
-              <a:t> </a:t>
-            </a:r>
-            <a:r>
-              <a:rPr lang="ru-RU" altLang="ru-RU" sz="900" dirty="0" err="1">
-                <a:solidFill>
-                  <a:srgbClr val="E74C3C"/>
-                </a:solidFill>
-                <a:latin typeface="SFMono-Regular"/>
-              </a:rPr>
-              <a:t>upstream_failed</a:t>
-            </a:r>
-            <a:r>
-              <a:rPr lang="ru-RU" altLang="ru-RU" sz="1200" dirty="0">
-                <a:solidFill>
-                  <a:srgbClr val="404040"/>
-                </a:solidFill>
-                <a:latin typeface="Lato"/>
-              </a:rPr>
-              <a:t> </a:t>
-            </a:r>
-            <a:r>
-              <a:rPr lang="ru-RU" altLang="ru-RU" sz="1200" dirty="0" err="1">
-                <a:solidFill>
-                  <a:srgbClr val="404040"/>
-                </a:solidFill>
-                <a:latin typeface="Lato"/>
-              </a:rPr>
-              <a:t>state</a:t>
-            </a:r>
-            <a:endParaRPr lang="ru-RU" altLang="ru-RU" sz="1200" dirty="0">
-              <a:solidFill>
-                <a:srgbClr val="404040"/>
-              </a:solidFill>
-              <a:latin typeface="Lato"/>
-            </a:endParaRPr>
-          </a:p>
-          <a:p>
-            <a:pPr eaLnBrk="0" fontAlgn="base" hangingPunct="0">
-              <a:lnSpc>
-                <a:spcPct val="100000"/>
-              </a:lnSpc>
-              <a:spcBef>
-                <a:spcPct val="0"/>
-              </a:spcBef>
-              <a:spcAft>
-                <a:spcPct val="0"/>
-              </a:spcAft>
-              <a:buClrTx/>
-              <a:buSzTx/>
-            </a:pPr>
-            <a:r>
-              <a:rPr lang="ru-RU" altLang="ru-RU" sz="900" dirty="0" err="1">
-                <a:solidFill>
-                  <a:srgbClr val="E74C3C"/>
-                </a:solidFill>
-                <a:latin typeface="SFMono-Regular"/>
-              </a:rPr>
-              <a:t>all_done</a:t>
-            </a:r>
-            <a:r>
-              <a:rPr lang="ru-RU" altLang="ru-RU" sz="1200" dirty="0">
-                <a:solidFill>
-                  <a:srgbClr val="404040"/>
-                </a:solidFill>
-                <a:latin typeface="Lato"/>
-              </a:rPr>
-              <a:t>: </a:t>
-            </a:r>
-            <a:r>
-              <a:rPr lang="ru-RU" altLang="ru-RU" sz="1200" dirty="0" err="1">
-                <a:solidFill>
-                  <a:srgbClr val="404040"/>
-                </a:solidFill>
-                <a:latin typeface="Lato"/>
-              </a:rPr>
-              <a:t>all</a:t>
-            </a:r>
-            <a:r>
-              <a:rPr lang="ru-RU" altLang="ru-RU" sz="1200" dirty="0">
-                <a:solidFill>
-                  <a:srgbClr val="404040"/>
-                </a:solidFill>
-                <a:latin typeface="Lato"/>
-              </a:rPr>
-              <a:t> </a:t>
-            </a:r>
-            <a:r>
-              <a:rPr lang="ru-RU" altLang="ru-RU" sz="1200" dirty="0" err="1">
-                <a:solidFill>
-                  <a:srgbClr val="404040"/>
-                </a:solidFill>
-                <a:latin typeface="Lato"/>
-              </a:rPr>
-              <a:t>parents</a:t>
-            </a:r>
-            <a:r>
-              <a:rPr lang="ru-RU" altLang="ru-RU" sz="1200" dirty="0">
-                <a:solidFill>
-                  <a:srgbClr val="404040"/>
-                </a:solidFill>
-                <a:latin typeface="Lato"/>
-              </a:rPr>
-              <a:t> </a:t>
-            </a:r>
-            <a:r>
-              <a:rPr lang="ru-RU" altLang="ru-RU" sz="1200" dirty="0" err="1">
-                <a:solidFill>
-                  <a:srgbClr val="404040"/>
-                </a:solidFill>
-                <a:latin typeface="Lato"/>
-              </a:rPr>
-              <a:t>are</a:t>
-            </a:r>
-            <a:r>
-              <a:rPr lang="ru-RU" altLang="ru-RU" sz="1200" dirty="0">
-                <a:solidFill>
-                  <a:srgbClr val="404040"/>
-                </a:solidFill>
-                <a:latin typeface="Lato"/>
-              </a:rPr>
-              <a:t> </a:t>
-            </a:r>
-            <a:r>
-              <a:rPr lang="ru-RU" altLang="ru-RU" sz="1200" dirty="0" err="1">
-                <a:solidFill>
-                  <a:srgbClr val="404040"/>
-                </a:solidFill>
-                <a:latin typeface="Lato"/>
-              </a:rPr>
-              <a:t>done</a:t>
-            </a:r>
-            <a:r>
-              <a:rPr lang="ru-RU" altLang="ru-RU" sz="1200" dirty="0">
-                <a:solidFill>
-                  <a:srgbClr val="404040"/>
-                </a:solidFill>
-                <a:latin typeface="Lato"/>
-              </a:rPr>
-              <a:t> </a:t>
-            </a:r>
-            <a:r>
-              <a:rPr lang="ru-RU" altLang="ru-RU" sz="1200" dirty="0" err="1">
-                <a:solidFill>
-                  <a:srgbClr val="404040"/>
-                </a:solidFill>
-                <a:latin typeface="Lato"/>
-              </a:rPr>
-              <a:t>with</a:t>
-            </a:r>
-            <a:r>
-              <a:rPr lang="ru-RU" altLang="ru-RU" sz="1200" dirty="0">
-                <a:solidFill>
-                  <a:srgbClr val="404040"/>
-                </a:solidFill>
-                <a:latin typeface="Lato"/>
-              </a:rPr>
-              <a:t> </a:t>
-            </a:r>
-            <a:r>
-              <a:rPr lang="ru-RU" altLang="ru-RU" sz="1200" dirty="0" err="1">
-                <a:solidFill>
-                  <a:srgbClr val="404040"/>
-                </a:solidFill>
-                <a:latin typeface="Lato"/>
-              </a:rPr>
-              <a:t>their</a:t>
-            </a:r>
-            <a:r>
-              <a:rPr lang="ru-RU" altLang="ru-RU" sz="1200" dirty="0">
-                <a:solidFill>
-                  <a:srgbClr val="404040"/>
-                </a:solidFill>
-                <a:latin typeface="Lato"/>
-              </a:rPr>
-              <a:t> </a:t>
-            </a:r>
-            <a:r>
-              <a:rPr lang="ru-RU" altLang="ru-RU" sz="1200" dirty="0" err="1">
-                <a:solidFill>
-                  <a:srgbClr val="404040"/>
-                </a:solidFill>
-                <a:latin typeface="Lato"/>
-              </a:rPr>
-              <a:t>execution</a:t>
-            </a:r>
-            <a:endParaRPr lang="ru-RU" altLang="ru-RU" sz="1200" dirty="0">
-              <a:solidFill>
-                <a:srgbClr val="404040"/>
-              </a:solidFill>
-              <a:latin typeface="Lato"/>
-            </a:endParaRPr>
-          </a:p>
-          <a:p>
-            <a:pPr eaLnBrk="0" fontAlgn="base" hangingPunct="0">
-              <a:lnSpc>
-                <a:spcPct val="100000"/>
-              </a:lnSpc>
-              <a:spcBef>
-                <a:spcPct val="0"/>
-              </a:spcBef>
-              <a:spcAft>
-                <a:spcPct val="0"/>
-              </a:spcAft>
-              <a:buClrTx/>
-              <a:buSzTx/>
-            </a:pPr>
-            <a:r>
-              <a:rPr lang="ru-RU" altLang="ru-RU" sz="900" dirty="0" err="1">
-                <a:solidFill>
-                  <a:srgbClr val="E74C3C"/>
-                </a:solidFill>
-                <a:latin typeface="SFMono-Regular"/>
-              </a:rPr>
-              <a:t>one_failed</a:t>
-            </a:r>
-            <a:r>
-              <a:rPr lang="ru-RU" altLang="ru-RU" sz="1200" dirty="0">
-                <a:solidFill>
-                  <a:srgbClr val="404040"/>
-                </a:solidFill>
-                <a:latin typeface="Lato"/>
-              </a:rPr>
-              <a:t>: </a:t>
-            </a:r>
-            <a:r>
-              <a:rPr lang="ru-RU" altLang="ru-RU" sz="1200" dirty="0" err="1">
-                <a:solidFill>
-                  <a:srgbClr val="404040"/>
-                </a:solidFill>
-                <a:latin typeface="Lato"/>
-              </a:rPr>
-              <a:t>fires</a:t>
-            </a:r>
-            <a:r>
-              <a:rPr lang="ru-RU" altLang="ru-RU" sz="1200" dirty="0">
-                <a:solidFill>
-                  <a:srgbClr val="404040"/>
-                </a:solidFill>
-                <a:latin typeface="Lato"/>
-              </a:rPr>
-              <a:t> </a:t>
-            </a:r>
-            <a:r>
-              <a:rPr lang="ru-RU" altLang="ru-RU" sz="1200" dirty="0" err="1">
-                <a:solidFill>
-                  <a:srgbClr val="404040"/>
-                </a:solidFill>
-                <a:latin typeface="Lato"/>
-              </a:rPr>
-              <a:t>as</a:t>
-            </a:r>
-            <a:r>
-              <a:rPr lang="ru-RU" altLang="ru-RU" sz="1200" dirty="0">
-                <a:solidFill>
-                  <a:srgbClr val="404040"/>
-                </a:solidFill>
-                <a:latin typeface="Lato"/>
-              </a:rPr>
-              <a:t> </a:t>
-            </a:r>
-            <a:r>
-              <a:rPr lang="ru-RU" altLang="ru-RU" sz="1200" dirty="0" err="1">
-                <a:solidFill>
-                  <a:srgbClr val="404040"/>
-                </a:solidFill>
-                <a:latin typeface="Lato"/>
-              </a:rPr>
-              <a:t>soon</a:t>
-            </a:r>
-            <a:r>
-              <a:rPr lang="ru-RU" altLang="ru-RU" sz="1200" dirty="0">
-                <a:solidFill>
-                  <a:srgbClr val="404040"/>
-                </a:solidFill>
-                <a:latin typeface="Lato"/>
-              </a:rPr>
-              <a:t> </a:t>
-            </a:r>
-            <a:r>
-              <a:rPr lang="ru-RU" altLang="ru-RU" sz="1200" dirty="0" err="1">
-                <a:solidFill>
-                  <a:srgbClr val="404040"/>
-                </a:solidFill>
-                <a:latin typeface="Lato"/>
-              </a:rPr>
-              <a:t>as</a:t>
-            </a:r>
-            <a:r>
-              <a:rPr lang="ru-RU" altLang="ru-RU" sz="1200" dirty="0">
-                <a:solidFill>
-                  <a:srgbClr val="404040"/>
-                </a:solidFill>
-                <a:latin typeface="Lato"/>
-              </a:rPr>
-              <a:t> </a:t>
-            </a:r>
-            <a:r>
-              <a:rPr lang="ru-RU" altLang="ru-RU" sz="1200" dirty="0" err="1">
-                <a:solidFill>
-                  <a:srgbClr val="404040"/>
-                </a:solidFill>
-                <a:latin typeface="Lato"/>
-              </a:rPr>
-              <a:t>at</a:t>
-            </a:r>
-            <a:r>
-              <a:rPr lang="ru-RU" altLang="ru-RU" sz="1200" dirty="0">
-                <a:solidFill>
-                  <a:srgbClr val="404040"/>
-                </a:solidFill>
-                <a:latin typeface="Lato"/>
-              </a:rPr>
-              <a:t> </a:t>
-            </a:r>
-            <a:r>
-              <a:rPr lang="ru-RU" altLang="ru-RU" sz="1200" dirty="0" err="1">
-                <a:solidFill>
-                  <a:srgbClr val="404040"/>
-                </a:solidFill>
-                <a:latin typeface="Lato"/>
-              </a:rPr>
-              <a:t>least</a:t>
-            </a:r>
-            <a:r>
-              <a:rPr lang="ru-RU" altLang="ru-RU" sz="1200" dirty="0">
-                <a:solidFill>
-                  <a:srgbClr val="404040"/>
-                </a:solidFill>
-                <a:latin typeface="Lato"/>
-              </a:rPr>
-              <a:t> </a:t>
-            </a:r>
-            <a:r>
-              <a:rPr lang="ru-RU" altLang="ru-RU" sz="1200" dirty="0" err="1">
-                <a:solidFill>
-                  <a:srgbClr val="404040"/>
-                </a:solidFill>
-                <a:latin typeface="Lato"/>
-              </a:rPr>
-              <a:t>one</a:t>
-            </a:r>
-            <a:r>
-              <a:rPr lang="ru-RU" altLang="ru-RU" sz="1200" dirty="0">
-                <a:solidFill>
-                  <a:srgbClr val="404040"/>
-                </a:solidFill>
-                <a:latin typeface="Lato"/>
-              </a:rPr>
-              <a:t> </a:t>
-            </a:r>
-            <a:r>
-              <a:rPr lang="ru-RU" altLang="ru-RU" sz="1200" dirty="0" err="1">
-                <a:solidFill>
-                  <a:srgbClr val="404040"/>
-                </a:solidFill>
-                <a:latin typeface="Lato"/>
-              </a:rPr>
-              <a:t>parent</a:t>
-            </a:r>
-            <a:r>
-              <a:rPr lang="ru-RU" altLang="ru-RU" sz="1200" dirty="0">
-                <a:solidFill>
-                  <a:srgbClr val="404040"/>
-                </a:solidFill>
-                <a:latin typeface="Lato"/>
-              </a:rPr>
-              <a:t> </a:t>
-            </a:r>
-            <a:r>
-              <a:rPr lang="ru-RU" altLang="ru-RU" sz="1200" dirty="0" err="1">
-                <a:solidFill>
-                  <a:srgbClr val="404040"/>
-                </a:solidFill>
-                <a:latin typeface="Lato"/>
-              </a:rPr>
-              <a:t>has</a:t>
-            </a:r>
-            <a:r>
-              <a:rPr lang="ru-RU" altLang="ru-RU" sz="1200" dirty="0">
-                <a:solidFill>
-                  <a:srgbClr val="404040"/>
-                </a:solidFill>
-                <a:latin typeface="Lato"/>
-              </a:rPr>
-              <a:t> </a:t>
-            </a:r>
-            <a:r>
-              <a:rPr lang="ru-RU" altLang="ru-RU" sz="1200" dirty="0" err="1">
-                <a:solidFill>
-                  <a:srgbClr val="404040"/>
-                </a:solidFill>
-                <a:latin typeface="Lato"/>
-              </a:rPr>
-              <a:t>failed</a:t>
-            </a:r>
-            <a:r>
-              <a:rPr lang="ru-RU" altLang="ru-RU" sz="1200" dirty="0">
-                <a:solidFill>
-                  <a:srgbClr val="404040"/>
-                </a:solidFill>
-                <a:latin typeface="Lato"/>
-              </a:rPr>
-              <a:t>, </a:t>
-            </a:r>
-            <a:r>
-              <a:rPr lang="ru-RU" altLang="ru-RU" sz="1200" dirty="0" err="1">
-                <a:solidFill>
-                  <a:srgbClr val="404040"/>
-                </a:solidFill>
-                <a:latin typeface="Lato"/>
-              </a:rPr>
-              <a:t>it</a:t>
-            </a:r>
-            <a:r>
-              <a:rPr lang="ru-RU" altLang="ru-RU" sz="1200" dirty="0">
-                <a:solidFill>
-                  <a:srgbClr val="404040"/>
-                </a:solidFill>
-                <a:latin typeface="Lato"/>
-              </a:rPr>
-              <a:t> </a:t>
-            </a:r>
-            <a:r>
-              <a:rPr lang="ru-RU" altLang="ru-RU" sz="1200" dirty="0" err="1">
-                <a:solidFill>
-                  <a:srgbClr val="404040"/>
-                </a:solidFill>
-                <a:latin typeface="Lato"/>
-              </a:rPr>
-              <a:t>does</a:t>
-            </a:r>
-            <a:r>
-              <a:rPr lang="ru-RU" altLang="ru-RU" sz="1200" dirty="0">
-                <a:solidFill>
-                  <a:srgbClr val="404040"/>
-                </a:solidFill>
-                <a:latin typeface="Lato"/>
-              </a:rPr>
-              <a:t> </a:t>
-            </a:r>
-            <a:r>
-              <a:rPr lang="ru-RU" altLang="ru-RU" sz="1200" dirty="0" err="1">
-                <a:solidFill>
-                  <a:srgbClr val="404040"/>
-                </a:solidFill>
-                <a:latin typeface="Lato"/>
-              </a:rPr>
-              <a:t>not</a:t>
-            </a:r>
-            <a:r>
-              <a:rPr lang="ru-RU" altLang="ru-RU" sz="1200" dirty="0">
-                <a:solidFill>
-                  <a:srgbClr val="404040"/>
-                </a:solidFill>
-                <a:latin typeface="Lato"/>
-              </a:rPr>
-              <a:t> </a:t>
-            </a:r>
-            <a:r>
-              <a:rPr lang="ru-RU" altLang="ru-RU" sz="1200" dirty="0" err="1">
-                <a:solidFill>
-                  <a:srgbClr val="404040"/>
-                </a:solidFill>
-                <a:latin typeface="Lato"/>
-              </a:rPr>
-              <a:t>wait</a:t>
-            </a:r>
-            <a:r>
-              <a:rPr lang="ru-RU" altLang="ru-RU" sz="1200" dirty="0">
-                <a:solidFill>
-                  <a:srgbClr val="404040"/>
-                </a:solidFill>
-                <a:latin typeface="Lato"/>
-              </a:rPr>
-              <a:t> </a:t>
-            </a:r>
-            <a:r>
-              <a:rPr lang="ru-RU" altLang="ru-RU" sz="1200" dirty="0" err="1">
-                <a:solidFill>
-                  <a:srgbClr val="404040"/>
-                </a:solidFill>
-                <a:latin typeface="Lato"/>
-              </a:rPr>
-              <a:t>for</a:t>
-            </a:r>
-            <a:r>
-              <a:rPr lang="ru-RU" altLang="ru-RU" sz="1200" dirty="0">
-                <a:solidFill>
-                  <a:srgbClr val="404040"/>
-                </a:solidFill>
-                <a:latin typeface="Lato"/>
-              </a:rPr>
-              <a:t> </a:t>
-            </a:r>
-            <a:r>
-              <a:rPr lang="ru-RU" altLang="ru-RU" sz="1200" dirty="0" err="1">
-                <a:solidFill>
-                  <a:srgbClr val="404040"/>
-                </a:solidFill>
-                <a:latin typeface="Lato"/>
-              </a:rPr>
-              <a:t>all</a:t>
-            </a:r>
-            <a:r>
-              <a:rPr lang="ru-RU" altLang="ru-RU" sz="1200" dirty="0">
-                <a:solidFill>
-                  <a:srgbClr val="404040"/>
-                </a:solidFill>
-                <a:latin typeface="Lato"/>
-              </a:rPr>
-              <a:t> </a:t>
-            </a:r>
-            <a:r>
-              <a:rPr lang="ru-RU" altLang="ru-RU" sz="1200" dirty="0" err="1">
-                <a:solidFill>
-                  <a:srgbClr val="404040"/>
-                </a:solidFill>
-                <a:latin typeface="Lato"/>
-              </a:rPr>
-              <a:t>parents</a:t>
-            </a:r>
-            <a:r>
-              <a:rPr lang="ru-RU" altLang="ru-RU" sz="1200" dirty="0">
-                <a:solidFill>
-                  <a:srgbClr val="404040"/>
-                </a:solidFill>
-                <a:latin typeface="Lato"/>
-              </a:rPr>
-              <a:t> </a:t>
-            </a:r>
-            <a:r>
-              <a:rPr lang="ru-RU" altLang="ru-RU" sz="1200" dirty="0" err="1">
-                <a:solidFill>
-                  <a:srgbClr val="404040"/>
-                </a:solidFill>
-                <a:latin typeface="Lato"/>
-              </a:rPr>
-              <a:t>to</a:t>
-            </a:r>
-            <a:r>
-              <a:rPr lang="ru-RU" altLang="ru-RU" sz="1200" dirty="0">
-                <a:solidFill>
-                  <a:srgbClr val="404040"/>
-                </a:solidFill>
-                <a:latin typeface="Lato"/>
-              </a:rPr>
-              <a:t> </a:t>
-            </a:r>
-            <a:r>
-              <a:rPr lang="ru-RU" altLang="ru-RU" sz="1200" dirty="0" err="1">
-                <a:solidFill>
-                  <a:srgbClr val="404040"/>
-                </a:solidFill>
-                <a:latin typeface="Lato"/>
-              </a:rPr>
-              <a:t>be</a:t>
-            </a:r>
-            <a:r>
-              <a:rPr lang="ru-RU" altLang="ru-RU" sz="1200" dirty="0">
-                <a:solidFill>
-                  <a:srgbClr val="404040"/>
-                </a:solidFill>
-                <a:latin typeface="Lato"/>
-              </a:rPr>
-              <a:t> </a:t>
-            </a:r>
-            <a:r>
-              <a:rPr lang="ru-RU" altLang="ru-RU" sz="1200" dirty="0" err="1">
-                <a:solidFill>
-                  <a:srgbClr val="404040"/>
-                </a:solidFill>
-                <a:latin typeface="Lato"/>
-              </a:rPr>
-              <a:t>done</a:t>
-            </a:r>
-            <a:endParaRPr lang="ru-RU" altLang="ru-RU" sz="1200" dirty="0">
-              <a:solidFill>
-                <a:srgbClr val="404040"/>
-              </a:solidFill>
-              <a:latin typeface="Lato"/>
-            </a:endParaRPr>
-          </a:p>
-          <a:p>
-            <a:pPr eaLnBrk="0" fontAlgn="base" hangingPunct="0">
-              <a:lnSpc>
-                <a:spcPct val="100000"/>
-              </a:lnSpc>
-              <a:spcBef>
-                <a:spcPct val="0"/>
-              </a:spcBef>
-              <a:spcAft>
-                <a:spcPct val="0"/>
-              </a:spcAft>
-              <a:buClrTx/>
-              <a:buSzTx/>
-            </a:pPr>
-            <a:r>
-              <a:rPr lang="ru-RU" altLang="ru-RU" sz="900" dirty="0" err="1">
-                <a:solidFill>
-                  <a:srgbClr val="E74C3C"/>
-                </a:solidFill>
-                <a:latin typeface="SFMono-Regular"/>
-              </a:rPr>
-              <a:t>one_success</a:t>
-            </a:r>
-            <a:r>
-              <a:rPr lang="ru-RU" altLang="ru-RU" sz="1200" dirty="0">
-                <a:solidFill>
-                  <a:srgbClr val="404040"/>
-                </a:solidFill>
-                <a:latin typeface="Lato"/>
-              </a:rPr>
-              <a:t>: </a:t>
-            </a:r>
-            <a:r>
-              <a:rPr lang="ru-RU" altLang="ru-RU" sz="1200" dirty="0" err="1">
-                <a:solidFill>
-                  <a:srgbClr val="404040"/>
-                </a:solidFill>
-                <a:latin typeface="Lato"/>
-              </a:rPr>
-              <a:t>fires</a:t>
-            </a:r>
-            <a:r>
-              <a:rPr lang="ru-RU" altLang="ru-RU" sz="1200" dirty="0">
-                <a:solidFill>
-                  <a:srgbClr val="404040"/>
-                </a:solidFill>
-                <a:latin typeface="Lato"/>
-              </a:rPr>
-              <a:t> </a:t>
-            </a:r>
-            <a:r>
-              <a:rPr lang="ru-RU" altLang="ru-RU" sz="1200" dirty="0" err="1">
-                <a:solidFill>
-                  <a:srgbClr val="404040"/>
-                </a:solidFill>
-                <a:latin typeface="Lato"/>
-              </a:rPr>
-              <a:t>as</a:t>
-            </a:r>
-            <a:r>
-              <a:rPr lang="ru-RU" altLang="ru-RU" sz="1200" dirty="0">
-                <a:solidFill>
-                  <a:srgbClr val="404040"/>
-                </a:solidFill>
-                <a:latin typeface="Lato"/>
-              </a:rPr>
-              <a:t> </a:t>
-            </a:r>
-            <a:r>
-              <a:rPr lang="ru-RU" altLang="ru-RU" sz="1200" dirty="0" err="1">
-                <a:solidFill>
-                  <a:srgbClr val="404040"/>
-                </a:solidFill>
-                <a:latin typeface="Lato"/>
-              </a:rPr>
-              <a:t>soon</a:t>
-            </a:r>
-            <a:r>
-              <a:rPr lang="ru-RU" altLang="ru-RU" sz="1200" dirty="0">
-                <a:solidFill>
-                  <a:srgbClr val="404040"/>
-                </a:solidFill>
-                <a:latin typeface="Lato"/>
-              </a:rPr>
-              <a:t> </a:t>
-            </a:r>
-            <a:r>
-              <a:rPr lang="ru-RU" altLang="ru-RU" sz="1200" dirty="0" err="1">
-                <a:solidFill>
-                  <a:srgbClr val="404040"/>
-                </a:solidFill>
-                <a:latin typeface="Lato"/>
-              </a:rPr>
-              <a:t>as</a:t>
-            </a:r>
-            <a:r>
-              <a:rPr lang="ru-RU" altLang="ru-RU" sz="1200" dirty="0">
-                <a:solidFill>
-                  <a:srgbClr val="404040"/>
-                </a:solidFill>
-                <a:latin typeface="Lato"/>
-              </a:rPr>
-              <a:t> </a:t>
-            </a:r>
-            <a:r>
-              <a:rPr lang="ru-RU" altLang="ru-RU" sz="1200" dirty="0" err="1">
-                <a:solidFill>
-                  <a:srgbClr val="404040"/>
-                </a:solidFill>
-                <a:latin typeface="Lato"/>
-              </a:rPr>
-              <a:t>at</a:t>
-            </a:r>
-            <a:r>
-              <a:rPr lang="ru-RU" altLang="ru-RU" sz="1200" dirty="0">
-                <a:solidFill>
-                  <a:srgbClr val="404040"/>
-                </a:solidFill>
-                <a:latin typeface="Lato"/>
-              </a:rPr>
-              <a:t> </a:t>
-            </a:r>
-            <a:r>
-              <a:rPr lang="ru-RU" altLang="ru-RU" sz="1200" dirty="0" err="1">
-                <a:solidFill>
-                  <a:srgbClr val="404040"/>
-                </a:solidFill>
-                <a:latin typeface="Lato"/>
-              </a:rPr>
-              <a:t>least</a:t>
-            </a:r>
-            <a:r>
-              <a:rPr lang="ru-RU" altLang="ru-RU" sz="1200" dirty="0">
-                <a:solidFill>
-                  <a:srgbClr val="404040"/>
-                </a:solidFill>
-                <a:latin typeface="Lato"/>
-              </a:rPr>
-              <a:t> </a:t>
-            </a:r>
-            <a:r>
-              <a:rPr lang="ru-RU" altLang="ru-RU" sz="1200" dirty="0" err="1">
-                <a:solidFill>
-                  <a:srgbClr val="404040"/>
-                </a:solidFill>
-                <a:latin typeface="Lato"/>
-              </a:rPr>
-              <a:t>one</a:t>
-            </a:r>
-            <a:r>
-              <a:rPr lang="ru-RU" altLang="ru-RU" sz="1200" dirty="0">
-                <a:solidFill>
-                  <a:srgbClr val="404040"/>
-                </a:solidFill>
-                <a:latin typeface="Lato"/>
-              </a:rPr>
-              <a:t> </a:t>
-            </a:r>
-            <a:r>
-              <a:rPr lang="ru-RU" altLang="ru-RU" sz="1200" dirty="0" err="1">
-                <a:solidFill>
-                  <a:srgbClr val="404040"/>
-                </a:solidFill>
-                <a:latin typeface="Lato"/>
-              </a:rPr>
-              <a:t>parent</a:t>
-            </a:r>
-            <a:r>
-              <a:rPr lang="ru-RU" altLang="ru-RU" sz="1200" dirty="0">
-                <a:solidFill>
-                  <a:srgbClr val="404040"/>
-                </a:solidFill>
-                <a:latin typeface="Lato"/>
-              </a:rPr>
-              <a:t> </a:t>
-            </a:r>
-            <a:r>
-              <a:rPr lang="ru-RU" altLang="ru-RU" sz="1200" dirty="0" err="1">
-                <a:solidFill>
-                  <a:srgbClr val="404040"/>
-                </a:solidFill>
-                <a:latin typeface="Lato"/>
-              </a:rPr>
-              <a:t>succeeds</a:t>
-            </a:r>
-            <a:r>
-              <a:rPr lang="ru-RU" altLang="ru-RU" sz="1200" dirty="0">
-                <a:solidFill>
-                  <a:srgbClr val="404040"/>
-                </a:solidFill>
-                <a:latin typeface="Lato"/>
-              </a:rPr>
-              <a:t>, </a:t>
-            </a:r>
-            <a:r>
-              <a:rPr lang="ru-RU" altLang="ru-RU" sz="1200" dirty="0" err="1">
-                <a:solidFill>
-                  <a:srgbClr val="404040"/>
-                </a:solidFill>
-                <a:latin typeface="Lato"/>
-              </a:rPr>
-              <a:t>it</a:t>
-            </a:r>
-            <a:r>
-              <a:rPr lang="ru-RU" altLang="ru-RU" sz="1200" dirty="0">
-                <a:solidFill>
-                  <a:srgbClr val="404040"/>
-                </a:solidFill>
-                <a:latin typeface="Lato"/>
-              </a:rPr>
-              <a:t> </a:t>
-            </a:r>
-            <a:r>
-              <a:rPr lang="ru-RU" altLang="ru-RU" sz="1200" dirty="0" err="1">
-                <a:solidFill>
-                  <a:srgbClr val="404040"/>
-                </a:solidFill>
-                <a:latin typeface="Lato"/>
-              </a:rPr>
-              <a:t>does</a:t>
-            </a:r>
-            <a:r>
-              <a:rPr lang="ru-RU" altLang="ru-RU" sz="1200" dirty="0">
-                <a:solidFill>
-                  <a:srgbClr val="404040"/>
-                </a:solidFill>
-                <a:latin typeface="Lato"/>
-              </a:rPr>
-              <a:t> </a:t>
-            </a:r>
-            <a:r>
-              <a:rPr lang="ru-RU" altLang="ru-RU" sz="1200" dirty="0" err="1">
-                <a:solidFill>
-                  <a:srgbClr val="404040"/>
-                </a:solidFill>
-                <a:latin typeface="Lato"/>
-              </a:rPr>
-              <a:t>not</a:t>
-            </a:r>
-            <a:r>
-              <a:rPr lang="ru-RU" altLang="ru-RU" sz="1200" dirty="0">
-                <a:solidFill>
-                  <a:srgbClr val="404040"/>
-                </a:solidFill>
-                <a:latin typeface="Lato"/>
-              </a:rPr>
-              <a:t> </a:t>
-            </a:r>
-            <a:r>
-              <a:rPr lang="ru-RU" altLang="ru-RU" sz="1200" dirty="0" err="1">
-                <a:solidFill>
-                  <a:srgbClr val="404040"/>
-                </a:solidFill>
-                <a:latin typeface="Lato"/>
-              </a:rPr>
-              <a:t>wait</a:t>
-            </a:r>
-            <a:r>
-              <a:rPr lang="ru-RU" altLang="ru-RU" sz="1200" dirty="0">
-                <a:solidFill>
-                  <a:srgbClr val="404040"/>
-                </a:solidFill>
-                <a:latin typeface="Lato"/>
-              </a:rPr>
-              <a:t> </a:t>
-            </a:r>
-            <a:r>
-              <a:rPr lang="ru-RU" altLang="ru-RU" sz="1200" dirty="0" err="1">
-                <a:solidFill>
-                  <a:srgbClr val="404040"/>
-                </a:solidFill>
-                <a:latin typeface="Lato"/>
-              </a:rPr>
-              <a:t>for</a:t>
-            </a:r>
-            <a:r>
-              <a:rPr lang="ru-RU" altLang="ru-RU" sz="1200" dirty="0">
-                <a:solidFill>
-                  <a:srgbClr val="404040"/>
-                </a:solidFill>
-                <a:latin typeface="Lato"/>
-              </a:rPr>
-              <a:t> </a:t>
-            </a:r>
-            <a:r>
-              <a:rPr lang="ru-RU" altLang="ru-RU" sz="1200" dirty="0" err="1">
-                <a:solidFill>
-                  <a:srgbClr val="404040"/>
-                </a:solidFill>
-                <a:latin typeface="Lato"/>
-              </a:rPr>
-              <a:t>all</a:t>
-            </a:r>
-            <a:r>
-              <a:rPr lang="ru-RU" altLang="ru-RU" sz="1200" dirty="0">
-                <a:solidFill>
-                  <a:srgbClr val="404040"/>
-                </a:solidFill>
-                <a:latin typeface="Lato"/>
-              </a:rPr>
-              <a:t> </a:t>
-            </a:r>
-            <a:r>
-              <a:rPr lang="ru-RU" altLang="ru-RU" sz="1200" dirty="0" err="1">
-                <a:solidFill>
-                  <a:srgbClr val="404040"/>
-                </a:solidFill>
-                <a:latin typeface="Lato"/>
-              </a:rPr>
-              <a:t>parents</a:t>
-            </a:r>
-            <a:r>
-              <a:rPr lang="ru-RU" altLang="ru-RU" sz="1200" dirty="0">
-                <a:solidFill>
-                  <a:srgbClr val="404040"/>
-                </a:solidFill>
-                <a:latin typeface="Lato"/>
-              </a:rPr>
-              <a:t> </a:t>
-            </a:r>
-            <a:r>
-              <a:rPr lang="ru-RU" altLang="ru-RU" sz="1200" dirty="0" err="1">
-                <a:solidFill>
-                  <a:srgbClr val="404040"/>
-                </a:solidFill>
-                <a:latin typeface="Lato"/>
-              </a:rPr>
-              <a:t>to</a:t>
-            </a:r>
-            <a:r>
-              <a:rPr lang="ru-RU" altLang="ru-RU" sz="1200" dirty="0">
-                <a:solidFill>
-                  <a:srgbClr val="404040"/>
-                </a:solidFill>
-                <a:latin typeface="Lato"/>
-              </a:rPr>
-              <a:t> </a:t>
-            </a:r>
-            <a:r>
-              <a:rPr lang="ru-RU" altLang="ru-RU" sz="1200" dirty="0" err="1">
-                <a:solidFill>
-                  <a:srgbClr val="404040"/>
-                </a:solidFill>
-                <a:latin typeface="Lato"/>
-              </a:rPr>
-              <a:t>be</a:t>
-            </a:r>
-            <a:r>
-              <a:rPr lang="ru-RU" altLang="ru-RU" sz="1200" dirty="0">
-                <a:solidFill>
-                  <a:srgbClr val="404040"/>
-                </a:solidFill>
-                <a:latin typeface="Lato"/>
-              </a:rPr>
-              <a:t> </a:t>
-            </a:r>
-            <a:r>
-              <a:rPr lang="ru-RU" altLang="ru-RU" sz="1200" dirty="0" err="1">
-                <a:solidFill>
-                  <a:srgbClr val="404040"/>
-                </a:solidFill>
-                <a:latin typeface="Lato"/>
-              </a:rPr>
-              <a:t>done</a:t>
-            </a:r>
-            <a:endParaRPr lang="ru-RU" altLang="ru-RU" sz="1200" dirty="0">
-              <a:solidFill>
-                <a:srgbClr val="404040"/>
-              </a:solidFill>
-              <a:latin typeface="Lato"/>
-            </a:endParaRPr>
-          </a:p>
-          <a:p>
-            <a:pPr eaLnBrk="0" fontAlgn="base" hangingPunct="0">
-              <a:lnSpc>
-                <a:spcPct val="100000"/>
-              </a:lnSpc>
-              <a:spcBef>
-                <a:spcPct val="0"/>
-              </a:spcBef>
-              <a:spcAft>
-                <a:spcPct val="0"/>
-              </a:spcAft>
-              <a:buClrTx/>
-              <a:buSzTx/>
-            </a:pPr>
-            <a:r>
-              <a:rPr lang="ru-RU" altLang="ru-RU" sz="900" dirty="0" err="1">
-                <a:solidFill>
-                  <a:srgbClr val="E74C3C"/>
-                </a:solidFill>
-                <a:latin typeface="SFMono-Regular"/>
-              </a:rPr>
-              <a:t>none_failed</a:t>
-            </a:r>
-            <a:r>
-              <a:rPr lang="ru-RU" altLang="ru-RU" sz="1200" dirty="0">
-                <a:solidFill>
-                  <a:srgbClr val="404040"/>
-                </a:solidFill>
-                <a:latin typeface="Lato"/>
-              </a:rPr>
-              <a:t>: </a:t>
-            </a:r>
-            <a:r>
-              <a:rPr lang="ru-RU" altLang="ru-RU" sz="1200" dirty="0" err="1">
-                <a:solidFill>
-                  <a:srgbClr val="404040"/>
-                </a:solidFill>
-                <a:latin typeface="Lato"/>
-              </a:rPr>
-              <a:t>all</a:t>
-            </a:r>
-            <a:r>
-              <a:rPr lang="ru-RU" altLang="ru-RU" sz="1200" dirty="0">
-                <a:solidFill>
-                  <a:srgbClr val="404040"/>
-                </a:solidFill>
-                <a:latin typeface="Lato"/>
-              </a:rPr>
-              <a:t> </a:t>
-            </a:r>
-            <a:r>
-              <a:rPr lang="ru-RU" altLang="ru-RU" sz="1200" dirty="0" err="1">
-                <a:solidFill>
-                  <a:srgbClr val="404040"/>
-                </a:solidFill>
-                <a:latin typeface="Lato"/>
-              </a:rPr>
-              <a:t>parents</a:t>
-            </a:r>
-            <a:r>
-              <a:rPr lang="ru-RU" altLang="ru-RU" sz="1200" dirty="0">
-                <a:solidFill>
-                  <a:srgbClr val="404040"/>
-                </a:solidFill>
-                <a:latin typeface="Lato"/>
-              </a:rPr>
-              <a:t> </a:t>
-            </a:r>
-            <a:r>
-              <a:rPr lang="ru-RU" altLang="ru-RU" sz="1200" dirty="0" err="1">
-                <a:solidFill>
-                  <a:srgbClr val="404040"/>
-                </a:solidFill>
-                <a:latin typeface="Lato"/>
-              </a:rPr>
-              <a:t>have</a:t>
-            </a:r>
-            <a:r>
-              <a:rPr lang="ru-RU" altLang="ru-RU" sz="1200" dirty="0">
-                <a:solidFill>
-                  <a:srgbClr val="404040"/>
-                </a:solidFill>
-                <a:latin typeface="Lato"/>
-              </a:rPr>
-              <a:t> </a:t>
-            </a:r>
-            <a:r>
-              <a:rPr lang="ru-RU" altLang="ru-RU" sz="1200" dirty="0" err="1">
-                <a:solidFill>
-                  <a:srgbClr val="404040"/>
-                </a:solidFill>
-                <a:latin typeface="Lato"/>
-              </a:rPr>
-              <a:t>not</a:t>
-            </a:r>
-            <a:r>
-              <a:rPr lang="ru-RU" altLang="ru-RU" sz="1200" dirty="0">
-                <a:solidFill>
-                  <a:srgbClr val="404040"/>
-                </a:solidFill>
-                <a:latin typeface="Lato"/>
-              </a:rPr>
-              <a:t> </a:t>
-            </a:r>
-            <a:r>
-              <a:rPr lang="ru-RU" altLang="ru-RU" sz="1200" dirty="0" err="1">
-                <a:solidFill>
-                  <a:srgbClr val="404040"/>
-                </a:solidFill>
-                <a:latin typeface="Lato"/>
-              </a:rPr>
-              <a:t>failed</a:t>
-            </a:r>
-            <a:r>
-              <a:rPr lang="ru-RU" altLang="ru-RU" sz="1200" dirty="0">
-                <a:solidFill>
-                  <a:srgbClr val="404040"/>
-                </a:solidFill>
-                <a:latin typeface="Lato"/>
-              </a:rPr>
-              <a:t> (</a:t>
-            </a:r>
-            <a:r>
-              <a:rPr lang="ru-RU" altLang="ru-RU" sz="900" dirty="0" err="1">
-                <a:solidFill>
-                  <a:srgbClr val="E74C3C"/>
-                </a:solidFill>
-                <a:latin typeface="SFMono-Regular"/>
-              </a:rPr>
-              <a:t>failed</a:t>
-            </a:r>
-            <a:r>
-              <a:rPr lang="ru-RU" altLang="ru-RU" sz="1200" dirty="0">
-                <a:solidFill>
-                  <a:srgbClr val="404040"/>
-                </a:solidFill>
-                <a:latin typeface="Lato"/>
-              </a:rPr>
-              <a:t> </a:t>
-            </a:r>
-            <a:r>
-              <a:rPr lang="ru-RU" altLang="ru-RU" sz="1200" dirty="0" err="1">
-                <a:solidFill>
-                  <a:srgbClr val="404040"/>
-                </a:solidFill>
-                <a:latin typeface="Lato"/>
-              </a:rPr>
-              <a:t>or</a:t>
-            </a:r>
-            <a:r>
-              <a:rPr lang="ru-RU" altLang="ru-RU" sz="1200" dirty="0">
-                <a:solidFill>
-                  <a:srgbClr val="404040"/>
-                </a:solidFill>
-                <a:latin typeface="Lato"/>
-              </a:rPr>
-              <a:t> </a:t>
-            </a:r>
-            <a:r>
-              <a:rPr lang="ru-RU" altLang="ru-RU" sz="900" dirty="0" err="1">
-                <a:solidFill>
-                  <a:srgbClr val="E74C3C"/>
-                </a:solidFill>
-                <a:latin typeface="SFMono-Regular"/>
-              </a:rPr>
-              <a:t>upstream_failed</a:t>
-            </a:r>
-            <a:r>
-              <a:rPr lang="ru-RU" altLang="ru-RU" sz="1200" dirty="0">
-                <a:solidFill>
-                  <a:srgbClr val="404040"/>
-                </a:solidFill>
-                <a:latin typeface="Lato"/>
-              </a:rPr>
-              <a:t>) </a:t>
-            </a:r>
-            <a:r>
-              <a:rPr lang="ru-RU" altLang="ru-RU" sz="1200" dirty="0" err="1">
-                <a:solidFill>
-                  <a:srgbClr val="404040"/>
-                </a:solidFill>
-                <a:latin typeface="Lato"/>
-              </a:rPr>
-              <a:t>i.e</a:t>
-            </a:r>
-            <a:r>
-              <a:rPr lang="ru-RU" altLang="ru-RU" sz="1200" dirty="0">
-                <a:solidFill>
-                  <a:srgbClr val="404040"/>
-                </a:solidFill>
-                <a:latin typeface="Lato"/>
-              </a:rPr>
-              <a:t>. </a:t>
-            </a:r>
-            <a:r>
-              <a:rPr lang="ru-RU" altLang="ru-RU" sz="1200" dirty="0" err="1">
-                <a:solidFill>
-                  <a:srgbClr val="404040"/>
-                </a:solidFill>
-                <a:latin typeface="Lato"/>
-              </a:rPr>
-              <a:t>all</a:t>
-            </a:r>
-            <a:r>
-              <a:rPr lang="ru-RU" altLang="ru-RU" sz="1200" dirty="0">
-                <a:solidFill>
-                  <a:srgbClr val="404040"/>
-                </a:solidFill>
-                <a:latin typeface="Lato"/>
-              </a:rPr>
-              <a:t> </a:t>
-            </a:r>
-            <a:r>
-              <a:rPr lang="ru-RU" altLang="ru-RU" sz="1200" dirty="0" err="1">
-                <a:solidFill>
-                  <a:srgbClr val="404040"/>
-                </a:solidFill>
-                <a:latin typeface="Lato"/>
-              </a:rPr>
-              <a:t>parents</a:t>
-            </a:r>
-            <a:r>
-              <a:rPr lang="ru-RU" altLang="ru-RU" sz="1200" dirty="0">
-                <a:solidFill>
-                  <a:srgbClr val="404040"/>
-                </a:solidFill>
-                <a:latin typeface="Lato"/>
-              </a:rPr>
-              <a:t> </a:t>
-            </a:r>
-            <a:r>
-              <a:rPr lang="ru-RU" altLang="ru-RU" sz="1200" dirty="0" err="1">
-                <a:solidFill>
-                  <a:srgbClr val="404040"/>
-                </a:solidFill>
-                <a:latin typeface="Lato"/>
-              </a:rPr>
-              <a:t>have</a:t>
-            </a:r>
-            <a:r>
-              <a:rPr lang="ru-RU" altLang="ru-RU" sz="1200" dirty="0">
-                <a:solidFill>
-                  <a:srgbClr val="404040"/>
-                </a:solidFill>
-                <a:latin typeface="Lato"/>
-              </a:rPr>
-              <a:t> </a:t>
-            </a:r>
-            <a:r>
-              <a:rPr lang="ru-RU" altLang="ru-RU" sz="1200" dirty="0" err="1">
-                <a:solidFill>
-                  <a:srgbClr val="404040"/>
-                </a:solidFill>
-                <a:latin typeface="Lato"/>
-              </a:rPr>
-              <a:t>succeeded</a:t>
-            </a:r>
-            <a:r>
-              <a:rPr lang="ru-RU" altLang="ru-RU" sz="1200" dirty="0">
-                <a:solidFill>
-                  <a:srgbClr val="404040"/>
-                </a:solidFill>
-                <a:latin typeface="Lato"/>
-              </a:rPr>
-              <a:t> </a:t>
-            </a:r>
-            <a:r>
-              <a:rPr lang="ru-RU" altLang="ru-RU" sz="1200" dirty="0" err="1">
-                <a:solidFill>
-                  <a:srgbClr val="404040"/>
-                </a:solidFill>
-                <a:latin typeface="Lato"/>
-              </a:rPr>
-              <a:t>or</a:t>
-            </a:r>
-            <a:r>
-              <a:rPr lang="ru-RU" altLang="ru-RU" sz="1200" dirty="0">
-                <a:solidFill>
-                  <a:srgbClr val="404040"/>
-                </a:solidFill>
-                <a:latin typeface="Lato"/>
-              </a:rPr>
-              <a:t> </a:t>
-            </a:r>
-            <a:r>
-              <a:rPr lang="ru-RU" altLang="ru-RU" sz="1200" dirty="0" err="1">
-                <a:solidFill>
-                  <a:srgbClr val="404040"/>
-                </a:solidFill>
-                <a:latin typeface="Lato"/>
-              </a:rPr>
-              <a:t>been</a:t>
-            </a:r>
-            <a:r>
-              <a:rPr lang="ru-RU" altLang="ru-RU" sz="1200" dirty="0">
-                <a:solidFill>
-                  <a:srgbClr val="404040"/>
-                </a:solidFill>
-                <a:latin typeface="Lato"/>
-              </a:rPr>
-              <a:t> </a:t>
-            </a:r>
-            <a:r>
-              <a:rPr lang="ru-RU" altLang="ru-RU" sz="1200" dirty="0" err="1">
-                <a:solidFill>
-                  <a:srgbClr val="404040"/>
-                </a:solidFill>
-                <a:latin typeface="Lato"/>
-              </a:rPr>
-              <a:t>skipped</a:t>
-            </a:r>
-            <a:endParaRPr lang="ru-RU" altLang="ru-RU" sz="1200" dirty="0">
-              <a:solidFill>
-                <a:srgbClr val="404040"/>
-              </a:solidFill>
-              <a:latin typeface="Lato"/>
-            </a:endParaRPr>
-          </a:p>
-          <a:p>
-            <a:pPr eaLnBrk="0" fontAlgn="base" hangingPunct="0">
-              <a:lnSpc>
-                <a:spcPct val="100000"/>
-              </a:lnSpc>
-              <a:spcBef>
-                <a:spcPct val="0"/>
-              </a:spcBef>
-              <a:spcAft>
-                <a:spcPct val="0"/>
-              </a:spcAft>
-              <a:buClrTx/>
-              <a:buSzTx/>
-            </a:pPr>
-            <a:r>
-              <a:rPr lang="ru-RU" altLang="ru-RU" sz="900" dirty="0" err="1">
-                <a:solidFill>
-                  <a:srgbClr val="E74C3C"/>
-                </a:solidFill>
-                <a:latin typeface="SFMono-Regular"/>
-              </a:rPr>
-              <a:t>none_skipped</a:t>
-            </a:r>
-            <a:r>
-              <a:rPr lang="ru-RU" altLang="ru-RU" sz="1200" dirty="0">
-                <a:solidFill>
-                  <a:srgbClr val="404040"/>
-                </a:solidFill>
-                <a:latin typeface="Lato"/>
-              </a:rPr>
-              <a:t>: </a:t>
-            </a:r>
-            <a:r>
-              <a:rPr lang="ru-RU" altLang="ru-RU" sz="1200" dirty="0" err="1">
-                <a:solidFill>
-                  <a:srgbClr val="404040"/>
-                </a:solidFill>
-                <a:latin typeface="Lato"/>
-              </a:rPr>
-              <a:t>no</a:t>
-            </a:r>
-            <a:r>
-              <a:rPr lang="ru-RU" altLang="ru-RU" sz="1200" dirty="0">
-                <a:solidFill>
-                  <a:srgbClr val="404040"/>
-                </a:solidFill>
-                <a:latin typeface="Lato"/>
-              </a:rPr>
-              <a:t> </a:t>
-            </a:r>
-            <a:r>
-              <a:rPr lang="ru-RU" altLang="ru-RU" sz="1200" dirty="0" err="1">
-                <a:solidFill>
-                  <a:srgbClr val="404040"/>
-                </a:solidFill>
-                <a:latin typeface="Lato"/>
-              </a:rPr>
-              <a:t>parent</a:t>
-            </a:r>
-            <a:r>
-              <a:rPr lang="ru-RU" altLang="ru-RU" sz="1200" dirty="0">
-                <a:solidFill>
-                  <a:srgbClr val="404040"/>
-                </a:solidFill>
-                <a:latin typeface="Lato"/>
-              </a:rPr>
-              <a:t> </a:t>
-            </a:r>
-            <a:r>
-              <a:rPr lang="ru-RU" altLang="ru-RU" sz="1200" dirty="0" err="1">
-                <a:solidFill>
-                  <a:srgbClr val="404040"/>
-                </a:solidFill>
-                <a:latin typeface="Lato"/>
-              </a:rPr>
-              <a:t>is</a:t>
-            </a:r>
-            <a:r>
-              <a:rPr lang="ru-RU" altLang="ru-RU" sz="1200" dirty="0">
-                <a:solidFill>
-                  <a:srgbClr val="404040"/>
-                </a:solidFill>
-                <a:latin typeface="Lato"/>
-              </a:rPr>
-              <a:t> </a:t>
-            </a:r>
-            <a:r>
-              <a:rPr lang="ru-RU" altLang="ru-RU" sz="1200" dirty="0" err="1">
-                <a:solidFill>
-                  <a:srgbClr val="404040"/>
-                </a:solidFill>
-                <a:latin typeface="Lato"/>
-              </a:rPr>
-              <a:t>in</a:t>
-            </a:r>
-            <a:r>
-              <a:rPr lang="ru-RU" altLang="ru-RU" sz="1200" dirty="0">
-                <a:solidFill>
-                  <a:srgbClr val="404040"/>
-                </a:solidFill>
-                <a:latin typeface="Lato"/>
-              </a:rPr>
-              <a:t> a </a:t>
-            </a:r>
-            <a:r>
-              <a:rPr lang="ru-RU" altLang="ru-RU" sz="900" dirty="0" err="1">
-                <a:solidFill>
-                  <a:srgbClr val="E74C3C"/>
-                </a:solidFill>
-                <a:latin typeface="SFMono-Regular"/>
-              </a:rPr>
-              <a:t>skipped</a:t>
-            </a:r>
-            <a:r>
-              <a:rPr lang="ru-RU" altLang="ru-RU" sz="1200" dirty="0">
-                <a:solidFill>
-                  <a:srgbClr val="404040"/>
-                </a:solidFill>
-                <a:latin typeface="Lato"/>
-              </a:rPr>
-              <a:t> </a:t>
-            </a:r>
-            <a:r>
-              <a:rPr lang="ru-RU" altLang="ru-RU" sz="1200" dirty="0" err="1">
-                <a:solidFill>
-                  <a:srgbClr val="404040"/>
-                </a:solidFill>
-                <a:latin typeface="Lato"/>
-              </a:rPr>
-              <a:t>state</a:t>
-            </a:r>
-            <a:r>
-              <a:rPr lang="ru-RU" altLang="ru-RU" sz="1200" dirty="0">
-                <a:solidFill>
-                  <a:srgbClr val="404040"/>
-                </a:solidFill>
-                <a:latin typeface="Lato"/>
-              </a:rPr>
-              <a:t>, </a:t>
-            </a:r>
-            <a:r>
-              <a:rPr lang="ru-RU" altLang="ru-RU" sz="1200" dirty="0" err="1">
-                <a:solidFill>
-                  <a:srgbClr val="404040"/>
-                </a:solidFill>
-                <a:latin typeface="Lato"/>
-              </a:rPr>
-              <a:t>i.e</a:t>
-            </a:r>
-            <a:r>
-              <a:rPr lang="ru-RU" altLang="ru-RU" sz="1200" dirty="0">
-                <a:solidFill>
-                  <a:srgbClr val="404040"/>
-                </a:solidFill>
-                <a:latin typeface="Lato"/>
-              </a:rPr>
-              <a:t>. </a:t>
-            </a:r>
-            <a:r>
-              <a:rPr lang="ru-RU" altLang="ru-RU" sz="1200" dirty="0" err="1">
-                <a:solidFill>
-                  <a:srgbClr val="404040"/>
-                </a:solidFill>
-                <a:latin typeface="Lato"/>
-              </a:rPr>
-              <a:t>all</a:t>
-            </a:r>
-            <a:r>
-              <a:rPr lang="ru-RU" altLang="ru-RU" sz="1200" dirty="0">
-                <a:solidFill>
-                  <a:srgbClr val="404040"/>
-                </a:solidFill>
-                <a:latin typeface="Lato"/>
-              </a:rPr>
-              <a:t> </a:t>
-            </a:r>
-            <a:r>
-              <a:rPr lang="ru-RU" altLang="ru-RU" sz="1200" dirty="0" err="1">
-                <a:solidFill>
-                  <a:srgbClr val="404040"/>
-                </a:solidFill>
-                <a:latin typeface="Lato"/>
-              </a:rPr>
-              <a:t>parents</a:t>
-            </a:r>
-            <a:r>
-              <a:rPr lang="ru-RU" altLang="ru-RU" sz="1200" dirty="0">
-                <a:solidFill>
-                  <a:srgbClr val="404040"/>
-                </a:solidFill>
-                <a:latin typeface="Lato"/>
-              </a:rPr>
-              <a:t> </a:t>
-            </a:r>
-            <a:r>
-              <a:rPr lang="ru-RU" altLang="ru-RU" sz="1200" dirty="0" err="1">
-                <a:solidFill>
-                  <a:srgbClr val="404040"/>
-                </a:solidFill>
-                <a:latin typeface="Lato"/>
-              </a:rPr>
-              <a:t>are</a:t>
-            </a:r>
-            <a:r>
-              <a:rPr lang="ru-RU" altLang="ru-RU" sz="1200" dirty="0">
-                <a:solidFill>
-                  <a:srgbClr val="404040"/>
-                </a:solidFill>
-                <a:latin typeface="Lato"/>
-              </a:rPr>
-              <a:t> </a:t>
-            </a:r>
-            <a:r>
-              <a:rPr lang="ru-RU" altLang="ru-RU" sz="1200" dirty="0" err="1">
-                <a:solidFill>
-                  <a:srgbClr val="404040"/>
-                </a:solidFill>
-                <a:latin typeface="Lato"/>
-              </a:rPr>
-              <a:t>in</a:t>
-            </a:r>
-            <a:r>
-              <a:rPr lang="ru-RU" altLang="ru-RU" sz="1200" dirty="0">
-                <a:solidFill>
-                  <a:srgbClr val="404040"/>
-                </a:solidFill>
-                <a:latin typeface="Lato"/>
-              </a:rPr>
-              <a:t> a </a:t>
-            </a:r>
-            <a:r>
-              <a:rPr lang="ru-RU" altLang="ru-RU" sz="900" dirty="0" err="1">
-                <a:solidFill>
-                  <a:srgbClr val="E74C3C"/>
-                </a:solidFill>
-                <a:latin typeface="SFMono-Regular"/>
-              </a:rPr>
-              <a:t>success</a:t>
-            </a:r>
-            <a:r>
-              <a:rPr lang="ru-RU" altLang="ru-RU" sz="1200" dirty="0">
-                <a:solidFill>
-                  <a:srgbClr val="404040"/>
-                </a:solidFill>
-                <a:latin typeface="Lato"/>
-              </a:rPr>
-              <a:t>, </a:t>
-            </a:r>
-            <a:r>
-              <a:rPr lang="ru-RU" altLang="ru-RU" sz="900" dirty="0" err="1">
-                <a:solidFill>
-                  <a:srgbClr val="E74C3C"/>
-                </a:solidFill>
-                <a:latin typeface="SFMono-Regular"/>
-              </a:rPr>
-              <a:t>failed</a:t>
-            </a:r>
-            <a:r>
-              <a:rPr lang="ru-RU" altLang="ru-RU" sz="1200" dirty="0">
-                <a:solidFill>
-                  <a:srgbClr val="404040"/>
-                </a:solidFill>
-                <a:latin typeface="Lato"/>
-              </a:rPr>
-              <a:t>, </a:t>
-            </a:r>
-            <a:r>
-              <a:rPr lang="ru-RU" altLang="ru-RU" sz="1200" dirty="0" err="1">
-                <a:solidFill>
-                  <a:srgbClr val="404040"/>
-                </a:solidFill>
-                <a:latin typeface="Lato"/>
-              </a:rPr>
-              <a:t>or</a:t>
-            </a:r>
-            <a:r>
-              <a:rPr lang="ru-RU" altLang="ru-RU" sz="1200" dirty="0">
-                <a:solidFill>
-                  <a:srgbClr val="404040"/>
-                </a:solidFill>
-                <a:latin typeface="Lato"/>
-              </a:rPr>
-              <a:t> </a:t>
-            </a:r>
-            <a:r>
-              <a:rPr lang="ru-RU" altLang="ru-RU" sz="900" dirty="0" err="1">
-                <a:solidFill>
-                  <a:srgbClr val="E74C3C"/>
-                </a:solidFill>
-                <a:latin typeface="SFMono-Regular"/>
-              </a:rPr>
-              <a:t>upstream_failed</a:t>
-            </a:r>
-            <a:r>
-              <a:rPr lang="ru-RU" altLang="ru-RU" sz="1200" dirty="0">
-                <a:solidFill>
-                  <a:srgbClr val="404040"/>
-                </a:solidFill>
-                <a:latin typeface="Lato"/>
-              </a:rPr>
-              <a:t> </a:t>
-            </a:r>
-            <a:r>
-              <a:rPr lang="ru-RU" altLang="ru-RU" sz="1200" dirty="0" err="1">
-                <a:solidFill>
-                  <a:srgbClr val="404040"/>
-                </a:solidFill>
-                <a:latin typeface="Lato"/>
-              </a:rPr>
-              <a:t>state</a:t>
-            </a:r>
-            <a:endParaRPr lang="ru-RU" altLang="ru-RU" sz="1200" dirty="0">
-              <a:solidFill>
-                <a:srgbClr val="404040"/>
-              </a:solidFill>
-              <a:latin typeface="Lato"/>
-            </a:endParaRPr>
-          </a:p>
-          <a:p>
-            <a:pPr eaLnBrk="0" fontAlgn="base" hangingPunct="0">
-              <a:lnSpc>
-                <a:spcPct val="100000"/>
-              </a:lnSpc>
-              <a:spcBef>
-                <a:spcPct val="0"/>
-              </a:spcBef>
-              <a:spcAft>
-                <a:spcPct val="0"/>
-              </a:spcAft>
-              <a:buClrTx/>
-              <a:buSzTx/>
-            </a:pPr>
-            <a:r>
-              <a:rPr lang="ru-RU" altLang="ru-RU" sz="900" dirty="0" err="1">
-                <a:solidFill>
-                  <a:srgbClr val="E74C3C"/>
-                </a:solidFill>
-                <a:latin typeface="SFMono-Regular"/>
-              </a:rPr>
-              <a:t>dummy</a:t>
-            </a:r>
-            <a:r>
-              <a:rPr lang="ru-RU" altLang="ru-RU" sz="1200" dirty="0">
-                <a:solidFill>
-                  <a:srgbClr val="404040"/>
-                </a:solidFill>
-                <a:latin typeface="Lato"/>
-              </a:rPr>
-              <a:t>: </a:t>
-            </a:r>
-            <a:r>
-              <a:rPr lang="ru-RU" altLang="ru-RU" sz="1200" dirty="0" err="1">
-                <a:solidFill>
-                  <a:srgbClr val="404040"/>
-                </a:solidFill>
-                <a:latin typeface="Lato"/>
-              </a:rPr>
-              <a:t>dependencies</a:t>
-            </a:r>
-            <a:r>
-              <a:rPr lang="ru-RU" altLang="ru-RU" sz="1200" dirty="0">
-                <a:solidFill>
-                  <a:srgbClr val="404040"/>
-                </a:solidFill>
-                <a:latin typeface="Lato"/>
-              </a:rPr>
-              <a:t> </a:t>
-            </a:r>
-            <a:r>
-              <a:rPr lang="ru-RU" altLang="ru-RU" sz="1200" dirty="0" err="1">
-                <a:solidFill>
-                  <a:srgbClr val="404040"/>
-                </a:solidFill>
-                <a:latin typeface="Lato"/>
-              </a:rPr>
-              <a:t>are</a:t>
-            </a:r>
-            <a:r>
-              <a:rPr lang="ru-RU" altLang="ru-RU" sz="1200" dirty="0">
-                <a:solidFill>
-                  <a:srgbClr val="404040"/>
-                </a:solidFill>
-                <a:latin typeface="Lato"/>
-              </a:rPr>
-              <a:t> </a:t>
-            </a:r>
-            <a:r>
-              <a:rPr lang="ru-RU" altLang="ru-RU" sz="1200" dirty="0" err="1">
-                <a:solidFill>
-                  <a:srgbClr val="404040"/>
-                </a:solidFill>
-                <a:latin typeface="Lato"/>
-              </a:rPr>
-              <a:t>just</a:t>
-            </a:r>
-            <a:r>
-              <a:rPr lang="ru-RU" altLang="ru-RU" sz="1200" dirty="0">
-                <a:solidFill>
-                  <a:srgbClr val="404040"/>
-                </a:solidFill>
-                <a:latin typeface="Lato"/>
-              </a:rPr>
-              <a:t> </a:t>
-            </a:r>
-            <a:r>
-              <a:rPr lang="ru-RU" altLang="ru-RU" sz="1200" dirty="0" err="1">
-                <a:solidFill>
-                  <a:srgbClr val="404040"/>
-                </a:solidFill>
-                <a:latin typeface="Lato"/>
-              </a:rPr>
-              <a:t>for</a:t>
-            </a:r>
-            <a:r>
-              <a:rPr lang="ru-RU" altLang="ru-RU" sz="1200" dirty="0">
-                <a:solidFill>
-                  <a:srgbClr val="404040"/>
-                </a:solidFill>
-                <a:latin typeface="Lato"/>
-              </a:rPr>
-              <a:t> </a:t>
-            </a:r>
-            <a:r>
-              <a:rPr lang="ru-RU" altLang="ru-RU" sz="1200" dirty="0" err="1">
-                <a:solidFill>
-                  <a:srgbClr val="404040"/>
-                </a:solidFill>
-                <a:latin typeface="Lato"/>
-              </a:rPr>
-              <a:t>show</a:t>
-            </a:r>
-            <a:r>
-              <a:rPr lang="ru-RU" altLang="ru-RU" sz="1200" dirty="0">
-                <a:solidFill>
-                  <a:srgbClr val="404040"/>
-                </a:solidFill>
-                <a:latin typeface="Lato"/>
-              </a:rPr>
-              <a:t>, </a:t>
-            </a:r>
-            <a:r>
-              <a:rPr lang="ru-RU" altLang="ru-RU" sz="1200" b="1" dirty="0" err="1">
-                <a:solidFill>
-                  <a:srgbClr val="404040"/>
-                </a:solidFill>
-                <a:latin typeface="Lato"/>
-              </a:rPr>
-              <a:t>trigger</a:t>
-            </a:r>
-            <a:r>
-              <a:rPr lang="ru-RU" altLang="ru-RU" sz="1200" dirty="0">
-                <a:solidFill>
-                  <a:srgbClr val="404040"/>
-                </a:solidFill>
-                <a:latin typeface="Lato"/>
-              </a:rPr>
-              <a:t> </a:t>
-            </a:r>
-            <a:r>
-              <a:rPr lang="ru-RU" altLang="ru-RU" sz="1200" dirty="0" err="1">
-                <a:solidFill>
-                  <a:srgbClr val="404040"/>
-                </a:solidFill>
-                <a:latin typeface="Lato"/>
-              </a:rPr>
-              <a:t>at</a:t>
-            </a:r>
-            <a:r>
-              <a:rPr lang="ru-RU" altLang="ru-RU" sz="1200" dirty="0">
-                <a:solidFill>
-                  <a:srgbClr val="404040"/>
-                </a:solidFill>
-                <a:latin typeface="Lato"/>
-              </a:rPr>
-              <a:t> </a:t>
-            </a:r>
-            <a:r>
-              <a:rPr lang="ru-RU" altLang="ru-RU" sz="1200" dirty="0" err="1">
-                <a:solidFill>
-                  <a:srgbClr val="404040"/>
-                </a:solidFill>
-                <a:latin typeface="Lato"/>
-              </a:rPr>
-              <a:t>will</a:t>
-            </a:r>
-            <a:endParaRPr lang="ru-RU" altLang="ru-RU" sz="1200" dirty="0">
-              <a:solidFill>
-                <a:srgbClr val="404040"/>
-              </a:solidFill>
-              <a:latin typeface="Lato"/>
-            </a:endParaRPr>
-          </a:p>
-          <a:p>
-            <a:pPr marL="274320" lvl="1" indent="0">
+              <a:rPr lang="ru-RU" dirty="0"/>
+              <a:t>Основной способ организации переменных</a:t>
+            </a:r>
+            <a:endParaRPr lang="en-US" dirty="0"/>
+          </a:p>
+          <a:p>
+            <a:endParaRPr lang="en-US" dirty="0"/>
+          </a:p>
+          <a:p>
+            <a:pPr marL="0" indent="0">
               <a:buNone/>
             </a:pPr>
             <a:endParaRPr lang="ru-RU" dirty="0"/>
           </a:p>
-          <a:p>
-            <a:pPr lvl="1"/>
-            <a:endParaRPr lang="ru-RU" dirty="0"/>
-          </a:p>
         </p:txBody>
       </p:sp>
-      <p:pic>
-        <p:nvPicPr>
-          <p:cNvPr id="4" name="Picture 3">
+      <p:sp>
+        <p:nvSpPr>
+          <p:cNvPr id="6" name="Rectangle 3">
             <a:extLst>
               <a:ext uri="{FF2B5EF4-FFF2-40B4-BE49-F238E27FC236}">
-                <a16:creationId xmlns:a16="http://schemas.microsoft.com/office/drawing/2014/main" id="{0125E9F2-A600-4F0C-89DC-4858A1FC988C}"/>
-              </a:ext>
-            </a:extLst>
-          </p:cNvPr>
-          <p:cNvPicPr>
-            <a:picLocks noChangeAspect="1"/>
-          </p:cNvPicPr>
-          <p:nvPr/>
-        </p:nvPicPr>
-        <p:blipFill>
-          <a:blip r:embed="rId2"/>
-          <a:stretch>
-            <a:fillRect/>
-          </a:stretch>
-        </p:blipFill>
-        <p:spPr>
-          <a:xfrm>
-            <a:off x="6227064" y="2048990"/>
-            <a:ext cx="5902988" cy="2141270"/>
-          </a:xfrm>
-          <a:prstGeom prst="rect">
-            <a:avLst/>
-          </a:prstGeom>
-        </p:spPr>
-      </p:pic>
-      <p:sp>
-        <p:nvSpPr>
-          <p:cNvPr id="8" name="Rectangle 4">
-            <a:extLst>
-              <a:ext uri="{FF2B5EF4-FFF2-40B4-BE49-F238E27FC236}">
-                <a16:creationId xmlns:a16="http://schemas.microsoft.com/office/drawing/2014/main" id="{CF21DA83-1565-4C0B-81FB-C610D5F744EC}"/>
+                <a16:creationId xmlns:a16="http://schemas.microsoft.com/office/drawing/2014/main" id="{6C2F028B-C3EB-400C-A39F-36884E505865}"/>
               </a:ext>
             </a:extLst>
           </p:cNvPr>
@@ -6801,20 +4685,25 @@
         </p:nvSpPr>
         <p:spPr bwMode="auto">
           <a:xfrm>
-            <a:off x="0" y="-353919"/>
-            <a:ext cx="65" cy="707838"/>
+            <a:off x="1563624" y="2631004"/>
+            <a:ext cx="5065776" cy="1515800"/>
           </a:xfrm>
           <a:prstGeom prst="rect">
             <a:avLst/>
           </a:prstGeom>
-          <a:solidFill>
-            <a:srgbClr val="FFFFFF"/>
-          </a:solidFill>
+          <a:noFill/>
           <a:ln>
             <a:noFill/>
           </a:ln>
           <a:effectLst/>
           <a:extLst>
+            <a:ext uri="{909E8E84-426E-40DD-AFC4-6F175D3DCCD1}">
+              <a14:hiddenFill xmlns:a14="http://schemas.microsoft.com/office/drawing/2010/main">
+                <a:solidFill>
+                  <a:schemeClr val="accent1"/>
+                </a:solidFill>
+              </a14:hiddenFill>
+            </a:ext>
             <a:ext uri="{91240B29-F687-4F45-9708-019B960494DF}">
               <a14:hiddenLine xmlns:a14="http://schemas.microsoft.com/office/drawing/2010/main" w="9525">
                 <a:solidFill>
@@ -6837,7 +4726,7 @@
           </a:extLst>
         </p:spPr>
         <p:txBody>
-          <a:bodyPr vert="horz" wrap="none" lIns="0" tIns="0" rIns="0" bIns="152352" numCol="1" anchor="ctr" anchorCtr="0" compatLnSpc="1">
+          <a:bodyPr vert="horz" wrap="square" lIns="0" tIns="0" rIns="0" bIns="0" numCol="1" anchor="ctr" anchorCtr="0" compatLnSpc="1">
             <a:prstTxWarp prst="textNoShape">
               <a:avLst/>
             </a:prstTxWarp>
@@ -6861,16 +4750,110 @@
               <a:buNone/>
               <a:tabLst/>
             </a:pPr>
-            <a:endParaRPr kumimoji="0" lang="ru-RU" altLang="ru-RU" sz="1800" b="0" i="0" u="none" strike="noStrike" cap="none" normalizeH="0" baseline="0" dirty="0">
-              <a:ln>
-                <a:noFill/>
-              </a:ln>
-              <a:solidFill>
-                <a:schemeClr val="tx1"/>
-              </a:solidFill>
-              <a:effectLst/>
-              <a:latin typeface="Arial" panose="020B0604020202020204" pitchFamily="34" charset="0"/>
-            </a:endParaRPr>
+            <a:r>
+              <a:rPr kumimoji="0" lang="ru-RU" altLang="ru-RU" sz="1050" b="1" i="0" u="none" strike="noStrike" cap="none" normalizeH="0" baseline="0" dirty="0" err="1">
+                <a:ln>
+                  <a:noFill/>
+                </a:ln>
+                <a:solidFill>
+                  <a:srgbClr val="007020"/>
+                </a:solidFill>
+                <a:effectLst/>
+                <a:latin typeface="SFMono-Regular"/>
+              </a:rPr>
+              <a:t>from</a:t>
+            </a:r>
+            <a:r>
+              <a:rPr kumimoji="0" lang="ru-RU" altLang="ru-RU" sz="1050" b="0" i="0" u="none" strike="noStrike" cap="none" normalizeH="0" baseline="0" dirty="0">
+                <a:ln>
+                  <a:noFill/>
+                </a:ln>
+                <a:solidFill>
+                  <a:srgbClr val="404040"/>
+                </a:solidFill>
+                <a:effectLst/>
+                <a:latin typeface="SFMono-Regular"/>
+              </a:rPr>
+              <a:t> </a:t>
+            </a:r>
+            <a:r>
+              <a:rPr kumimoji="0" lang="ru-RU" altLang="ru-RU" sz="1050" b="1" i="0" u="none" strike="noStrike" cap="none" normalizeH="0" baseline="0" dirty="0" err="1">
+                <a:ln>
+                  <a:noFill/>
+                </a:ln>
+                <a:solidFill>
+                  <a:srgbClr val="0E84B5"/>
+                </a:solidFill>
+                <a:effectLst/>
+                <a:latin typeface="SFMono-Regular"/>
+              </a:rPr>
+              <a:t>airflow.models</a:t>
+            </a:r>
+            <a:r>
+              <a:rPr kumimoji="0" lang="ru-RU" altLang="ru-RU" sz="1050" b="0" i="0" u="none" strike="noStrike" cap="none" normalizeH="0" baseline="0" dirty="0">
+                <a:ln>
+                  <a:noFill/>
+                </a:ln>
+                <a:solidFill>
+                  <a:srgbClr val="404040"/>
+                </a:solidFill>
+                <a:effectLst/>
+                <a:latin typeface="SFMono-Regular"/>
+              </a:rPr>
+              <a:t> </a:t>
+            </a:r>
+            <a:r>
+              <a:rPr kumimoji="0" lang="ru-RU" altLang="ru-RU" sz="1050" b="1" i="0" u="none" strike="noStrike" cap="none" normalizeH="0" baseline="0" dirty="0" err="1">
+                <a:ln>
+                  <a:noFill/>
+                </a:ln>
+                <a:solidFill>
+                  <a:srgbClr val="007020"/>
+                </a:solidFill>
+                <a:effectLst/>
+                <a:latin typeface="SFMono-Regular"/>
+              </a:rPr>
+              <a:t>import</a:t>
+            </a:r>
+            <a:r>
+              <a:rPr kumimoji="0" lang="ru-RU" altLang="ru-RU" sz="1050" b="0" i="0" u="none" strike="noStrike" cap="none" normalizeH="0" baseline="0" dirty="0">
+                <a:ln>
+                  <a:noFill/>
+                </a:ln>
+                <a:solidFill>
+                  <a:srgbClr val="404040"/>
+                </a:solidFill>
+                <a:effectLst/>
+                <a:latin typeface="SFMono-Regular"/>
+              </a:rPr>
+              <a:t> </a:t>
+            </a:r>
+            <a:r>
+              <a:rPr kumimoji="0" lang="ru-RU" altLang="ru-RU" sz="1600" b="0" i="0" u="none" strike="noStrike" cap="none" normalizeH="0" baseline="0" dirty="0" err="1">
+                <a:ln>
+                  <a:noFill/>
+                </a:ln>
+                <a:solidFill>
+                  <a:schemeClr val="tx1"/>
+                </a:solidFill>
+                <a:effectLst/>
+                <a:latin typeface="Arial" panose="020B0604020202020204" pitchFamily="34" charset="0"/>
+              </a:rPr>
+              <a:t>Variable</a:t>
+            </a:r>
+            <a:r>
+              <a:rPr kumimoji="0" lang="ru-RU" altLang="ru-RU" sz="1050" b="0" i="0" u="none" strike="noStrike" cap="none" normalizeH="0" baseline="0" dirty="0">
+                <a:ln>
+                  <a:noFill/>
+                </a:ln>
+                <a:solidFill>
+                  <a:srgbClr val="404040"/>
+                </a:solidFill>
+                <a:effectLst/>
+                <a:latin typeface="SFMono-Regular"/>
+              </a:rPr>
+              <a:t> </a:t>
+            </a:r>
           </a:p>
           <a:p>
             <a:pPr marL="0" marR="0" lvl="0" indent="0" algn="l" defTabSz="914400" rtl="0" eaLnBrk="0" fontAlgn="base" latinLnBrk="0" hangingPunct="0">
@@ -6889,7 +4872,651 @@
               <a:buNone/>
               <a:tabLst/>
             </a:pPr>
-            <a:endParaRPr kumimoji="0" lang="ru-RU" altLang="ru-RU" sz="1800" b="0" i="0" u="none" strike="noStrike" cap="none" normalizeH="0" baseline="0" dirty="0">
+            <a:endParaRPr lang="ru-RU" altLang="ru-RU" sz="1050" dirty="0">
+              <a:solidFill>
+                <a:srgbClr val="404040"/>
+              </a:solidFill>
+              <a:latin typeface="SFMono-Regular"/>
+            </a:endParaRPr>
+          </a:p>
+          <a:p>
+            <a:pPr marL="0" marR="0" lvl="0" indent="0" algn="l" defTabSz="914400" rtl="0" eaLnBrk="0" fontAlgn="base" latinLnBrk="0" hangingPunct="0">
+              <a:lnSpc>
+                <a:spcPct val="100000"/>
+              </a:lnSpc>
+              <a:spcBef>
+                <a:spcPct val="0"/>
+              </a:spcBef>
+              <a:spcAft>
+                <a:spcPct val="0"/>
+              </a:spcAft>
+              <a:buClrTx/>
+              <a:buSzTx/>
+              <a:buFontTx/>
+              <a:buNone/>
+              <a:tabLst/>
+            </a:pPr>
+            <a:r>
+              <a:rPr kumimoji="0" lang="ru-RU" altLang="ru-RU" sz="1600" b="0" i="0" u="none" strike="noStrike" cap="none" normalizeH="0" baseline="0" dirty="0" err="1">
+                <a:ln>
+                  <a:noFill/>
+                </a:ln>
+                <a:solidFill>
+                  <a:schemeClr val="tx1"/>
+                </a:solidFill>
+                <a:effectLst/>
+                <a:latin typeface="Arial" panose="020B0604020202020204" pitchFamily="34" charset="0"/>
+              </a:rPr>
+              <a:t>foo</a:t>
+            </a:r>
+            <a:r>
+              <a:rPr kumimoji="0" lang="ru-RU" altLang="ru-RU" sz="1050" b="0" i="0" u="none" strike="noStrike" cap="none" normalizeH="0" baseline="0" dirty="0">
+                <a:ln>
+                  <a:noFill/>
+                </a:ln>
+                <a:solidFill>
+                  <a:srgbClr val="404040"/>
+                </a:solidFill>
+                <a:effectLst/>
+                <a:latin typeface="SFMono-Regular"/>
+              </a:rPr>
+              <a:t> </a:t>
+            </a:r>
+            <a:r>
+              <a:rPr kumimoji="0" lang="ru-RU" altLang="ru-RU" sz="2400" b="0" i="0" u="none" strike="noStrike" cap="none" normalizeH="0" baseline="0" dirty="0">
+                <a:ln>
+                  <a:noFill/>
+                </a:ln>
+                <a:solidFill>
+                  <a:srgbClr val="666666"/>
+                </a:solidFill>
+                <a:effectLst/>
+                <a:latin typeface="Arial" panose="020B0604020202020204" pitchFamily="34" charset="0"/>
+              </a:rPr>
+              <a:t>=</a:t>
+            </a:r>
+            <a:r>
+              <a:rPr kumimoji="0" lang="ru-RU" altLang="ru-RU" sz="1050" b="0" i="0" u="none" strike="noStrike" cap="none" normalizeH="0" baseline="0" dirty="0">
+                <a:ln>
+                  <a:noFill/>
+                </a:ln>
+                <a:solidFill>
+                  <a:srgbClr val="404040"/>
+                </a:solidFill>
+                <a:effectLst/>
+                <a:latin typeface="SFMono-Regular"/>
+              </a:rPr>
+              <a:t> </a:t>
+            </a:r>
+            <a:r>
+              <a:rPr kumimoji="0" lang="ru-RU" altLang="ru-RU" sz="1600" b="0" i="0" u="none" strike="noStrike" cap="none" normalizeH="0" baseline="0" dirty="0" err="1">
+                <a:ln>
+                  <a:noFill/>
+                </a:ln>
+                <a:solidFill>
+                  <a:schemeClr val="tx1"/>
+                </a:solidFill>
+                <a:effectLst/>
+                <a:latin typeface="Arial" panose="020B0604020202020204" pitchFamily="34" charset="0"/>
+              </a:rPr>
+              <a:t>Variable</a:t>
+            </a:r>
+            <a:r>
+              <a:rPr kumimoji="0" lang="ru-RU" altLang="ru-RU" sz="2400" b="0" i="0" u="none" strike="noStrike" cap="none" normalizeH="0" baseline="0" dirty="0" err="1">
+                <a:ln>
+                  <a:noFill/>
+                </a:ln>
+                <a:solidFill>
+                  <a:srgbClr val="666666"/>
+                </a:solidFill>
+                <a:effectLst/>
+                <a:latin typeface="Arial" panose="020B0604020202020204" pitchFamily="34" charset="0"/>
+              </a:rPr>
+              <a:t>.</a:t>
+            </a:r>
+            <a:r>
+              <a:rPr kumimoji="0" lang="ru-RU" altLang="ru-RU" sz="1600" b="0" i="0" u="none" strike="noStrike" cap="none" normalizeH="0" baseline="0" dirty="0" err="1">
+                <a:ln>
+                  <a:noFill/>
+                </a:ln>
+                <a:solidFill>
+                  <a:schemeClr val="tx1"/>
+                </a:solidFill>
+                <a:effectLst/>
+                <a:latin typeface="Arial" panose="020B0604020202020204" pitchFamily="34" charset="0"/>
+              </a:rPr>
+              <a:t>get</a:t>
+            </a:r>
+            <a:r>
+              <a:rPr kumimoji="0" lang="ru-RU" altLang="ru-RU" sz="1050" b="0" i="0" u="none" strike="noStrike" cap="none" normalizeH="0" baseline="0" dirty="0">
+                <a:ln>
+                  <a:noFill/>
+                </a:ln>
+                <a:solidFill>
+                  <a:srgbClr val="404040"/>
+                </a:solidFill>
+                <a:effectLst/>
+                <a:latin typeface="SFMono-Regular"/>
+              </a:rPr>
+              <a:t>(</a:t>
+            </a:r>
+            <a:r>
+              <a:rPr kumimoji="0" lang="ru-RU" altLang="ru-RU" sz="1050" b="0" i="0" u="none" strike="noStrike" cap="none" normalizeH="0" baseline="0" dirty="0">
+                <a:ln>
+                  <a:noFill/>
+                </a:ln>
+                <a:solidFill>
+                  <a:srgbClr val="4070A0"/>
+                </a:solidFill>
+                <a:effectLst/>
+                <a:latin typeface="SFMono-Regular"/>
+              </a:rPr>
+              <a:t>"</a:t>
+            </a:r>
+            <a:r>
+              <a:rPr kumimoji="0" lang="ru-RU" altLang="ru-RU" sz="1050" b="0" i="0" u="none" strike="noStrike" cap="none" normalizeH="0" baseline="0" dirty="0" err="1">
+                <a:ln>
+                  <a:noFill/>
+                </a:ln>
+                <a:solidFill>
+                  <a:srgbClr val="4070A0"/>
+                </a:solidFill>
+                <a:effectLst/>
+                <a:latin typeface="SFMono-Regular"/>
+              </a:rPr>
+              <a:t>foo</a:t>
+            </a:r>
+            <a:r>
+              <a:rPr kumimoji="0" lang="ru-RU" altLang="ru-RU" sz="1050" b="0" i="0" u="none" strike="noStrike" cap="none" normalizeH="0" baseline="0" dirty="0">
+                <a:ln>
+                  <a:noFill/>
+                </a:ln>
+                <a:solidFill>
+                  <a:srgbClr val="4070A0"/>
+                </a:solidFill>
+                <a:effectLst/>
+                <a:latin typeface="SFMono-Regular"/>
+              </a:rPr>
+              <a:t>"</a:t>
+            </a:r>
+            <a:r>
+              <a:rPr kumimoji="0" lang="ru-RU" altLang="ru-RU" sz="1050" b="0" i="0" u="none" strike="noStrike" cap="none" normalizeH="0" baseline="0" dirty="0">
+                <a:ln>
+                  <a:noFill/>
+                </a:ln>
+                <a:solidFill>
+                  <a:srgbClr val="404040"/>
+                </a:solidFill>
+                <a:effectLst/>
+                <a:latin typeface="SFMono-Regular"/>
+              </a:rPr>
+              <a:t>) </a:t>
+            </a:r>
+          </a:p>
+          <a:p>
+            <a:pPr marL="0" marR="0" lvl="0" indent="0" algn="l" defTabSz="914400" rtl="0" eaLnBrk="0" fontAlgn="base" latinLnBrk="0" hangingPunct="0">
+              <a:lnSpc>
+                <a:spcPct val="100000"/>
+              </a:lnSpc>
+              <a:spcBef>
+                <a:spcPct val="0"/>
+              </a:spcBef>
+              <a:spcAft>
+                <a:spcPct val="0"/>
+              </a:spcAft>
+              <a:buClrTx/>
+              <a:buSzTx/>
+              <a:buFontTx/>
+              <a:buNone/>
+              <a:tabLst/>
+            </a:pPr>
+            <a:r>
+              <a:rPr kumimoji="0" lang="ru-RU" altLang="ru-RU" sz="1600" b="0" i="0" u="none" strike="noStrike" cap="none" normalizeH="0" baseline="0" dirty="0" err="1">
+                <a:ln>
+                  <a:noFill/>
+                </a:ln>
+                <a:solidFill>
+                  <a:schemeClr val="tx1"/>
+                </a:solidFill>
+                <a:effectLst/>
+                <a:latin typeface="Arial" panose="020B0604020202020204" pitchFamily="34" charset="0"/>
+              </a:rPr>
+              <a:t>bar</a:t>
+            </a:r>
+            <a:r>
+              <a:rPr kumimoji="0" lang="ru-RU" altLang="ru-RU" sz="1050" b="0" i="0" u="none" strike="noStrike" cap="none" normalizeH="0" baseline="0" dirty="0">
+                <a:ln>
+                  <a:noFill/>
+                </a:ln>
+                <a:solidFill>
+                  <a:srgbClr val="404040"/>
+                </a:solidFill>
+                <a:effectLst/>
+                <a:latin typeface="SFMono-Regular"/>
+              </a:rPr>
+              <a:t> </a:t>
+            </a:r>
+            <a:r>
+              <a:rPr kumimoji="0" lang="ru-RU" altLang="ru-RU" sz="2400" b="0" i="0" u="none" strike="noStrike" cap="none" normalizeH="0" baseline="0" dirty="0">
+                <a:ln>
+                  <a:noFill/>
+                </a:ln>
+                <a:solidFill>
+                  <a:srgbClr val="666666"/>
+                </a:solidFill>
+                <a:effectLst/>
+                <a:latin typeface="Arial" panose="020B0604020202020204" pitchFamily="34" charset="0"/>
+              </a:rPr>
+              <a:t>=</a:t>
+            </a:r>
+            <a:r>
+              <a:rPr kumimoji="0" lang="ru-RU" altLang="ru-RU" sz="1050" b="0" i="0" u="none" strike="noStrike" cap="none" normalizeH="0" baseline="0" dirty="0">
+                <a:ln>
+                  <a:noFill/>
+                </a:ln>
+                <a:solidFill>
+                  <a:srgbClr val="404040"/>
+                </a:solidFill>
+                <a:effectLst/>
+                <a:latin typeface="SFMono-Regular"/>
+              </a:rPr>
+              <a:t> </a:t>
+            </a:r>
+            <a:r>
+              <a:rPr kumimoji="0" lang="ru-RU" altLang="ru-RU" sz="1600" b="0" i="0" u="none" strike="noStrike" cap="none" normalizeH="0" baseline="0" dirty="0" err="1">
+                <a:ln>
+                  <a:noFill/>
+                </a:ln>
+                <a:solidFill>
+                  <a:schemeClr val="tx1"/>
+                </a:solidFill>
+                <a:effectLst/>
+                <a:latin typeface="Arial" panose="020B0604020202020204" pitchFamily="34" charset="0"/>
+              </a:rPr>
+              <a:t>Variable</a:t>
+            </a:r>
+            <a:r>
+              <a:rPr kumimoji="0" lang="ru-RU" altLang="ru-RU" sz="2400" b="0" i="0" u="none" strike="noStrike" cap="none" normalizeH="0" baseline="0" dirty="0" err="1">
+                <a:ln>
+                  <a:noFill/>
+                </a:ln>
+                <a:solidFill>
+                  <a:srgbClr val="666666"/>
+                </a:solidFill>
+                <a:effectLst/>
+                <a:latin typeface="Arial" panose="020B0604020202020204" pitchFamily="34" charset="0"/>
+              </a:rPr>
+              <a:t>.</a:t>
+            </a:r>
+            <a:r>
+              <a:rPr kumimoji="0" lang="ru-RU" altLang="ru-RU" sz="1600" b="0" i="0" u="none" strike="noStrike" cap="none" normalizeH="0" baseline="0" dirty="0" err="1">
+                <a:ln>
+                  <a:noFill/>
+                </a:ln>
+                <a:solidFill>
+                  <a:schemeClr val="tx1"/>
+                </a:solidFill>
+                <a:effectLst/>
+                <a:latin typeface="Arial" panose="020B0604020202020204" pitchFamily="34" charset="0"/>
+              </a:rPr>
+              <a:t>get</a:t>
+            </a:r>
+            <a:r>
+              <a:rPr kumimoji="0" lang="ru-RU" altLang="ru-RU" sz="1050" b="0" i="0" u="none" strike="noStrike" cap="none" normalizeH="0" baseline="0" dirty="0">
+                <a:ln>
+                  <a:noFill/>
+                </a:ln>
+                <a:solidFill>
+                  <a:srgbClr val="404040"/>
+                </a:solidFill>
+                <a:effectLst/>
+                <a:latin typeface="SFMono-Regular"/>
+              </a:rPr>
+              <a:t>(</a:t>
+            </a:r>
+            <a:r>
+              <a:rPr kumimoji="0" lang="ru-RU" altLang="ru-RU" sz="1050" b="0" i="0" u="none" strike="noStrike" cap="none" normalizeH="0" baseline="0" dirty="0">
+                <a:ln>
+                  <a:noFill/>
+                </a:ln>
+                <a:solidFill>
+                  <a:srgbClr val="4070A0"/>
+                </a:solidFill>
+                <a:effectLst/>
+                <a:latin typeface="SFMono-Regular"/>
+              </a:rPr>
+              <a:t>"</a:t>
+            </a:r>
+            <a:r>
+              <a:rPr kumimoji="0" lang="ru-RU" altLang="ru-RU" sz="1050" b="0" i="0" u="none" strike="noStrike" cap="none" normalizeH="0" baseline="0" dirty="0" err="1">
+                <a:ln>
+                  <a:noFill/>
+                </a:ln>
+                <a:solidFill>
+                  <a:srgbClr val="4070A0"/>
+                </a:solidFill>
+                <a:effectLst/>
+                <a:latin typeface="SFMono-Regular"/>
+              </a:rPr>
+              <a:t>bar</a:t>
+            </a:r>
+            <a:r>
+              <a:rPr kumimoji="0" lang="ru-RU" altLang="ru-RU" sz="1050" b="0" i="0" u="none" strike="noStrike" cap="none" normalizeH="0" baseline="0" dirty="0">
+                <a:ln>
+                  <a:noFill/>
+                </a:ln>
+                <a:solidFill>
+                  <a:srgbClr val="4070A0"/>
+                </a:solidFill>
+                <a:effectLst/>
+                <a:latin typeface="SFMono-Regular"/>
+              </a:rPr>
+              <a:t>"</a:t>
+            </a:r>
+            <a:r>
+              <a:rPr kumimoji="0" lang="ru-RU" altLang="ru-RU" sz="1050" b="0" i="0" u="none" strike="noStrike" cap="none" normalizeH="0" baseline="0" dirty="0">
+                <a:ln>
+                  <a:noFill/>
+                </a:ln>
+                <a:solidFill>
+                  <a:srgbClr val="404040"/>
+                </a:solidFill>
+                <a:effectLst/>
+                <a:latin typeface="SFMono-Regular"/>
+              </a:rPr>
+              <a:t>, </a:t>
+            </a:r>
+            <a:r>
+              <a:rPr kumimoji="0" lang="ru-RU" altLang="ru-RU" sz="1600" b="0" i="0" u="none" strike="noStrike" cap="none" normalizeH="0" baseline="0" dirty="0" err="1">
+                <a:ln>
+                  <a:noFill/>
+                </a:ln>
+                <a:solidFill>
+                  <a:schemeClr val="tx1"/>
+                </a:solidFill>
+                <a:effectLst/>
+                <a:latin typeface="Arial" panose="020B0604020202020204" pitchFamily="34" charset="0"/>
+              </a:rPr>
+              <a:t>deserialize_json</a:t>
+            </a:r>
+            <a:r>
+              <a:rPr kumimoji="0" lang="ru-RU" altLang="ru-RU" sz="2400" b="0" i="0" u="none" strike="noStrike" cap="none" normalizeH="0" baseline="0" dirty="0">
+                <a:ln>
+                  <a:noFill/>
+                </a:ln>
+                <a:solidFill>
+                  <a:srgbClr val="666666"/>
+                </a:solidFill>
+                <a:effectLst/>
+                <a:latin typeface="Arial" panose="020B0604020202020204" pitchFamily="34" charset="0"/>
+              </a:rPr>
+              <a:t>=</a:t>
+            </a:r>
+            <a:r>
+              <a:rPr kumimoji="0" lang="ru-RU" altLang="ru-RU" sz="1050" b="0" i="0" u="none" strike="noStrike" cap="none" normalizeH="0" baseline="0" dirty="0" err="1">
+                <a:ln>
+                  <a:noFill/>
+                </a:ln>
+                <a:solidFill>
+                  <a:srgbClr val="007020"/>
+                </a:solidFill>
+                <a:effectLst/>
+                <a:latin typeface="SFMono-Regular"/>
+              </a:rPr>
+              <a:t>True</a:t>
+            </a:r>
+            <a:r>
+              <a:rPr kumimoji="0" lang="ru-RU" altLang="ru-RU" sz="1050" b="0" i="0" u="none" strike="noStrike" cap="none" normalizeH="0" baseline="0" dirty="0">
+                <a:ln>
+                  <a:noFill/>
+                </a:ln>
+                <a:solidFill>
+                  <a:srgbClr val="404040"/>
+                </a:solidFill>
+                <a:effectLst/>
+                <a:latin typeface="SFMono-Regular"/>
+              </a:rPr>
+              <a:t>) </a:t>
+            </a:r>
+          </a:p>
+          <a:p>
+            <a:pPr marL="0" marR="0" lvl="0" indent="0" algn="l" defTabSz="914400" rtl="0" eaLnBrk="0" fontAlgn="base" latinLnBrk="0" hangingPunct="0">
+              <a:lnSpc>
+                <a:spcPct val="100000"/>
+              </a:lnSpc>
+              <a:spcBef>
+                <a:spcPct val="0"/>
+              </a:spcBef>
+              <a:spcAft>
+                <a:spcPct val="0"/>
+              </a:spcAft>
+              <a:buClrTx/>
+              <a:buSzTx/>
+              <a:buFontTx/>
+              <a:buNone/>
+              <a:tabLst/>
+            </a:pPr>
+            <a:r>
+              <a:rPr kumimoji="0" lang="ru-RU" altLang="ru-RU" sz="1600" b="0" i="0" u="none" strike="noStrike" cap="none" normalizeH="0" baseline="0" dirty="0" err="1">
+                <a:ln>
+                  <a:noFill/>
+                </a:ln>
+                <a:solidFill>
+                  <a:schemeClr val="tx1"/>
+                </a:solidFill>
+                <a:effectLst/>
+                <a:latin typeface="Arial" panose="020B0604020202020204" pitchFamily="34" charset="0"/>
+              </a:rPr>
+              <a:t>baz</a:t>
+            </a:r>
+            <a:r>
+              <a:rPr kumimoji="0" lang="ru-RU" altLang="ru-RU" sz="1050" b="0" i="0" u="none" strike="noStrike" cap="none" normalizeH="0" baseline="0" dirty="0">
+                <a:ln>
+                  <a:noFill/>
+                </a:ln>
+                <a:solidFill>
+                  <a:srgbClr val="404040"/>
+                </a:solidFill>
+                <a:effectLst/>
+                <a:latin typeface="SFMono-Regular"/>
+              </a:rPr>
+              <a:t> </a:t>
+            </a:r>
+            <a:r>
+              <a:rPr kumimoji="0" lang="ru-RU" altLang="ru-RU" sz="2400" b="0" i="0" u="none" strike="noStrike" cap="none" normalizeH="0" baseline="0" dirty="0">
+                <a:ln>
+                  <a:noFill/>
+                </a:ln>
+                <a:solidFill>
+                  <a:srgbClr val="666666"/>
+                </a:solidFill>
+                <a:effectLst/>
+                <a:latin typeface="Arial" panose="020B0604020202020204" pitchFamily="34" charset="0"/>
+              </a:rPr>
+              <a:t>=</a:t>
+            </a:r>
+            <a:r>
+              <a:rPr kumimoji="0" lang="ru-RU" altLang="ru-RU" sz="1050" b="0" i="0" u="none" strike="noStrike" cap="none" normalizeH="0" baseline="0" dirty="0">
+                <a:ln>
+                  <a:noFill/>
+                </a:ln>
+                <a:solidFill>
+                  <a:srgbClr val="404040"/>
+                </a:solidFill>
+                <a:effectLst/>
+                <a:latin typeface="SFMono-Regular"/>
+              </a:rPr>
+              <a:t> </a:t>
+            </a:r>
+            <a:r>
+              <a:rPr kumimoji="0" lang="ru-RU" altLang="ru-RU" sz="1600" b="0" i="0" u="none" strike="noStrike" cap="none" normalizeH="0" baseline="0" dirty="0" err="1">
+                <a:ln>
+                  <a:noFill/>
+                </a:ln>
+                <a:solidFill>
+                  <a:schemeClr val="tx1"/>
+                </a:solidFill>
+                <a:effectLst/>
+                <a:latin typeface="Arial" panose="020B0604020202020204" pitchFamily="34" charset="0"/>
+              </a:rPr>
+              <a:t>Variable</a:t>
+            </a:r>
+            <a:r>
+              <a:rPr kumimoji="0" lang="ru-RU" altLang="ru-RU" sz="2400" b="0" i="0" u="none" strike="noStrike" cap="none" normalizeH="0" baseline="0" dirty="0" err="1">
+                <a:ln>
+                  <a:noFill/>
+                </a:ln>
+                <a:solidFill>
+                  <a:srgbClr val="666666"/>
+                </a:solidFill>
+                <a:effectLst/>
+                <a:latin typeface="Arial" panose="020B0604020202020204" pitchFamily="34" charset="0"/>
+              </a:rPr>
+              <a:t>.</a:t>
+            </a:r>
+            <a:r>
+              <a:rPr kumimoji="0" lang="ru-RU" altLang="ru-RU" sz="1600" b="0" i="0" u="none" strike="noStrike" cap="none" normalizeH="0" baseline="0" dirty="0" err="1">
+                <a:ln>
+                  <a:noFill/>
+                </a:ln>
+                <a:solidFill>
+                  <a:schemeClr val="tx1"/>
+                </a:solidFill>
+                <a:effectLst/>
+                <a:latin typeface="Arial" panose="020B0604020202020204" pitchFamily="34" charset="0"/>
+              </a:rPr>
+              <a:t>get</a:t>
+            </a:r>
+            <a:r>
+              <a:rPr kumimoji="0" lang="ru-RU" altLang="ru-RU" sz="1050" b="0" i="0" u="none" strike="noStrike" cap="none" normalizeH="0" baseline="0" dirty="0">
+                <a:ln>
+                  <a:noFill/>
+                </a:ln>
+                <a:solidFill>
+                  <a:srgbClr val="404040"/>
+                </a:solidFill>
+                <a:effectLst/>
+                <a:latin typeface="SFMono-Regular"/>
+              </a:rPr>
+              <a:t>(</a:t>
+            </a:r>
+            <a:r>
+              <a:rPr kumimoji="0" lang="ru-RU" altLang="ru-RU" sz="1050" b="0" i="0" u="none" strike="noStrike" cap="none" normalizeH="0" baseline="0" dirty="0">
+                <a:ln>
+                  <a:noFill/>
+                </a:ln>
+                <a:solidFill>
+                  <a:srgbClr val="4070A0"/>
+                </a:solidFill>
+                <a:effectLst/>
+                <a:latin typeface="SFMono-Regular"/>
+              </a:rPr>
+              <a:t>"</a:t>
+            </a:r>
+            <a:r>
+              <a:rPr kumimoji="0" lang="ru-RU" altLang="ru-RU" sz="1050" b="0" i="0" u="none" strike="noStrike" cap="none" normalizeH="0" baseline="0" dirty="0" err="1">
+                <a:ln>
+                  <a:noFill/>
+                </a:ln>
+                <a:solidFill>
+                  <a:srgbClr val="4070A0"/>
+                </a:solidFill>
+                <a:effectLst/>
+                <a:latin typeface="SFMono-Regular"/>
+              </a:rPr>
+              <a:t>baz</a:t>
+            </a:r>
+            <a:r>
+              <a:rPr kumimoji="0" lang="ru-RU" altLang="ru-RU" sz="1050" b="0" i="0" u="none" strike="noStrike" cap="none" normalizeH="0" baseline="0" dirty="0">
+                <a:ln>
+                  <a:noFill/>
+                </a:ln>
+                <a:solidFill>
+                  <a:srgbClr val="4070A0"/>
+                </a:solidFill>
+                <a:effectLst/>
+                <a:latin typeface="SFMono-Regular"/>
+              </a:rPr>
+              <a:t>"</a:t>
+            </a:r>
+            <a:r>
+              <a:rPr kumimoji="0" lang="ru-RU" altLang="ru-RU" sz="1050" b="0" i="0" u="none" strike="noStrike" cap="none" normalizeH="0" baseline="0" dirty="0">
+                <a:ln>
+                  <a:noFill/>
+                </a:ln>
+                <a:solidFill>
+                  <a:srgbClr val="404040"/>
+                </a:solidFill>
+                <a:effectLst/>
+                <a:latin typeface="SFMono-Regular"/>
+              </a:rPr>
+              <a:t>, </a:t>
+            </a:r>
+            <a:r>
+              <a:rPr kumimoji="0" lang="ru-RU" altLang="ru-RU" sz="1600" b="0" i="0" u="none" strike="noStrike" cap="none" normalizeH="0" baseline="0" dirty="0" err="1">
+                <a:ln>
+                  <a:noFill/>
+                </a:ln>
+                <a:solidFill>
+                  <a:schemeClr val="tx1"/>
+                </a:solidFill>
+                <a:effectLst/>
+                <a:latin typeface="Arial" panose="020B0604020202020204" pitchFamily="34" charset="0"/>
+              </a:rPr>
+              <a:t>default_var</a:t>
+            </a:r>
+            <a:r>
+              <a:rPr kumimoji="0" lang="ru-RU" altLang="ru-RU" sz="2400" b="0" i="0" u="none" strike="noStrike" cap="none" normalizeH="0" baseline="0" dirty="0">
+                <a:ln>
+                  <a:noFill/>
+                </a:ln>
+                <a:solidFill>
+                  <a:srgbClr val="666666"/>
+                </a:solidFill>
+                <a:effectLst/>
+                <a:latin typeface="Arial" panose="020B0604020202020204" pitchFamily="34" charset="0"/>
+              </a:rPr>
+              <a:t>=</a:t>
+            </a:r>
+            <a:r>
+              <a:rPr kumimoji="0" lang="ru-RU" altLang="ru-RU" sz="1050" b="0" i="0" u="none" strike="noStrike" cap="none" normalizeH="0" baseline="0" dirty="0" err="1">
+                <a:ln>
+                  <a:noFill/>
+                </a:ln>
+                <a:solidFill>
+                  <a:srgbClr val="007020"/>
+                </a:solidFill>
+                <a:effectLst/>
+                <a:latin typeface="SFMono-Regular"/>
+              </a:rPr>
+              <a:t>None</a:t>
+            </a:r>
+            <a:r>
+              <a:rPr kumimoji="0" lang="ru-RU" altLang="ru-RU" sz="1050" b="0" i="0" u="none" strike="noStrike" cap="none" normalizeH="0" baseline="0" dirty="0">
+                <a:ln>
+                  <a:noFill/>
+                </a:ln>
+                <a:solidFill>
+                  <a:srgbClr val="404040"/>
+                </a:solidFill>
+                <a:effectLst/>
+                <a:latin typeface="SFMono-Regular"/>
+              </a:rPr>
+              <a:t>)</a:t>
+            </a:r>
+            <a:r>
+              <a:rPr kumimoji="0" lang="ru-RU" altLang="ru-RU" sz="1000" b="0" i="0" u="none" strike="noStrike" cap="none" normalizeH="0" baseline="0" dirty="0">
+                <a:ln>
+                  <a:noFill/>
+                </a:ln>
+                <a:solidFill>
+                  <a:schemeClr val="tx1"/>
+                </a:solidFill>
+                <a:effectLst/>
+              </a:rPr>
+              <a:t> </a:t>
+            </a:r>
+            <a:endParaRPr kumimoji="0" lang="ru-RU" altLang="ru-RU" sz="2400" b="0" i="0" u="none" strike="noStrike" cap="none" normalizeH="0" baseline="0" dirty="0">
               <a:ln>
                 <a:noFill/>
               </a:ln>
@@ -6905,7 +5532,7 @@
     </p:spTree>
     <p:extLst>
       <p:ext uri="{BB962C8B-B14F-4D97-AF65-F5344CB8AC3E}">
-        <p14:creationId xmlns:p14="http://schemas.microsoft.com/office/powerpoint/2010/main" val="1911791694"/>
+        <p14:creationId xmlns:p14="http://schemas.microsoft.com/office/powerpoint/2010/main" val="3088342159"/>
       </p:ext>
     </p:extLst>
   </p:cSld>
@@ -6948,20 +5575,23 @@
             <p:ph type="title"/>
           </p:nvPr>
         </p:nvSpPr>
-        <p:spPr/>
+        <p:spPr>
+          <a:xfrm>
+            <a:off x="1069848" y="484632"/>
+            <a:ext cx="10991088" cy="1609344"/>
+          </a:xfrm>
+        </p:spPr>
         <p:txBody>
-          <a:bodyPr/>
+          <a:bodyPr>
+            <a:normAutofit/>
+          </a:bodyPr>
           <a:lstStyle/>
           <a:p>
             <a:r>
-              <a:rPr lang="af-ZA" b="1" dirty="0"/>
-              <a:t>Operator (</a:t>
-            </a:r>
-            <a:r>
-              <a:rPr lang="ru-RU" b="1" dirty="0"/>
-              <a:t>Оператор)</a:t>
-            </a:r>
-            <a:endParaRPr lang="ru-RU" dirty="0"/>
+              <a:rPr lang="ru-RU" sz="4000" b="1" dirty="0"/>
+              <a:t>Обмен данными между операторами</a:t>
+            </a:r>
+            <a:endParaRPr lang="ru-RU" sz="4000" dirty="0"/>
           </a:p>
         </p:txBody>
       </p:sp>
@@ -6981,170 +5611,125 @@
             <p:ph idx="1"/>
           </p:nvPr>
         </p:nvSpPr>
-        <p:spPr/>
+        <p:spPr>
+          <a:xfrm>
+            <a:off x="1069848" y="2121408"/>
+            <a:ext cx="10058400" cy="4050792"/>
+          </a:xfrm>
+        </p:spPr>
         <p:txBody>
           <a:bodyPr/>
           <a:lstStyle/>
           <a:p>
             <a:r>
               <a:rPr lang="ru-RU" dirty="0"/>
-              <a:t>Задача, единица расчета</a:t>
-            </a:r>
+              <a:t>Через </a:t>
+            </a:r>
+            <a:r>
+              <a:rPr lang="af-ZA" dirty="0"/>
+              <a:t>xcom</a:t>
+            </a:r>
+            <a:endParaRPr lang="ru-RU" dirty="0"/>
+          </a:p>
+          <a:p>
+            <a:pPr lvl="1"/>
+            <a:r>
+              <a:rPr lang="ru-RU" dirty="0"/>
+              <a:t>Передать переменную:</a:t>
+            </a:r>
+            <a:br>
+              <a:rPr lang="ru-RU" dirty="0"/>
+            </a:br>
+            <a:r>
+              <a:rPr lang="en-US" dirty="0" err="1">
+                <a:solidFill>
+                  <a:srgbClr val="0070C0"/>
+                </a:solidFill>
+              </a:rPr>
+              <a:t>task_instance.xcom_push</a:t>
+            </a:r>
+            <a:r>
+              <a:rPr lang="en-US" dirty="0">
+                <a:solidFill>
+                  <a:srgbClr val="0070C0"/>
+                </a:solidFill>
+              </a:rPr>
+              <a:t>(key=var1', value=value1)</a:t>
+            </a:r>
+            <a:br>
+              <a:rPr lang="ru-RU" dirty="0"/>
+            </a:br>
             <a:endParaRPr lang="en-US" dirty="0"/>
           </a:p>
           <a:p>
+            <a:pPr lvl="1"/>
+            <a:r>
+              <a:rPr lang="ru-RU" dirty="0"/>
+              <a:t>Получить переменную:</a:t>
+            </a:r>
+            <a:br>
+              <a:rPr lang="ru-RU" dirty="0"/>
+            </a:br>
+            <a:r>
+              <a:rPr lang="en-US" dirty="0" err="1">
+                <a:solidFill>
+                  <a:srgbClr val="0070C0"/>
+                </a:solidFill>
+              </a:rPr>
+              <a:t>task_instance.xcom_pull</a:t>
+            </a:r>
+            <a:r>
+              <a:rPr lang="en-US" dirty="0">
+                <a:solidFill>
+                  <a:srgbClr val="0070C0"/>
+                </a:solidFill>
+              </a:rPr>
+              <a:t>(key= var1 ', </a:t>
+            </a:r>
+            <a:r>
+              <a:rPr lang="en-US" dirty="0" err="1">
+                <a:solidFill>
+                  <a:srgbClr val="0070C0"/>
+                </a:solidFill>
+              </a:rPr>
+              <a:t>task_ids</a:t>
+            </a:r>
+            <a:r>
+              <a:rPr lang="en-US" dirty="0">
+                <a:solidFill>
+                  <a:srgbClr val="0070C0"/>
+                </a:solidFill>
+              </a:rPr>
+              <a:t>=‘</a:t>
+            </a:r>
+            <a:r>
+              <a:rPr lang="en-US" dirty="0" err="1">
+                <a:solidFill>
+                  <a:srgbClr val="0070C0"/>
+                </a:solidFill>
+              </a:rPr>
+              <a:t>id_of_task</a:t>
+            </a:r>
+            <a:r>
+              <a:rPr lang="en-US" dirty="0">
+                <a:solidFill>
+                  <a:srgbClr val="0070C0"/>
+                </a:solidFill>
+              </a:rPr>
+              <a:t>’)</a:t>
+            </a:r>
+          </a:p>
+          <a:p>
+            <a:r>
+              <a:rPr lang="ru-RU" dirty="0"/>
+              <a:t>Через сохранение в промежуточное хранилище (на диск, в БД и т.д.)</a:t>
+            </a:r>
             <a:endParaRPr lang="en-US" dirty="0"/>
           </a:p>
           <a:p>
-            <a:r>
-              <a:rPr lang="ru-RU" dirty="0"/>
-              <a:t>Виды операторов:</a:t>
-            </a:r>
-            <a:endParaRPr lang="en-US" dirty="0"/>
-          </a:p>
-          <a:p>
-            <a:pPr lvl="1"/>
-            <a:r>
-              <a:rPr lang="en-US" dirty="0" err="1"/>
-              <a:t>PythonOperator</a:t>
-            </a:r>
-            <a:r>
-              <a:rPr lang="en-US" dirty="0"/>
-              <a:t> – </a:t>
-            </a:r>
-            <a:r>
-              <a:rPr lang="ru-RU" dirty="0"/>
-              <a:t>вызывает </a:t>
-            </a:r>
-            <a:r>
-              <a:rPr lang="en-US" dirty="0"/>
-              <a:t>Python </a:t>
-            </a:r>
-            <a:r>
-              <a:rPr lang="ru-RU" dirty="0"/>
-              <a:t>- функцию</a:t>
-            </a:r>
-            <a:endParaRPr lang="en-US" dirty="0"/>
-          </a:p>
-          <a:p>
-            <a:pPr lvl="1"/>
-            <a:r>
-              <a:rPr lang="en-US" dirty="0" err="1"/>
-              <a:t>BashOperator</a:t>
-            </a:r>
-            <a:r>
-              <a:rPr lang="en-US" dirty="0"/>
-              <a:t> - </a:t>
-            </a:r>
-            <a:r>
-              <a:rPr lang="ru-RU" dirty="0"/>
-              <a:t>вызывает</a:t>
-            </a:r>
-            <a:r>
-              <a:rPr lang="en-US" dirty="0"/>
-              <a:t> bash </a:t>
-            </a:r>
-            <a:r>
-              <a:rPr lang="ru-RU" dirty="0"/>
-              <a:t>– команду</a:t>
-            </a:r>
-          </a:p>
-          <a:p>
-            <a:pPr lvl="1"/>
-            <a:r>
-              <a:rPr lang="af-ZA" dirty="0"/>
-              <a:t>EmailOperator – </a:t>
-            </a:r>
-            <a:r>
-              <a:rPr lang="ru-RU" dirty="0"/>
-              <a:t>отправляет </a:t>
-            </a:r>
-            <a:r>
-              <a:rPr lang="en-US" dirty="0"/>
-              <a:t>email</a:t>
-            </a:r>
-            <a:endParaRPr lang="ru-RU" dirty="0"/>
-          </a:p>
-          <a:p>
-            <a:pPr lvl="1"/>
-            <a:r>
-              <a:rPr lang="af-ZA" dirty="0"/>
-              <a:t>PostgresOperator</a:t>
-            </a:r>
-            <a:r>
-              <a:rPr lang="ru-RU" dirty="0"/>
-              <a:t> – выполняет </a:t>
-            </a:r>
-            <a:r>
-              <a:rPr lang="en-US" dirty="0" err="1"/>
-              <a:t>sql</a:t>
-            </a:r>
-            <a:r>
-              <a:rPr lang="ru-RU" dirty="0"/>
-              <a:t> - команду</a:t>
-            </a:r>
-            <a:endParaRPr lang="af-ZA" dirty="0"/>
-          </a:p>
-          <a:p>
-            <a:pPr lvl="1"/>
-            <a:r>
-              <a:rPr lang="af-ZA" dirty="0"/>
-              <a:t>SubDagOperator – </a:t>
-            </a:r>
-            <a:r>
-              <a:rPr lang="ru-RU" dirty="0"/>
-              <a:t>позволяет вызывать вложенный </a:t>
-            </a:r>
-            <a:r>
-              <a:rPr lang="en-US" dirty="0"/>
-              <a:t>DAG</a:t>
-            </a:r>
-            <a:endParaRPr lang="ru-RU" dirty="0"/>
-          </a:p>
-          <a:p>
-            <a:pPr lvl="1"/>
-            <a:r>
-              <a:rPr lang="af-ZA" dirty="0"/>
-              <a:t>Sensor </a:t>
-            </a:r>
-            <a:r>
-              <a:rPr lang="ru-RU" dirty="0"/>
-              <a:t>– ждет наступления события: появление файла или данных в БД</a:t>
-            </a:r>
-          </a:p>
-          <a:p>
-            <a:pPr lvl="1"/>
-            <a:r>
-              <a:rPr lang="en-US" dirty="0"/>
-              <a:t>Etc.</a:t>
-            </a:r>
-          </a:p>
-          <a:p>
-            <a:pPr marL="274320" lvl="1" indent="0">
+            <a:pPr marL="0" indent="0">
               <a:buNone/>
             </a:pPr>
-            <a:r>
-              <a:rPr lang="ru-RU" dirty="0"/>
-              <a:t>В том числе можно создавать </a:t>
-            </a:r>
-            <a:r>
-              <a:rPr lang="ru-RU" dirty="0" err="1"/>
-              <a:t>самописные</a:t>
-            </a:r>
-            <a:r>
-              <a:rPr lang="ru-RU" dirty="0"/>
-              <a:t> операторы, например для запуска </a:t>
-            </a:r>
-            <a:r>
-              <a:rPr lang="en-US" dirty="0"/>
-              <a:t>java</a:t>
-            </a:r>
-            <a:r>
-              <a:rPr lang="ru-RU" dirty="0"/>
-              <a:t> кода.</a:t>
-            </a:r>
-          </a:p>
-          <a:p>
             <a:endParaRPr lang="ru-RU" dirty="0"/>
           </a:p>
         </p:txBody>
@@ -7152,7 +5737,7 @@
     </p:spTree>
     <p:extLst>
       <p:ext uri="{BB962C8B-B14F-4D97-AF65-F5344CB8AC3E}">
-        <p14:creationId xmlns:p14="http://schemas.microsoft.com/office/powerpoint/2010/main" val="2390922519"/>
+        <p14:creationId xmlns:p14="http://schemas.microsoft.com/office/powerpoint/2010/main" val="1157652249"/>
       </p:ext>
     </p:extLst>
   </p:cSld>
@@ -7201,12 +5786,12 @@
           <a:lstStyle/>
           <a:p>
             <a:r>
+              <a:rPr lang="en-US" b="1" dirty="0"/>
+              <a:t>Macros - </a:t>
+            </a:r>
+            <a:r>
               <a:rPr lang="af-ZA" b="1" dirty="0"/>
-              <a:t>Variables (</a:t>
-            </a:r>
-            <a:r>
-              <a:rPr lang="ru-RU" b="1" dirty="0"/>
-              <a:t>Переменные)</a:t>
+              <a:t>Jinja Templating</a:t>
             </a:r>
             <a:endParaRPr lang="ru-RU" dirty="0"/>
           </a:p>
@@ -7231,7 +5816,7 @@
         <p:spPr>
           <a:xfrm>
             <a:off x="1069848" y="2121408"/>
-            <a:ext cx="10058400" cy="4050792"/>
+            <a:ext cx="10963656" cy="4050792"/>
           </a:xfrm>
         </p:spPr>
         <p:txBody>
@@ -7240,885 +5825,190 @@
           <a:p>
             <a:r>
               <a:rPr lang="ru-RU" dirty="0"/>
-              <a:t>Основной способ организации переменных</a:t>
-            </a:r>
-            <a:endParaRPr lang="en-US" dirty="0"/>
-          </a:p>
-          <a:p>
-            <a:endParaRPr lang="en-US" dirty="0"/>
-          </a:p>
-          <a:p>
-            <a:pPr marL="0" indent="0">
+              <a:t>Макросы </a:t>
+            </a:r>
+            <a:r>
+              <a:rPr lang="en-US" dirty="0"/>
+              <a:t>Airflow = </a:t>
+            </a:r>
+            <a:r>
+              <a:rPr lang="ru-RU" dirty="0"/>
+              <a:t>рендеринг </a:t>
+            </a:r>
+            <a:r>
+              <a:rPr lang="en-US" dirty="0"/>
+              <a:t>(</a:t>
+            </a:r>
+            <a:r>
+              <a:rPr lang="ru-RU" dirty="0" err="1"/>
+              <a:t>шаблонизация</a:t>
+            </a:r>
+            <a:r>
+              <a:rPr lang="ru-RU" dirty="0"/>
+              <a:t>) передаваемых параметров с помощью </a:t>
+            </a:r>
+            <a:r>
+              <a:rPr lang="ru-RU" dirty="0" err="1"/>
+              <a:t>Jinja</a:t>
+            </a:r>
+            <a:endParaRPr lang="ru-RU" dirty="0"/>
+          </a:p>
+          <a:p>
+            <a:r>
+              <a:rPr lang="ru-RU" dirty="0"/>
+              <a:t>Варианты применения:</a:t>
+            </a:r>
+          </a:p>
+          <a:p>
+            <a:pPr lvl="1"/>
+            <a:r>
+              <a:rPr lang="ru-RU" dirty="0"/>
+              <a:t>Работа с датами </a:t>
+            </a:r>
+            <a:br>
+              <a:rPr lang="ru-RU" dirty="0"/>
+            </a:br>
+            <a:r>
+              <a:rPr lang="ru-RU" b="1" dirty="0"/>
+              <a:t>{{ </a:t>
+            </a:r>
+            <a:r>
+              <a:rPr lang="ru-RU" b="1" dirty="0" err="1"/>
+              <a:t>ds</a:t>
+            </a:r>
+            <a:r>
+              <a:rPr lang="ru-RU" b="1" dirty="0"/>
+              <a:t> }}, {{ </a:t>
+            </a:r>
+            <a:r>
+              <a:rPr lang="ru-RU" b="1" dirty="0" err="1"/>
+              <a:t>yesterday_ds</a:t>
+            </a:r>
+            <a:r>
+              <a:rPr lang="ru-RU" b="1" dirty="0"/>
+              <a:t> }}, {{ </a:t>
+            </a:r>
+            <a:r>
+              <a:rPr lang="ru-RU" b="1" dirty="0" err="1"/>
+              <a:t>tomorrow_ds</a:t>
+            </a:r>
+            <a:r>
+              <a:rPr lang="ru-RU" b="1" dirty="0"/>
+              <a:t> }}</a:t>
+            </a:r>
+            <a:r>
+              <a:rPr lang="ru-RU" dirty="0"/>
+              <a:t> — после </a:t>
+            </a:r>
+            <a:r>
+              <a:rPr lang="ru-RU" dirty="0" err="1"/>
+              <a:t>препроцессинга</a:t>
+            </a:r>
+            <a:r>
+              <a:rPr lang="ru-RU" dirty="0"/>
+              <a:t> эти шаблоны заменяются датой запуска, днём до него и следующим днём в формате </a:t>
+            </a:r>
+            <a:r>
+              <a:rPr lang="ru-RU" b="1" dirty="0"/>
+              <a:t>YYYY-MM-DD</a:t>
+            </a:r>
+          </a:p>
+          <a:p>
+            <a:pPr lvl="1"/>
+            <a:r>
+              <a:rPr lang="ru-RU" dirty="0"/>
+              <a:t>Использование встроенных функций</a:t>
+            </a:r>
+            <a:br>
+              <a:rPr lang="ru-RU" dirty="0"/>
+            </a:br>
+            <a:r>
+              <a:rPr lang="ru-RU" b="1" dirty="0"/>
+              <a:t>{{ </a:t>
+            </a:r>
+            <a:r>
+              <a:rPr lang="ru-RU" b="1" dirty="0" err="1"/>
+              <a:t>macros.ds_add</a:t>
+            </a:r>
+            <a:r>
+              <a:rPr lang="ru-RU" b="1" dirty="0"/>
+              <a:t>(</a:t>
+            </a:r>
+            <a:r>
+              <a:rPr lang="ru-RU" b="1" dirty="0" err="1"/>
+              <a:t>ds</a:t>
+            </a:r>
+            <a:r>
+              <a:rPr lang="ru-RU" b="1" dirty="0"/>
+              <a:t>, -5) }}</a:t>
+            </a:r>
+            <a:r>
+              <a:rPr lang="ru-RU" dirty="0"/>
+              <a:t> — это способ отнять или добавить несколько дней</a:t>
+            </a:r>
+          </a:p>
+          <a:p>
+            <a:pPr lvl="1"/>
+            <a:r>
+              <a:rPr lang="ru-RU" dirty="0"/>
+              <a:t>Многое другое </a:t>
+            </a:r>
+            <a:br>
+              <a:rPr lang="ru-RU" dirty="0"/>
+            </a:br>
+            <a:r>
+              <a:rPr lang="af-ZA" dirty="0">
+                <a:hlinkClick r:id="rId2"/>
+              </a:rPr>
+              <a:t>https://airflow.apache.org/docs/apache-airflow/1.10.5/macros.html</a:t>
+            </a:r>
+            <a:endParaRPr lang="af-ZA" dirty="0"/>
+          </a:p>
+          <a:p>
+            <a:r>
+              <a:rPr lang="ru-RU" dirty="0"/>
+              <a:t>Пример применения:</a:t>
+            </a:r>
+          </a:p>
+          <a:p>
+            <a:pPr lvl="1"/>
+            <a:r>
+              <a:rPr lang="en-US" b="1" dirty="0" err="1"/>
+              <a:t>Report_dt</a:t>
+            </a:r>
+            <a:r>
+              <a:rPr lang="en-US" b="1" dirty="0"/>
+              <a:t> = {{ ds }}</a:t>
+            </a:r>
+            <a:r>
+              <a:rPr lang="en-US" dirty="0"/>
+              <a:t> – </a:t>
+            </a:r>
+            <a:r>
+              <a:rPr lang="ru-RU" dirty="0"/>
+              <a:t>отчетная дата вместо </a:t>
+            </a:r>
+            <a:r>
+              <a:rPr lang="en-US" dirty="0" err="1"/>
+              <a:t>current_date</a:t>
+            </a:r>
+            <a:r>
+              <a:rPr lang="ru-RU" dirty="0"/>
+              <a:t> задается как дата выполнения. Таким образом обеспечивая идемпотентность (возможность перезапуска с тем же результатом)</a:t>
+            </a:r>
+          </a:p>
+          <a:p>
+            <a:pPr marL="274320" lvl="1" indent="0">
               <a:buNone/>
             </a:pPr>
             <a:endParaRPr lang="ru-RU" dirty="0"/>
-          </a:p>
-        </p:txBody>
-      </p:sp>
-      <p:sp>
-        <p:nvSpPr>
-          <p:cNvPr id="6" name="Rectangle 3">
-            <a:extLst>
-              <a:ext uri="{FF2B5EF4-FFF2-40B4-BE49-F238E27FC236}">
-                <a16:creationId xmlns:a16="http://schemas.microsoft.com/office/drawing/2014/main" id="{6C2F028B-C3EB-400C-A39F-36884E505865}"/>
-              </a:ext>
-            </a:extLst>
-          </p:cNvPr>
-          <p:cNvSpPr>
-            <a:spLocks noChangeArrowheads="1"/>
-          </p:cNvSpPr>
-          <p:nvPr/>
-        </p:nvSpPr>
-        <p:spPr bwMode="auto">
-          <a:xfrm>
-            <a:off x="1563624" y="2631004"/>
-            <a:ext cx="5065776" cy="1515800"/>
-          </a:xfrm>
-          <a:prstGeom prst="rect">
-            <a:avLst/>
-          </a:prstGeom>
-          <a:noFill/>
-          <a:ln>
-            <a:noFill/>
-          </a:ln>
-          <a:effectLst/>
-          <a:extLst>
-            <a:ext uri="{909E8E84-426E-40DD-AFC4-6F175D3DCCD1}">
-              <a14:hiddenFill xmlns:a14="http://schemas.microsoft.com/office/drawing/2010/main">
-                <a:solidFill>
-                  <a:schemeClr val="accent1"/>
-                </a:solidFill>
-              </a14:hiddenFill>
-            </a:ext>
-            <a:ext uri="{91240B29-F687-4F45-9708-019B960494DF}">
-              <a14:hiddenLine xmlns:a14="http://schemas.microsoft.com/office/drawing/2010/main" w="9525">
-                <a:solidFill>
-                  <a:schemeClr val="tx1"/>
-                </a:solidFill>
-                <a:miter lim="800000"/>
-                <a:headEnd/>
-                <a:tailEnd/>
-              </a14:hiddenLine>
-            </a:ext>
-            <a:ext uri="{AF507438-7753-43E0-B8FC-AC1667EBCBE1}">
-              <a14:hiddenEffects xmlns:a14="http://schemas.microsoft.com/office/drawing/2010/main">
-                <a:effectLst>
-                  <a:outerShdw dist="35921" dir="2700000" algn="ctr" rotWithShape="0">
-                    <a:schemeClr val="bg2"/>
-                  </a:outerShdw>
-                </a:effectLst>
-              </a14:hiddenEffects>
-            </a:ext>
-          </a:extLst>
-        </p:spPr>
-        <p:txBody>
-          <a:bodyPr vert="horz" wrap="square" lIns="0" tIns="0" rIns="0" bIns="0" numCol="1" anchor="ctr" anchorCtr="0" compatLnSpc="1">
-            <a:prstTxWarp prst="textNoShape">
-              <a:avLst/>
-            </a:prstTxWarp>
-            <a:spAutoFit/>
-          </a:bodyPr>
-          <a:lstStyle/>
-          <a:p>
-            <a:pPr marL="0" marR="0" lvl="0" indent="0" algn="l" defTabSz="914400" rtl="0" eaLnBrk="0" fontAlgn="base" latinLnBrk="0" hangingPunct="0">
-              <a:lnSpc>
-                <a:spcPct val="100000"/>
-              </a:lnSpc>
-              <a:spcBef>
-                <a:spcPct val="0"/>
-              </a:spcBef>
-              <a:spcAft>
-                <a:spcPct val="0"/>
-              </a:spcAft>
-              <a:buClrTx/>
-              <a:buSzTx/>
-              <a:buFontTx/>
-              <a:buNone/>
-              <a:tabLst/>
-            </a:pPr>
-            <a:r>
-              <a:rPr kumimoji="0" lang="ru-RU" altLang="ru-RU" sz="1050" b="1" i="0" u="none" strike="noStrike" cap="none" normalizeH="0" baseline="0" dirty="0" err="1">
-                <a:ln>
-                  <a:noFill/>
-                </a:ln>
-                <a:solidFill>
-                  <a:srgbClr val="007020"/>
-                </a:solidFill>
-                <a:effectLst/>
-                <a:latin typeface="SFMono-Regular"/>
-              </a:rPr>
-              <a:t>from</a:t>
-            </a:r>
-            <a:r>
-              <a:rPr kumimoji="0" lang="ru-RU" altLang="ru-RU" sz="1050" b="0" i="0" u="none" strike="noStrike" cap="none" normalizeH="0" baseline="0" dirty="0">
-                <a:ln>
-                  <a:noFill/>
-                </a:ln>
-                <a:solidFill>
-                  <a:srgbClr val="404040"/>
-                </a:solidFill>
-                <a:effectLst/>
-                <a:latin typeface="SFMono-Regular"/>
-              </a:rPr>
-              <a:t> </a:t>
-            </a:r>
-            <a:r>
-              <a:rPr kumimoji="0" lang="ru-RU" altLang="ru-RU" sz="1050" b="1" i="0" u="none" strike="noStrike" cap="none" normalizeH="0" baseline="0" dirty="0" err="1">
-                <a:ln>
-                  <a:noFill/>
-                </a:ln>
-                <a:solidFill>
-                  <a:srgbClr val="0E84B5"/>
-                </a:solidFill>
-                <a:effectLst/>
-                <a:latin typeface="SFMono-Regular"/>
-              </a:rPr>
-              <a:t>airflow.models</a:t>
-            </a:r>
-            <a:r>
-              <a:rPr kumimoji="0" lang="ru-RU" altLang="ru-RU" sz="1050" b="0" i="0" u="none" strike="noStrike" cap="none" normalizeH="0" baseline="0" dirty="0">
-                <a:ln>
-                  <a:noFill/>
-                </a:ln>
-                <a:solidFill>
-                  <a:srgbClr val="404040"/>
-                </a:solidFill>
-                <a:effectLst/>
-                <a:latin typeface="SFMono-Regular"/>
-              </a:rPr>
-              <a:t> </a:t>
-            </a:r>
-            <a:r>
-              <a:rPr kumimoji="0" lang="ru-RU" altLang="ru-RU" sz="1050" b="1" i="0" u="none" strike="noStrike" cap="none" normalizeH="0" baseline="0" dirty="0" err="1">
-                <a:ln>
-                  <a:noFill/>
-                </a:ln>
-                <a:solidFill>
-                  <a:srgbClr val="007020"/>
-                </a:solidFill>
-                <a:effectLst/>
-                <a:latin typeface="SFMono-Regular"/>
-              </a:rPr>
-              <a:t>import</a:t>
-            </a:r>
-            <a:r>
-              <a:rPr kumimoji="0" lang="ru-RU" altLang="ru-RU" sz="1050" b="0" i="0" u="none" strike="noStrike" cap="none" normalizeH="0" baseline="0" dirty="0">
-                <a:ln>
-                  <a:noFill/>
-                </a:ln>
-                <a:solidFill>
-                  <a:srgbClr val="404040"/>
-                </a:solidFill>
-                <a:effectLst/>
-                <a:latin typeface="SFMono-Regular"/>
-              </a:rPr>
-              <a:t> </a:t>
-            </a:r>
-            <a:r>
-              <a:rPr kumimoji="0" lang="ru-RU" altLang="ru-RU" sz="1600" b="0" i="0" u="none" strike="noStrike" cap="none" normalizeH="0" baseline="0" dirty="0" err="1">
-                <a:ln>
-                  <a:noFill/>
-                </a:ln>
-                <a:solidFill>
-                  <a:schemeClr val="tx1"/>
-                </a:solidFill>
-                <a:effectLst/>
-                <a:latin typeface="Arial" panose="020B0604020202020204" pitchFamily="34" charset="0"/>
-              </a:rPr>
-              <a:t>Variable</a:t>
-            </a:r>
-            <a:r>
-              <a:rPr kumimoji="0" lang="ru-RU" altLang="ru-RU" sz="1050" b="0" i="0" u="none" strike="noStrike" cap="none" normalizeH="0" baseline="0" dirty="0">
-                <a:ln>
-                  <a:noFill/>
-                </a:ln>
-                <a:solidFill>
-                  <a:srgbClr val="404040"/>
-                </a:solidFill>
-                <a:effectLst/>
-                <a:latin typeface="SFMono-Regular"/>
-              </a:rPr>
-              <a:t> </a:t>
-            </a:r>
-          </a:p>
-          <a:p>
-            <a:pPr marL="0" marR="0" lvl="0" indent="0" algn="l" defTabSz="914400" rtl="0" eaLnBrk="0" fontAlgn="base" latinLnBrk="0" hangingPunct="0">
-              <a:lnSpc>
-                <a:spcPct val="100000"/>
-              </a:lnSpc>
-              <a:spcBef>
-                <a:spcPct val="0"/>
-              </a:spcBef>
-              <a:spcAft>
-                <a:spcPct val="0"/>
-              </a:spcAft>
-              <a:buClrTx/>
-              <a:buSzTx/>
-              <a:buFontTx/>
-              <a:buNone/>
-              <a:tabLst/>
-            </a:pPr>
-            <a:endParaRPr lang="ru-RU" altLang="ru-RU" sz="1050" dirty="0">
-              <a:solidFill>
-                <a:srgbClr val="404040"/>
-              </a:solidFill>
-              <a:latin typeface="SFMono-Regular"/>
-            </a:endParaRPr>
-          </a:p>
-          <a:p>
-            <a:pPr marL="0" marR="0" lvl="0" indent="0" algn="l" defTabSz="914400" rtl="0" eaLnBrk="0" fontAlgn="base" latinLnBrk="0" hangingPunct="0">
-              <a:lnSpc>
-                <a:spcPct val="100000"/>
-              </a:lnSpc>
-              <a:spcBef>
-                <a:spcPct val="0"/>
-              </a:spcBef>
-              <a:spcAft>
-                <a:spcPct val="0"/>
-              </a:spcAft>
-              <a:buClrTx/>
-              <a:buSzTx/>
-              <a:buFontTx/>
-              <a:buNone/>
-              <a:tabLst/>
-            </a:pPr>
-            <a:r>
-              <a:rPr kumimoji="0" lang="ru-RU" altLang="ru-RU" sz="1600" b="0" i="0" u="none" strike="noStrike" cap="none" normalizeH="0" baseline="0" dirty="0" err="1">
-                <a:ln>
-                  <a:noFill/>
-                </a:ln>
-                <a:solidFill>
-                  <a:schemeClr val="tx1"/>
-                </a:solidFill>
-                <a:effectLst/>
-                <a:latin typeface="Arial" panose="020B0604020202020204" pitchFamily="34" charset="0"/>
-              </a:rPr>
-              <a:t>foo</a:t>
-            </a:r>
-            <a:r>
-              <a:rPr kumimoji="0" lang="ru-RU" altLang="ru-RU" sz="1050" b="0" i="0" u="none" strike="noStrike" cap="none" normalizeH="0" baseline="0" dirty="0">
-                <a:ln>
-                  <a:noFill/>
-                </a:ln>
-                <a:solidFill>
-                  <a:srgbClr val="404040"/>
-                </a:solidFill>
-                <a:effectLst/>
-                <a:latin typeface="SFMono-Regular"/>
-              </a:rPr>
-              <a:t> </a:t>
-            </a:r>
-            <a:r>
-              <a:rPr kumimoji="0" lang="ru-RU" altLang="ru-RU" sz="2400" b="0" i="0" u="none" strike="noStrike" cap="none" normalizeH="0" baseline="0" dirty="0">
-                <a:ln>
-                  <a:noFill/>
-                </a:ln>
-                <a:solidFill>
-                  <a:srgbClr val="666666"/>
-                </a:solidFill>
-                <a:effectLst/>
-                <a:latin typeface="Arial" panose="020B0604020202020204" pitchFamily="34" charset="0"/>
-              </a:rPr>
-              <a:t>=</a:t>
-            </a:r>
-            <a:r>
-              <a:rPr kumimoji="0" lang="ru-RU" altLang="ru-RU" sz="1050" b="0" i="0" u="none" strike="noStrike" cap="none" normalizeH="0" baseline="0" dirty="0">
-                <a:ln>
-                  <a:noFill/>
-                </a:ln>
-                <a:solidFill>
-                  <a:srgbClr val="404040"/>
-                </a:solidFill>
-                <a:effectLst/>
-                <a:latin typeface="SFMono-Regular"/>
-              </a:rPr>
-              <a:t> </a:t>
-            </a:r>
-            <a:r>
-              <a:rPr kumimoji="0" lang="ru-RU" altLang="ru-RU" sz="1600" b="0" i="0" u="none" strike="noStrike" cap="none" normalizeH="0" baseline="0" dirty="0" err="1">
-                <a:ln>
-                  <a:noFill/>
-                </a:ln>
-                <a:solidFill>
-                  <a:schemeClr val="tx1"/>
-                </a:solidFill>
-                <a:effectLst/>
-                <a:latin typeface="Arial" panose="020B0604020202020204" pitchFamily="34" charset="0"/>
-              </a:rPr>
-              <a:t>Variable</a:t>
-            </a:r>
-            <a:r>
-              <a:rPr kumimoji="0" lang="ru-RU" altLang="ru-RU" sz="2400" b="0" i="0" u="none" strike="noStrike" cap="none" normalizeH="0" baseline="0" dirty="0" err="1">
-                <a:ln>
-                  <a:noFill/>
-                </a:ln>
-                <a:solidFill>
-                  <a:srgbClr val="666666"/>
-                </a:solidFill>
-                <a:effectLst/>
-                <a:latin typeface="Arial" panose="020B0604020202020204" pitchFamily="34" charset="0"/>
-              </a:rPr>
-              <a:t>.</a:t>
-            </a:r>
-            <a:r>
-              <a:rPr kumimoji="0" lang="ru-RU" altLang="ru-RU" sz="1600" b="0" i="0" u="none" strike="noStrike" cap="none" normalizeH="0" baseline="0" dirty="0" err="1">
-                <a:ln>
-                  <a:noFill/>
-                </a:ln>
-                <a:solidFill>
-                  <a:schemeClr val="tx1"/>
-                </a:solidFill>
-                <a:effectLst/>
-                <a:latin typeface="Arial" panose="020B0604020202020204" pitchFamily="34" charset="0"/>
-              </a:rPr>
-              <a:t>get</a:t>
-            </a:r>
-            <a:r>
-              <a:rPr kumimoji="0" lang="ru-RU" altLang="ru-RU" sz="1050" b="0" i="0" u="none" strike="noStrike" cap="none" normalizeH="0" baseline="0" dirty="0">
-                <a:ln>
-                  <a:noFill/>
-                </a:ln>
-                <a:solidFill>
-                  <a:srgbClr val="404040"/>
-                </a:solidFill>
-                <a:effectLst/>
-                <a:latin typeface="SFMono-Regular"/>
-              </a:rPr>
-              <a:t>(</a:t>
-            </a:r>
-            <a:r>
-              <a:rPr kumimoji="0" lang="ru-RU" altLang="ru-RU" sz="1050" b="0" i="0" u="none" strike="noStrike" cap="none" normalizeH="0" baseline="0" dirty="0">
-                <a:ln>
-                  <a:noFill/>
-                </a:ln>
-                <a:solidFill>
-                  <a:srgbClr val="4070A0"/>
-                </a:solidFill>
-                <a:effectLst/>
-                <a:latin typeface="SFMono-Regular"/>
-              </a:rPr>
-              <a:t>"</a:t>
-            </a:r>
-            <a:r>
-              <a:rPr kumimoji="0" lang="ru-RU" altLang="ru-RU" sz="1050" b="0" i="0" u="none" strike="noStrike" cap="none" normalizeH="0" baseline="0" dirty="0" err="1">
-                <a:ln>
-                  <a:noFill/>
-                </a:ln>
-                <a:solidFill>
-                  <a:srgbClr val="4070A0"/>
-                </a:solidFill>
-                <a:effectLst/>
-                <a:latin typeface="SFMono-Regular"/>
-              </a:rPr>
-              <a:t>foo</a:t>
-            </a:r>
-            <a:r>
-              <a:rPr kumimoji="0" lang="ru-RU" altLang="ru-RU" sz="1050" b="0" i="0" u="none" strike="noStrike" cap="none" normalizeH="0" baseline="0" dirty="0">
-                <a:ln>
-                  <a:noFill/>
-                </a:ln>
-                <a:solidFill>
-                  <a:srgbClr val="4070A0"/>
-                </a:solidFill>
-                <a:effectLst/>
-                <a:latin typeface="SFMono-Regular"/>
-              </a:rPr>
-              <a:t>"</a:t>
-            </a:r>
-            <a:r>
-              <a:rPr kumimoji="0" lang="ru-RU" altLang="ru-RU" sz="1050" b="0" i="0" u="none" strike="noStrike" cap="none" normalizeH="0" baseline="0" dirty="0">
-                <a:ln>
-                  <a:noFill/>
-                </a:ln>
-                <a:solidFill>
-                  <a:srgbClr val="404040"/>
-                </a:solidFill>
-                <a:effectLst/>
-                <a:latin typeface="SFMono-Regular"/>
-              </a:rPr>
-              <a:t>) </a:t>
-            </a:r>
-          </a:p>
-          <a:p>
-            <a:pPr marL="0" marR="0" lvl="0" indent="0" algn="l" defTabSz="914400" rtl="0" eaLnBrk="0" fontAlgn="base" latinLnBrk="0" hangingPunct="0">
-              <a:lnSpc>
-                <a:spcPct val="100000"/>
-              </a:lnSpc>
-              <a:spcBef>
-                <a:spcPct val="0"/>
-              </a:spcBef>
-              <a:spcAft>
-                <a:spcPct val="0"/>
-              </a:spcAft>
-              <a:buClrTx/>
-              <a:buSzTx/>
-              <a:buFontTx/>
-              <a:buNone/>
-              <a:tabLst/>
-            </a:pPr>
-            <a:r>
-              <a:rPr kumimoji="0" lang="ru-RU" altLang="ru-RU" sz="1600" b="0" i="0" u="none" strike="noStrike" cap="none" normalizeH="0" baseline="0" dirty="0" err="1">
-                <a:ln>
-                  <a:noFill/>
-                </a:ln>
-                <a:solidFill>
-                  <a:schemeClr val="tx1"/>
-                </a:solidFill>
-                <a:effectLst/>
-                <a:latin typeface="Arial" panose="020B0604020202020204" pitchFamily="34" charset="0"/>
-              </a:rPr>
-              <a:t>bar</a:t>
-            </a:r>
-            <a:r>
-              <a:rPr kumimoji="0" lang="ru-RU" altLang="ru-RU" sz="1050" b="0" i="0" u="none" strike="noStrike" cap="none" normalizeH="0" baseline="0" dirty="0">
-                <a:ln>
-                  <a:noFill/>
-                </a:ln>
-                <a:solidFill>
-                  <a:srgbClr val="404040"/>
-                </a:solidFill>
-                <a:effectLst/>
-                <a:latin typeface="SFMono-Regular"/>
-              </a:rPr>
-              <a:t> </a:t>
-            </a:r>
-            <a:r>
-              <a:rPr kumimoji="0" lang="ru-RU" altLang="ru-RU" sz="2400" b="0" i="0" u="none" strike="noStrike" cap="none" normalizeH="0" baseline="0" dirty="0">
-                <a:ln>
-                  <a:noFill/>
-                </a:ln>
-                <a:solidFill>
-                  <a:srgbClr val="666666"/>
-                </a:solidFill>
-                <a:effectLst/>
-                <a:latin typeface="Arial" panose="020B0604020202020204" pitchFamily="34" charset="0"/>
-              </a:rPr>
-              <a:t>=</a:t>
-            </a:r>
-            <a:r>
-              <a:rPr kumimoji="0" lang="ru-RU" altLang="ru-RU" sz="1050" b="0" i="0" u="none" strike="noStrike" cap="none" normalizeH="0" baseline="0" dirty="0">
-                <a:ln>
-                  <a:noFill/>
-                </a:ln>
-                <a:solidFill>
-                  <a:srgbClr val="404040"/>
-                </a:solidFill>
-                <a:effectLst/>
-                <a:latin typeface="SFMono-Regular"/>
-              </a:rPr>
-              <a:t> </a:t>
-            </a:r>
-            <a:r>
-              <a:rPr kumimoji="0" lang="ru-RU" altLang="ru-RU" sz="1600" b="0" i="0" u="none" strike="noStrike" cap="none" normalizeH="0" baseline="0" dirty="0" err="1">
-                <a:ln>
-                  <a:noFill/>
-                </a:ln>
-                <a:solidFill>
-                  <a:schemeClr val="tx1"/>
-                </a:solidFill>
-                <a:effectLst/>
-                <a:latin typeface="Arial" panose="020B0604020202020204" pitchFamily="34" charset="0"/>
-              </a:rPr>
-              <a:t>Variable</a:t>
-            </a:r>
-            <a:r>
-              <a:rPr kumimoji="0" lang="ru-RU" altLang="ru-RU" sz="2400" b="0" i="0" u="none" strike="noStrike" cap="none" normalizeH="0" baseline="0" dirty="0" err="1">
-                <a:ln>
-                  <a:noFill/>
-                </a:ln>
-                <a:solidFill>
-                  <a:srgbClr val="666666"/>
-                </a:solidFill>
-                <a:effectLst/>
-                <a:latin typeface="Arial" panose="020B0604020202020204" pitchFamily="34" charset="0"/>
-              </a:rPr>
-              <a:t>.</a:t>
-            </a:r>
-            <a:r>
-              <a:rPr kumimoji="0" lang="ru-RU" altLang="ru-RU" sz="1600" b="0" i="0" u="none" strike="noStrike" cap="none" normalizeH="0" baseline="0" dirty="0" err="1">
-                <a:ln>
-                  <a:noFill/>
-                </a:ln>
-                <a:solidFill>
-                  <a:schemeClr val="tx1"/>
-                </a:solidFill>
-                <a:effectLst/>
-                <a:latin typeface="Arial" panose="020B0604020202020204" pitchFamily="34" charset="0"/>
-              </a:rPr>
-              <a:t>get</a:t>
-            </a:r>
-            <a:r>
-              <a:rPr kumimoji="0" lang="ru-RU" altLang="ru-RU" sz="1050" b="0" i="0" u="none" strike="noStrike" cap="none" normalizeH="0" baseline="0" dirty="0">
-                <a:ln>
-                  <a:noFill/>
-                </a:ln>
-                <a:solidFill>
-                  <a:srgbClr val="404040"/>
-                </a:solidFill>
-                <a:effectLst/>
-                <a:latin typeface="SFMono-Regular"/>
-              </a:rPr>
-              <a:t>(</a:t>
-            </a:r>
-            <a:r>
-              <a:rPr kumimoji="0" lang="ru-RU" altLang="ru-RU" sz="1050" b="0" i="0" u="none" strike="noStrike" cap="none" normalizeH="0" baseline="0" dirty="0">
-                <a:ln>
-                  <a:noFill/>
-                </a:ln>
-                <a:solidFill>
-                  <a:srgbClr val="4070A0"/>
-                </a:solidFill>
-                <a:effectLst/>
-                <a:latin typeface="SFMono-Regular"/>
-              </a:rPr>
-              <a:t>"</a:t>
-            </a:r>
-            <a:r>
-              <a:rPr kumimoji="0" lang="ru-RU" altLang="ru-RU" sz="1050" b="0" i="0" u="none" strike="noStrike" cap="none" normalizeH="0" baseline="0" dirty="0" err="1">
-                <a:ln>
-                  <a:noFill/>
-                </a:ln>
-                <a:solidFill>
-                  <a:srgbClr val="4070A0"/>
-                </a:solidFill>
-                <a:effectLst/>
-                <a:latin typeface="SFMono-Regular"/>
-              </a:rPr>
-              <a:t>bar</a:t>
-            </a:r>
-            <a:r>
-              <a:rPr kumimoji="0" lang="ru-RU" altLang="ru-RU" sz="1050" b="0" i="0" u="none" strike="noStrike" cap="none" normalizeH="0" baseline="0" dirty="0">
-                <a:ln>
-                  <a:noFill/>
-                </a:ln>
-                <a:solidFill>
-                  <a:srgbClr val="4070A0"/>
-                </a:solidFill>
-                <a:effectLst/>
-                <a:latin typeface="SFMono-Regular"/>
-              </a:rPr>
-              <a:t>"</a:t>
-            </a:r>
-            <a:r>
-              <a:rPr kumimoji="0" lang="ru-RU" altLang="ru-RU" sz="1050" b="0" i="0" u="none" strike="noStrike" cap="none" normalizeH="0" baseline="0" dirty="0">
-                <a:ln>
-                  <a:noFill/>
-                </a:ln>
-                <a:solidFill>
-                  <a:srgbClr val="404040"/>
-                </a:solidFill>
-                <a:effectLst/>
-                <a:latin typeface="SFMono-Regular"/>
-              </a:rPr>
-              <a:t>, </a:t>
-            </a:r>
-            <a:r>
-              <a:rPr kumimoji="0" lang="ru-RU" altLang="ru-RU" sz="1600" b="0" i="0" u="none" strike="noStrike" cap="none" normalizeH="0" baseline="0" dirty="0" err="1">
-                <a:ln>
-                  <a:noFill/>
-                </a:ln>
-                <a:solidFill>
-                  <a:schemeClr val="tx1"/>
-                </a:solidFill>
-                <a:effectLst/>
-                <a:latin typeface="Arial" panose="020B0604020202020204" pitchFamily="34" charset="0"/>
-              </a:rPr>
-              <a:t>deserialize_json</a:t>
-            </a:r>
-            <a:r>
-              <a:rPr kumimoji="0" lang="ru-RU" altLang="ru-RU" sz="2400" b="0" i="0" u="none" strike="noStrike" cap="none" normalizeH="0" baseline="0" dirty="0">
-                <a:ln>
-                  <a:noFill/>
-                </a:ln>
-                <a:solidFill>
-                  <a:srgbClr val="666666"/>
-                </a:solidFill>
-                <a:effectLst/>
-                <a:latin typeface="Arial" panose="020B0604020202020204" pitchFamily="34" charset="0"/>
-              </a:rPr>
-              <a:t>=</a:t>
-            </a:r>
-            <a:r>
-              <a:rPr kumimoji="0" lang="ru-RU" altLang="ru-RU" sz="1050" b="0" i="0" u="none" strike="noStrike" cap="none" normalizeH="0" baseline="0" dirty="0" err="1">
-                <a:ln>
-                  <a:noFill/>
-                </a:ln>
-                <a:solidFill>
-                  <a:srgbClr val="007020"/>
-                </a:solidFill>
-                <a:effectLst/>
-                <a:latin typeface="SFMono-Regular"/>
-              </a:rPr>
-              <a:t>True</a:t>
-            </a:r>
-            <a:r>
-              <a:rPr kumimoji="0" lang="ru-RU" altLang="ru-RU" sz="1050" b="0" i="0" u="none" strike="noStrike" cap="none" normalizeH="0" baseline="0" dirty="0">
-                <a:ln>
-                  <a:noFill/>
-                </a:ln>
-                <a:solidFill>
-                  <a:srgbClr val="404040"/>
-                </a:solidFill>
-                <a:effectLst/>
-                <a:latin typeface="SFMono-Regular"/>
-              </a:rPr>
-              <a:t>) </a:t>
-            </a:r>
-          </a:p>
-          <a:p>
-            <a:pPr marL="0" marR="0" lvl="0" indent="0" algn="l" defTabSz="914400" rtl="0" eaLnBrk="0" fontAlgn="base" latinLnBrk="0" hangingPunct="0">
-              <a:lnSpc>
-                <a:spcPct val="100000"/>
-              </a:lnSpc>
-              <a:spcBef>
-                <a:spcPct val="0"/>
-              </a:spcBef>
-              <a:spcAft>
-                <a:spcPct val="0"/>
-              </a:spcAft>
-              <a:buClrTx/>
-              <a:buSzTx/>
-              <a:buFontTx/>
-              <a:buNone/>
-              <a:tabLst/>
-            </a:pPr>
-            <a:r>
-              <a:rPr kumimoji="0" lang="ru-RU" altLang="ru-RU" sz="1600" b="0" i="0" u="none" strike="noStrike" cap="none" normalizeH="0" baseline="0" dirty="0" err="1">
-                <a:ln>
-                  <a:noFill/>
-                </a:ln>
-                <a:solidFill>
-                  <a:schemeClr val="tx1"/>
-                </a:solidFill>
-                <a:effectLst/>
-                <a:latin typeface="Arial" panose="020B0604020202020204" pitchFamily="34" charset="0"/>
-              </a:rPr>
-              <a:t>baz</a:t>
-            </a:r>
-            <a:r>
-              <a:rPr kumimoji="0" lang="ru-RU" altLang="ru-RU" sz="1050" b="0" i="0" u="none" strike="noStrike" cap="none" normalizeH="0" baseline="0" dirty="0">
-                <a:ln>
-                  <a:noFill/>
-                </a:ln>
-                <a:solidFill>
-                  <a:srgbClr val="404040"/>
-                </a:solidFill>
-                <a:effectLst/>
-                <a:latin typeface="SFMono-Regular"/>
-              </a:rPr>
-              <a:t> </a:t>
-            </a:r>
-            <a:r>
-              <a:rPr kumimoji="0" lang="ru-RU" altLang="ru-RU" sz="2400" b="0" i="0" u="none" strike="noStrike" cap="none" normalizeH="0" baseline="0" dirty="0">
-                <a:ln>
-                  <a:noFill/>
-                </a:ln>
-                <a:solidFill>
-                  <a:srgbClr val="666666"/>
-                </a:solidFill>
-                <a:effectLst/>
-                <a:latin typeface="Arial" panose="020B0604020202020204" pitchFamily="34" charset="0"/>
-              </a:rPr>
-              <a:t>=</a:t>
-            </a:r>
-            <a:r>
-              <a:rPr kumimoji="0" lang="ru-RU" altLang="ru-RU" sz="1050" b="0" i="0" u="none" strike="noStrike" cap="none" normalizeH="0" baseline="0" dirty="0">
-                <a:ln>
-                  <a:noFill/>
-                </a:ln>
-                <a:solidFill>
-                  <a:srgbClr val="404040"/>
-                </a:solidFill>
-                <a:effectLst/>
-                <a:latin typeface="SFMono-Regular"/>
-              </a:rPr>
-              <a:t> </a:t>
-            </a:r>
-            <a:r>
-              <a:rPr kumimoji="0" lang="ru-RU" altLang="ru-RU" sz="1600" b="0" i="0" u="none" strike="noStrike" cap="none" normalizeH="0" baseline="0" dirty="0" err="1">
-                <a:ln>
-                  <a:noFill/>
-                </a:ln>
-                <a:solidFill>
-                  <a:schemeClr val="tx1"/>
-                </a:solidFill>
-                <a:effectLst/>
-                <a:latin typeface="Arial" panose="020B0604020202020204" pitchFamily="34" charset="0"/>
-              </a:rPr>
-              <a:t>Variable</a:t>
-            </a:r>
-            <a:r>
-              <a:rPr kumimoji="0" lang="ru-RU" altLang="ru-RU" sz="2400" b="0" i="0" u="none" strike="noStrike" cap="none" normalizeH="0" baseline="0" dirty="0" err="1">
-                <a:ln>
-                  <a:noFill/>
-                </a:ln>
-                <a:solidFill>
-                  <a:srgbClr val="666666"/>
-                </a:solidFill>
-                <a:effectLst/>
-                <a:latin typeface="Arial" panose="020B0604020202020204" pitchFamily="34" charset="0"/>
-              </a:rPr>
-              <a:t>.</a:t>
-            </a:r>
-            <a:r>
-              <a:rPr kumimoji="0" lang="ru-RU" altLang="ru-RU" sz="1600" b="0" i="0" u="none" strike="noStrike" cap="none" normalizeH="0" baseline="0" dirty="0" err="1">
-                <a:ln>
-                  <a:noFill/>
-                </a:ln>
-                <a:solidFill>
-                  <a:schemeClr val="tx1"/>
-                </a:solidFill>
-                <a:effectLst/>
-                <a:latin typeface="Arial" panose="020B0604020202020204" pitchFamily="34" charset="0"/>
-              </a:rPr>
-              <a:t>get</a:t>
-            </a:r>
-            <a:r>
-              <a:rPr kumimoji="0" lang="ru-RU" altLang="ru-RU" sz="1050" b="0" i="0" u="none" strike="noStrike" cap="none" normalizeH="0" baseline="0" dirty="0">
-                <a:ln>
-                  <a:noFill/>
-                </a:ln>
-                <a:solidFill>
-                  <a:srgbClr val="404040"/>
-                </a:solidFill>
-                <a:effectLst/>
-                <a:latin typeface="SFMono-Regular"/>
-              </a:rPr>
-              <a:t>(</a:t>
-            </a:r>
-            <a:r>
-              <a:rPr kumimoji="0" lang="ru-RU" altLang="ru-RU" sz="1050" b="0" i="0" u="none" strike="noStrike" cap="none" normalizeH="0" baseline="0" dirty="0">
-                <a:ln>
-                  <a:noFill/>
-                </a:ln>
-                <a:solidFill>
-                  <a:srgbClr val="4070A0"/>
-                </a:solidFill>
-                <a:effectLst/>
-                <a:latin typeface="SFMono-Regular"/>
-              </a:rPr>
-              <a:t>"</a:t>
-            </a:r>
-            <a:r>
-              <a:rPr kumimoji="0" lang="ru-RU" altLang="ru-RU" sz="1050" b="0" i="0" u="none" strike="noStrike" cap="none" normalizeH="0" baseline="0" dirty="0" err="1">
-                <a:ln>
-                  <a:noFill/>
-                </a:ln>
-                <a:solidFill>
-                  <a:srgbClr val="4070A0"/>
-                </a:solidFill>
-                <a:effectLst/>
-                <a:latin typeface="SFMono-Regular"/>
-              </a:rPr>
-              <a:t>baz</a:t>
-            </a:r>
-            <a:r>
-              <a:rPr kumimoji="0" lang="ru-RU" altLang="ru-RU" sz="1050" b="0" i="0" u="none" strike="noStrike" cap="none" normalizeH="0" baseline="0" dirty="0">
-                <a:ln>
-                  <a:noFill/>
-                </a:ln>
-                <a:solidFill>
-                  <a:srgbClr val="4070A0"/>
-                </a:solidFill>
-                <a:effectLst/>
-                <a:latin typeface="SFMono-Regular"/>
-              </a:rPr>
-              <a:t>"</a:t>
-            </a:r>
-            <a:r>
-              <a:rPr kumimoji="0" lang="ru-RU" altLang="ru-RU" sz="1050" b="0" i="0" u="none" strike="noStrike" cap="none" normalizeH="0" baseline="0" dirty="0">
-                <a:ln>
-                  <a:noFill/>
-                </a:ln>
-                <a:solidFill>
-                  <a:srgbClr val="404040"/>
-                </a:solidFill>
-                <a:effectLst/>
-                <a:latin typeface="SFMono-Regular"/>
-              </a:rPr>
-              <a:t>, </a:t>
-            </a:r>
-            <a:r>
-              <a:rPr kumimoji="0" lang="ru-RU" altLang="ru-RU" sz="1600" b="0" i="0" u="none" strike="noStrike" cap="none" normalizeH="0" baseline="0" dirty="0" err="1">
-                <a:ln>
-                  <a:noFill/>
-                </a:ln>
-                <a:solidFill>
-                  <a:schemeClr val="tx1"/>
-                </a:solidFill>
-                <a:effectLst/>
-                <a:latin typeface="Arial" panose="020B0604020202020204" pitchFamily="34" charset="0"/>
-              </a:rPr>
-              <a:t>default_var</a:t>
-            </a:r>
-            <a:r>
-              <a:rPr kumimoji="0" lang="ru-RU" altLang="ru-RU" sz="2400" b="0" i="0" u="none" strike="noStrike" cap="none" normalizeH="0" baseline="0" dirty="0">
-                <a:ln>
-                  <a:noFill/>
-                </a:ln>
-                <a:solidFill>
-                  <a:srgbClr val="666666"/>
-                </a:solidFill>
-                <a:effectLst/>
-                <a:latin typeface="Arial" panose="020B0604020202020204" pitchFamily="34" charset="0"/>
-              </a:rPr>
-              <a:t>=</a:t>
-            </a:r>
-            <a:r>
-              <a:rPr kumimoji="0" lang="ru-RU" altLang="ru-RU" sz="1050" b="0" i="0" u="none" strike="noStrike" cap="none" normalizeH="0" baseline="0" dirty="0" err="1">
-                <a:ln>
-                  <a:noFill/>
-                </a:ln>
-                <a:solidFill>
-                  <a:srgbClr val="007020"/>
-                </a:solidFill>
-                <a:effectLst/>
-                <a:latin typeface="SFMono-Regular"/>
-              </a:rPr>
-              <a:t>None</a:t>
-            </a:r>
-            <a:r>
-              <a:rPr kumimoji="0" lang="ru-RU" altLang="ru-RU" sz="1050" b="0" i="0" u="none" strike="noStrike" cap="none" normalizeH="0" baseline="0" dirty="0">
-                <a:ln>
-                  <a:noFill/>
-                </a:ln>
-                <a:solidFill>
-                  <a:srgbClr val="404040"/>
-                </a:solidFill>
-                <a:effectLst/>
-                <a:latin typeface="SFMono-Regular"/>
-              </a:rPr>
-              <a:t>)</a:t>
-            </a:r>
-            <a:r>
-              <a:rPr kumimoji="0" lang="ru-RU" altLang="ru-RU" sz="1000" b="0" i="0" u="none" strike="noStrike" cap="none" normalizeH="0" baseline="0" dirty="0">
-                <a:ln>
-                  <a:noFill/>
-                </a:ln>
-                <a:solidFill>
-                  <a:schemeClr val="tx1"/>
-                </a:solidFill>
-                <a:effectLst/>
-              </a:rPr>
-              <a:t> </a:t>
-            </a:r>
-            <a:endParaRPr kumimoji="0" lang="ru-RU" altLang="ru-RU" sz="2400" b="0" i="0" u="none" strike="noStrike" cap="none" normalizeH="0" baseline="0" dirty="0">
-              <a:ln>
-                <a:noFill/>
-              </a:ln>
-              <a:solidFill>
-                <a:schemeClr val="tx1"/>
-              </a:solidFill>
-              <a:effectLst/>
-              <a:latin typeface="Arial" panose="020B0604020202020204" pitchFamily="34" charset="0"/>
-            </a:endParaRPr>
           </a:p>
         </p:txBody>
       </p:sp>
     </p:spTree>
     <p:extLst>
       <p:ext uri="{BB962C8B-B14F-4D97-AF65-F5344CB8AC3E}">
-        <p14:creationId xmlns:p14="http://schemas.microsoft.com/office/powerpoint/2010/main" val="3088342159"/>
+        <p14:creationId xmlns:p14="http://schemas.microsoft.com/office/powerpoint/2010/main" val="1446040521"/>
       </p:ext>
     </p:extLst>
   </p:cSld>
@@ -8161,23 +6051,19 @@
             <p:ph type="title"/>
           </p:nvPr>
         </p:nvSpPr>
-        <p:spPr>
-          <a:xfrm>
-            <a:off x="1069848" y="484632"/>
-            <a:ext cx="10991088" cy="1609344"/>
-          </a:xfrm>
-        </p:spPr>
+        <p:spPr/>
         <p:txBody>
-          <a:bodyPr>
-            <a:normAutofit/>
-          </a:bodyPr>
+          <a:bodyPr/>
           <a:lstStyle/>
           <a:p>
             <a:r>
-              <a:rPr lang="ru-RU" sz="4000" b="1" dirty="0"/>
-              <a:t>Обмен данными между операторами</a:t>
-            </a:r>
-            <a:endParaRPr lang="ru-RU" sz="4000" dirty="0"/>
+              <a:rPr lang="en-US" dirty="0">
+                <a:ea typeface="DejaVu Sans" pitchFamily="2"/>
+                <a:cs typeface="DejaVu Sans" pitchFamily="2"/>
+              </a:rPr>
+              <a:t>Airflow UI</a:t>
+            </a:r>
+            <a:endParaRPr lang="ru-RU" dirty="0"/>
           </a:p>
         </p:txBody>
       </p:sp>
@@ -8197,125 +6083,19 @@
             <p:ph idx="1"/>
           </p:nvPr>
         </p:nvSpPr>
-        <p:spPr>
-          <a:xfrm>
-            <a:off x="1069848" y="2121408"/>
-            <a:ext cx="10058400" cy="4050792"/>
-          </a:xfrm>
-        </p:spPr>
+        <p:spPr/>
         <p:txBody>
           <a:bodyPr/>
           <a:lstStyle/>
           <a:p>
             <a:r>
               <a:rPr lang="ru-RU" dirty="0"/>
-              <a:t>Через </a:t>
-            </a:r>
-            <a:r>
-              <a:rPr lang="af-ZA" dirty="0"/>
-              <a:t>xcom</a:t>
-            </a:r>
-            <a:endParaRPr lang="ru-RU" dirty="0"/>
-          </a:p>
-          <a:p>
-            <a:pPr lvl="1"/>
-            <a:r>
-              <a:rPr lang="ru-RU" dirty="0"/>
-              <a:t>Передать переменную:</a:t>
-            </a:r>
-            <a:br>
-              <a:rPr lang="ru-RU" dirty="0"/>
-            </a:br>
-            <a:r>
-              <a:rPr lang="en-US" dirty="0" err="1">
-                <a:solidFill>
-                  <a:srgbClr val="0070C0"/>
-                </a:solidFill>
-              </a:rPr>
-              <a:t>task_instance.xcom_push</a:t>
-            </a:r>
-            <a:r>
-              <a:rPr lang="en-US" dirty="0">
-                <a:solidFill>
-                  <a:srgbClr val="0070C0"/>
-                </a:solidFill>
-              </a:rPr>
-              <a:t>(key=var1', value=value1)</a:t>
-            </a:r>
-            <a:br>
-              <a:rPr lang="ru-RU" dirty="0"/>
-            </a:br>
-            <a:endParaRPr lang="en-US" dirty="0"/>
-          </a:p>
-          <a:p>
-            <a:pPr lvl="1"/>
-            <a:r>
-              <a:rPr lang="ru-RU" dirty="0"/>
-              <a:t>Получить переменную:</a:t>
-            </a:r>
-            <a:br>
-              <a:rPr lang="ru-RU" dirty="0"/>
-            </a:br>
-            <a:r>
-              <a:rPr lang="en-US" dirty="0" err="1">
-                <a:solidFill>
-                  <a:srgbClr val="0070C0"/>
-                </a:solidFill>
-              </a:rPr>
-              <a:t>task_instance.xcom_pull</a:t>
-            </a:r>
-            <a:r>
-              <a:rPr lang="en-US" dirty="0">
-                <a:solidFill>
-                  <a:srgbClr val="0070C0"/>
-                </a:solidFill>
-              </a:rPr>
-              <a:t>(key= var1 ', </a:t>
-            </a:r>
-            <a:r>
-              <a:rPr lang="en-US" dirty="0" err="1">
-                <a:solidFill>
-                  <a:srgbClr val="0070C0"/>
-                </a:solidFill>
-              </a:rPr>
-              <a:t>task_ids</a:t>
-            </a:r>
-            <a:r>
-              <a:rPr lang="en-US" dirty="0">
-                <a:solidFill>
-                  <a:srgbClr val="0070C0"/>
-                </a:solidFill>
-              </a:rPr>
-              <a:t>=‘</a:t>
-            </a:r>
-            <a:r>
-              <a:rPr lang="en-US" dirty="0" err="1">
-                <a:solidFill>
-                  <a:srgbClr val="0070C0"/>
-                </a:solidFill>
-              </a:rPr>
-              <a:t>id_of_task</a:t>
-            </a:r>
-            <a:r>
-              <a:rPr lang="en-US" dirty="0">
-                <a:solidFill>
-                  <a:srgbClr val="0070C0"/>
-                </a:solidFill>
-              </a:rPr>
-              <a:t>’)</a:t>
-            </a:r>
-          </a:p>
-          <a:p>
-            <a:r>
-              <a:rPr lang="ru-RU" dirty="0"/>
-              <a:t>Через сохранение в промежуточное хранилище (на диск, в БД и т.д.)</a:t>
-            </a:r>
-            <a:endParaRPr lang="en-US" dirty="0"/>
-          </a:p>
-          <a:p>
-            <a:pPr marL="0" indent="0">
-              <a:buNone/>
-            </a:pPr>
+              <a:t>Переходим в </a:t>
+            </a:r>
+            <a:r>
+              <a:rPr lang="en-US" dirty="0"/>
+              <a:t>UI</a:t>
+            </a:r>
             <a:endParaRPr lang="ru-RU" dirty="0"/>
           </a:p>
         </p:txBody>
@@ -8323,7 +6103,7 @@
     </p:spTree>
     <p:extLst>
       <p:ext uri="{BB962C8B-B14F-4D97-AF65-F5344CB8AC3E}">
-        <p14:creationId xmlns:p14="http://schemas.microsoft.com/office/powerpoint/2010/main" val="1157652249"/>
+        <p14:creationId xmlns:p14="http://schemas.microsoft.com/office/powerpoint/2010/main" val="4192629615"/>
       </p:ext>
     </p:extLst>
   </p:cSld>
@@ -8372,293 +6152,12 @@
           <a:lstStyle/>
           <a:p>
             <a:r>
-              <a:rPr lang="en-US" b="1" dirty="0"/>
-              <a:t>Macros - </a:t>
-            </a:r>
-            <a:r>
-              <a:rPr lang="af-ZA" b="1" dirty="0"/>
-              <a:t>Jinja Templating</a:t>
-            </a:r>
-            <a:endParaRPr lang="ru-RU" dirty="0"/>
-          </a:p>
-        </p:txBody>
-      </p:sp>
-      <p:sp>
-        <p:nvSpPr>
-          <p:cNvPr id="3" name="Content Placeholder 2">
-            <a:extLst>
-              <a:ext uri="{FF2B5EF4-FFF2-40B4-BE49-F238E27FC236}">
-                <a16:creationId xmlns:a16="http://schemas.microsoft.com/office/drawing/2014/main" id="{3C596BB3-2621-40FF-A8C0-72C9A6D05C42}"/>
-              </a:ext>
-            </a:extLst>
-          </p:cNvPr>
-          <p:cNvSpPr>
-            <a:spLocks noGrp="1"/>
-          </p:cNvSpPr>
-          <p:nvPr>
-            <p:ph idx="1"/>
-          </p:nvPr>
-        </p:nvSpPr>
-        <p:spPr>
-          <a:xfrm>
-            <a:off x="1069848" y="2121408"/>
-            <a:ext cx="10963656" cy="4050792"/>
-          </a:xfrm>
-        </p:spPr>
-        <p:txBody>
-          <a:bodyPr/>
-          <a:lstStyle/>
-          <a:p>
-            <a:r>
-              <a:rPr lang="ru-RU" dirty="0"/>
-              <a:t>Макросы </a:t>
-            </a:r>
-            <a:r>
-              <a:rPr lang="en-US" dirty="0"/>
-              <a:t>Airflow = </a:t>
-            </a:r>
-            <a:r>
-              <a:rPr lang="ru-RU" dirty="0"/>
-              <a:t>рендеринг </a:t>
-            </a:r>
-            <a:r>
-              <a:rPr lang="en-US" dirty="0"/>
-              <a:t>(</a:t>
-            </a:r>
-            <a:r>
-              <a:rPr lang="ru-RU" dirty="0" err="1"/>
-              <a:t>шаблонизация</a:t>
-            </a:r>
-            <a:r>
-              <a:rPr lang="ru-RU" dirty="0"/>
-              <a:t>) передаваемых параметров с помощью </a:t>
-            </a:r>
-            <a:r>
-              <a:rPr lang="ru-RU" dirty="0" err="1"/>
-              <a:t>Jinja</a:t>
-            </a:r>
-            <a:endParaRPr lang="ru-RU" dirty="0"/>
-          </a:p>
-          <a:p>
-            <a:r>
-              <a:rPr lang="ru-RU" dirty="0"/>
-              <a:t>Варианты применения:</a:t>
-            </a:r>
-          </a:p>
-          <a:p>
-            <a:pPr lvl="1"/>
-            <a:r>
-              <a:rPr lang="ru-RU" dirty="0"/>
-              <a:t>Работа с датами </a:t>
-            </a:r>
-            <a:br>
-              <a:rPr lang="ru-RU" dirty="0"/>
-            </a:br>
-            <a:r>
-              <a:rPr lang="ru-RU" b="1" dirty="0"/>
-              <a:t>{{ </a:t>
-            </a:r>
-            <a:r>
-              <a:rPr lang="ru-RU" b="1" dirty="0" err="1"/>
-              <a:t>ds</a:t>
-            </a:r>
-            <a:r>
-              <a:rPr lang="ru-RU" b="1" dirty="0"/>
-              <a:t> }}, {{ </a:t>
-            </a:r>
-            <a:r>
-              <a:rPr lang="ru-RU" b="1" dirty="0" err="1"/>
-              <a:t>yesterday_ds</a:t>
-            </a:r>
-            <a:r>
-              <a:rPr lang="ru-RU" b="1" dirty="0"/>
-              <a:t> }}, {{ </a:t>
-            </a:r>
-            <a:r>
-              <a:rPr lang="ru-RU" b="1" dirty="0" err="1"/>
-              <a:t>tomorrow_ds</a:t>
-            </a:r>
-            <a:r>
-              <a:rPr lang="ru-RU" b="1" dirty="0"/>
-              <a:t> }}</a:t>
-            </a:r>
-            <a:r>
-              <a:rPr lang="ru-RU" dirty="0"/>
-              <a:t> — после </a:t>
-            </a:r>
-            <a:r>
-              <a:rPr lang="ru-RU" dirty="0" err="1"/>
-              <a:t>препроцессинга</a:t>
-            </a:r>
-            <a:r>
-              <a:rPr lang="ru-RU" dirty="0"/>
-              <a:t> эти шаблоны заменяются датой запуска, днём до него и следующим днём в формате </a:t>
-            </a:r>
-            <a:r>
-              <a:rPr lang="ru-RU" b="1" dirty="0"/>
-              <a:t>YYYY-MM-DD</a:t>
-            </a:r>
-          </a:p>
-          <a:p>
-            <a:pPr lvl="1"/>
-            <a:r>
-              <a:rPr lang="ru-RU" dirty="0"/>
-              <a:t>Передача параметров</a:t>
-            </a:r>
-            <a:br>
-              <a:rPr lang="ru-RU" dirty="0"/>
-            </a:br>
-            <a:r>
-              <a:rPr lang="en-US" b="1" dirty="0"/>
-              <a:t>{{ </a:t>
-            </a:r>
-            <a:r>
-              <a:rPr lang="en-US" b="1" dirty="0" err="1"/>
-              <a:t>params.name_of_our_param</a:t>
-            </a:r>
-            <a:r>
-              <a:rPr lang="en-US" b="1" dirty="0"/>
-              <a:t> }}</a:t>
-            </a:r>
-            <a:r>
-              <a:rPr lang="ru-RU" b="1" dirty="0"/>
-              <a:t> – </a:t>
-            </a:r>
-            <a:r>
-              <a:rPr lang="ru-RU" dirty="0"/>
-              <a:t>параметры передаются в виде словаря в аргументе </a:t>
-            </a:r>
-            <a:r>
-              <a:rPr lang="af-ZA" dirty="0"/>
-              <a:t>params</a:t>
-            </a:r>
-            <a:endParaRPr lang="ru-RU" dirty="0"/>
-          </a:p>
-          <a:p>
-            <a:pPr lvl="1"/>
-            <a:r>
-              <a:rPr lang="ru-RU" dirty="0"/>
-              <a:t>Использование встроенных функций</a:t>
-            </a:r>
-            <a:br>
-              <a:rPr lang="ru-RU" dirty="0"/>
-            </a:br>
-            <a:r>
-              <a:rPr lang="ru-RU" b="1" dirty="0"/>
-              <a:t>{{ </a:t>
-            </a:r>
-            <a:r>
-              <a:rPr lang="ru-RU" b="1" dirty="0" err="1"/>
-              <a:t>macros.ds_add</a:t>
-            </a:r>
-            <a:r>
-              <a:rPr lang="ru-RU" b="1" dirty="0"/>
-              <a:t>(</a:t>
-            </a:r>
-            <a:r>
-              <a:rPr lang="ru-RU" b="1" dirty="0" err="1"/>
-              <a:t>ds</a:t>
-            </a:r>
-            <a:r>
-              <a:rPr lang="ru-RU" b="1" dirty="0"/>
-              <a:t>, -5) }}</a:t>
-            </a:r>
-            <a:r>
-              <a:rPr lang="ru-RU" dirty="0"/>
-              <a:t> — это способ отнять или добавить несколько дней</a:t>
-            </a:r>
-          </a:p>
-          <a:p>
-            <a:pPr lvl="1"/>
-            <a:r>
-              <a:rPr lang="ru-RU" dirty="0"/>
-              <a:t>Многое другое </a:t>
-            </a:r>
-            <a:br>
-              <a:rPr lang="ru-RU" dirty="0"/>
-            </a:br>
-            <a:r>
-              <a:rPr lang="af-ZA" dirty="0">
-                <a:hlinkClick r:id="rId2"/>
-              </a:rPr>
-              <a:t>https://airflow.apache.org/docs/apache-airflow/1.10.5/macros.html</a:t>
-            </a:r>
-            <a:endParaRPr lang="ru-RU" dirty="0"/>
-          </a:p>
-          <a:p>
-            <a:pPr marL="274320" lvl="1" indent="0">
-              <a:buNone/>
-            </a:pPr>
-            <a:endParaRPr lang="ru-RU" dirty="0"/>
-          </a:p>
-        </p:txBody>
-      </p:sp>
-    </p:spTree>
-    <p:extLst>
-      <p:ext uri="{BB962C8B-B14F-4D97-AF65-F5344CB8AC3E}">
-        <p14:creationId xmlns:p14="http://schemas.microsoft.com/office/powerpoint/2010/main" val="1446040521"/>
-      </p:ext>
-    </p:extLst>
-  </p:cSld>
-  <p:clrMapOvr>
-    <a:masterClrMapping/>
-  </p:clrMapOvr>
-</p:sld>
-</file>
-
-<file path=ppt/slides/slide15.xml><?xml version="1.0" encoding="utf-8"?>
-<p:sld xmlns:a="http://schemas.openxmlformats.org/drawingml/2006/main" xmlns:r="http://schemas.openxmlformats.org/officeDocument/2006/relationships" xmlns:p="http://schemas.openxmlformats.org/presentationml/2006/main">
-  <p:cSld>
-    <p:spTree>
-      <p:nvGrpSpPr>
-        <p:cNvPr id="1" name=""/>
-        <p:cNvGrpSpPr/>
-        <p:nvPr/>
-      </p:nvGrpSpPr>
-      <p:grpSpPr>
-        <a:xfrm>
-          <a:off x="0" y="0"/>
-          <a:ext cx="0" cy="0"/>
-          <a:chOff x="0" y="0"/>
-          <a:chExt cx="0" cy="0"/>
-        </a:xfrm>
-      </p:grpSpPr>
-      <p:sp>
-        <p:nvSpPr>
-          <p:cNvPr id="2" name="Title 1">
-            <a:extLst>
-              <a:ext uri="{FF2B5EF4-FFF2-40B4-BE49-F238E27FC236}">
-                <a16:creationId xmlns:a16="http://schemas.microsoft.com/office/drawing/2014/main" id="{BE1292CA-4CE6-4039-946A-FBB997CAE971}"/>
-              </a:ext>
-            </a:extLst>
-          </p:cNvPr>
-          <p:cNvSpPr>
-            <a:spLocks noGrp="1"/>
-          </p:cNvSpPr>
-          <p:nvPr>
-            <p:ph type="title"/>
-          </p:nvPr>
-        </p:nvSpPr>
-        <p:spPr/>
-        <p:txBody>
-          <a:bodyPr/>
-          <a:lstStyle/>
-          <a:p>
-            <a:r>
               <a:rPr lang="ru-RU" b="1" dirty="0"/>
               <a:t>Перерыв 5 минут</a:t>
             </a:r>
             <a:br>
               <a:rPr lang="ru-RU" b="1" dirty="0"/>
             </a:br>
-            <a:r>
-              <a:rPr lang="ru-RU" b="1" dirty="0">
-                <a:solidFill>
-                  <a:srgbClr val="FF0000"/>
-                </a:solidFill>
-              </a:rPr>
-              <a:t>До 19:55</a:t>
-            </a:r>
             <a:endParaRPr lang="ru-RU" dirty="0">
               <a:solidFill>
                 <a:srgbClr val="FF0000"/>
@@ -8752,6 +6251,103 @@
 </p:sld>
 </file>
 
+<file path=ppt/slides/slide15.xml><?xml version="1.0" encoding="utf-8"?>
+<p:sld xmlns:a="http://schemas.openxmlformats.org/drawingml/2006/main" xmlns:r="http://schemas.openxmlformats.org/officeDocument/2006/relationships" xmlns:p="http://schemas.openxmlformats.org/presentationml/2006/main">
+  <p:cSld>
+    <p:spTree>
+      <p:nvGrpSpPr>
+        <p:cNvPr id="1" name=""/>
+        <p:cNvGrpSpPr/>
+        <p:nvPr/>
+      </p:nvGrpSpPr>
+      <p:grpSpPr>
+        <a:xfrm>
+          <a:off x="0" y="0"/>
+          <a:ext cx="0" cy="0"/>
+          <a:chOff x="0" y="0"/>
+          <a:chExt cx="0" cy="0"/>
+        </a:xfrm>
+      </p:grpSpPr>
+      <p:sp>
+        <p:nvSpPr>
+          <p:cNvPr id="2" name="Title 1">
+            <a:extLst>
+              <a:ext uri="{FF2B5EF4-FFF2-40B4-BE49-F238E27FC236}">
+                <a16:creationId xmlns:a16="http://schemas.microsoft.com/office/drawing/2014/main" id="{BE1292CA-4CE6-4039-946A-FBB997CAE971}"/>
+              </a:ext>
+            </a:extLst>
+          </p:cNvPr>
+          <p:cNvSpPr>
+            <a:spLocks noGrp="1"/>
+          </p:cNvSpPr>
+          <p:nvPr>
+            <p:ph type="title"/>
+          </p:nvPr>
+        </p:nvSpPr>
+        <p:spPr/>
+        <p:txBody>
+          <a:bodyPr/>
+          <a:lstStyle/>
+          <a:p>
+            <a:r>
+              <a:rPr lang="ru-RU" b="1" dirty="0"/>
+              <a:t>Практика</a:t>
+            </a:r>
+            <a:endParaRPr lang="ru-RU" dirty="0"/>
+          </a:p>
+        </p:txBody>
+      </p:sp>
+      <p:sp>
+        <p:nvSpPr>
+          <p:cNvPr id="4" name="Content Placeholder 2">
+            <a:extLst>
+              <a:ext uri="{FF2B5EF4-FFF2-40B4-BE49-F238E27FC236}">
+                <a16:creationId xmlns:a16="http://schemas.microsoft.com/office/drawing/2014/main" id="{3B483FD2-FE00-4F9D-A2C1-741AE7D780D5}"/>
+              </a:ext>
+            </a:extLst>
+          </p:cNvPr>
+          <p:cNvSpPr>
+            <a:spLocks noGrp="1"/>
+          </p:cNvSpPr>
+          <p:nvPr>
+            <p:ph idx="1"/>
+          </p:nvPr>
+        </p:nvSpPr>
+        <p:spPr>
+          <a:xfrm>
+            <a:off x="1069848" y="2121408"/>
+            <a:ext cx="10058400" cy="4050792"/>
+          </a:xfrm>
+        </p:spPr>
+        <p:txBody>
+          <a:bodyPr/>
+          <a:lstStyle/>
+          <a:p>
+            <a:r>
+              <a:rPr lang="ru-RU" dirty="0"/>
+              <a:t>Пример </a:t>
+            </a:r>
+            <a:r>
+              <a:rPr lang="en-US" dirty="0"/>
+              <a:t>DAG – airflow/dags/example_dag.py</a:t>
+            </a:r>
+            <a:endParaRPr lang="ru-RU" dirty="0"/>
+          </a:p>
+        </p:txBody>
+      </p:sp>
+    </p:spTree>
+    <p:extLst>
+      <p:ext uri="{BB962C8B-B14F-4D97-AF65-F5344CB8AC3E}">
+        <p14:creationId xmlns:p14="http://schemas.microsoft.com/office/powerpoint/2010/main" val="1081135223"/>
+      </p:ext>
+    </p:extLst>
+  </p:cSld>
+  <p:clrMapOvr>
+    <a:masterClrMapping/>
+  </p:clrMapOvr>
+</p:sld>
+</file>
+
 <file path=ppt/slides/slide16.xml><?xml version="1.0" encoding="utf-8"?>
 <p:sld xmlns:a="http://schemas.openxmlformats.org/drawingml/2006/main" xmlns:r="http://schemas.openxmlformats.org/officeDocument/2006/relationships" xmlns:p="http://schemas.openxmlformats.org/presentationml/2006/main">
   <p:cSld>
@@ -8798,57 +6394,114 @@
           </a:p>
         </p:txBody>
       </p:sp>
-      <p:pic>
-        <p:nvPicPr>
-          <p:cNvPr id="8194" name="Picture 2" descr="Что такое преддипломная практика">
+      <p:sp>
+        <p:nvSpPr>
+          <p:cNvPr id="4" name="Content Placeholder 2">
             <a:extLst>
               <a:ext uri="{FF2B5EF4-FFF2-40B4-BE49-F238E27FC236}">
-                <a16:creationId xmlns:a16="http://schemas.microsoft.com/office/drawing/2014/main" id="{04040D2A-8ADF-4CE7-BC04-E40CC89F0A68}"/>
+                <a16:creationId xmlns:a16="http://schemas.microsoft.com/office/drawing/2014/main" id="{3B483FD2-FE00-4F9D-A2C1-741AE7D780D5}"/>
               </a:ext>
             </a:extLst>
           </p:cNvPr>
-          <p:cNvPicPr>
-            <a:picLocks noChangeAspect="1" noChangeArrowheads="1"/>
-          </p:cNvPicPr>
-          <p:nvPr/>
-        </p:nvPicPr>
-        <p:blipFill>
-          <a:blip r:embed="rId2">
-            <a:extLst>
-              <a:ext uri="{28A0092B-C50C-407E-A947-70E740481C1C}">
-                <a14:useLocalDpi xmlns:a14="http://schemas.microsoft.com/office/drawing/2010/main" val="0"/>
-              </a:ext>
-            </a:extLst>
-          </a:blip>
-          <a:srcRect/>
-          <a:stretch>
-            <a:fillRect/>
-          </a:stretch>
-        </p:blipFill>
-        <p:spPr bwMode="auto">
+          <p:cNvSpPr>
+            <a:spLocks noGrp="1"/>
+          </p:cNvSpPr>
+          <p:nvPr>
+            <p:ph idx="1"/>
+          </p:nvPr>
+        </p:nvSpPr>
+        <p:spPr>
           <a:xfrm>
-            <a:off x="3995928" y="2006156"/>
-            <a:ext cx="4775835" cy="3196939"/>
+            <a:off x="1069848" y="2121408"/>
+            <a:ext cx="10058400" cy="4050792"/>
           </a:xfrm>
-          <a:prstGeom prst="rect">
-            <a:avLst/>
-          </a:prstGeom>
-          <a:noFill/>
-          <a:extLst>
-            <a:ext uri="{909E8E84-426E-40DD-AFC4-6F175D3DCCD1}">
-              <a14:hiddenFill xmlns:a14="http://schemas.microsoft.com/office/drawing/2010/main">
-                <a:solidFill>
-                  <a:srgbClr val="FFFFFF"/>
-                </a:solidFill>
-              </a14:hiddenFill>
-            </a:ext>
-          </a:extLst>
         </p:spPr>
-      </p:pic>
+        <p:txBody>
+          <a:bodyPr/>
+          <a:lstStyle/>
+          <a:p>
+            <a:r>
+              <a:rPr lang="ru-RU" dirty="0"/>
+              <a:t>Сделать новый </a:t>
+            </a:r>
+            <a:r>
+              <a:rPr lang="en-US" dirty="0"/>
+              <a:t>DAG</a:t>
+            </a:r>
+            <a:r>
+              <a:rPr lang="ru-RU" dirty="0"/>
+              <a:t>:</a:t>
+            </a:r>
+            <a:br>
+              <a:rPr lang="en-US" dirty="0"/>
+            </a:br>
+            <a:endParaRPr lang="ru-RU" dirty="0"/>
+          </a:p>
+          <a:p>
+            <a:pPr lvl="1"/>
+            <a:r>
+              <a:rPr lang="ru-RU" sz="2000" dirty="0"/>
+              <a:t>Загрузить актуальные ставки из </a:t>
+            </a:r>
+            <a:r>
+              <a:rPr lang="af-ZA" sz="2000" dirty="0"/>
+              <a:t>'https://api.exchangerate.host/latest’</a:t>
+            </a:r>
+            <a:endParaRPr lang="ru-RU" sz="2000" dirty="0"/>
+          </a:p>
+          <a:p>
+            <a:pPr lvl="1"/>
+            <a:r>
+              <a:rPr lang="ru-RU" sz="2000" dirty="0"/>
+              <a:t>Сохранить актуальные ставки в таблице </a:t>
+            </a:r>
+            <a:r>
+              <a:rPr lang="en-US" sz="2000" dirty="0"/>
+              <a:t>rates</a:t>
+            </a:r>
+            <a:endParaRPr lang="ru-RU" sz="2000" dirty="0"/>
+          </a:p>
+          <a:p>
+            <a:pPr lvl="1"/>
+            <a:r>
+              <a:rPr lang="ru-RU" sz="2000" dirty="0"/>
+              <a:t>Скопировать актуальную ставку в таблицу </a:t>
+            </a:r>
+            <a:r>
+              <a:rPr lang="en-US" sz="2000" dirty="0" err="1"/>
+              <a:t>actual_rates</a:t>
+            </a:r>
+            <a:r>
+              <a:rPr lang="ru-RU" sz="2000" dirty="0"/>
+              <a:t>, в таблице должна быть всегда только одна актуальная ставка</a:t>
+            </a:r>
+          </a:p>
+          <a:p>
+            <a:pPr marL="0" indent="0">
+              <a:buNone/>
+            </a:pPr>
+            <a:br>
+              <a:rPr lang="en-US" dirty="0"/>
+            </a:br>
+            <a:r>
+              <a:rPr lang="ru-RU" dirty="0"/>
+              <a:t>За основу можно использовать код из</a:t>
+            </a:r>
+            <a:r>
+              <a:rPr lang="en-US" dirty="0"/>
+              <a:t> airflow/dags/example_dag.py</a:t>
+            </a:r>
+            <a:endParaRPr lang="ru-RU" dirty="0"/>
+          </a:p>
+          <a:p>
+            <a:endParaRPr lang="ru-RU" dirty="0"/>
+          </a:p>
+        </p:txBody>
+      </p:sp>
     </p:spTree>
     <p:extLst>
       <p:ext uri="{BB962C8B-B14F-4D97-AF65-F5344CB8AC3E}">
-        <p14:creationId xmlns:p14="http://schemas.microsoft.com/office/powerpoint/2010/main" val="1081135223"/>
+        <p14:creationId xmlns:p14="http://schemas.microsoft.com/office/powerpoint/2010/main" val="823504333"/>
       </p:ext>
     </p:extLst>
   </p:cSld>
@@ -9281,7 +6934,7 @@
               <a:rPr lang="af-ZA" sz="1800" dirty="0">
                 <a:hlinkClick r:id="rId4"/>
               </a:rPr>
-              <a:t>https://forms.yandex.ru/surveys/13457461.24d0eab1542c784b7798f46a32214a81bec2313e/</a:t>
+              <a:t>https://forms.yandex.ru/surveys/13455830.189b087255256c553d687bbcc02d930cdd2da94c/</a:t>
             </a:r>
             <a:endParaRPr lang="ru-RU" sz="800" dirty="0"/>
           </a:p>
@@ -9625,7 +7278,7 @@
           <p:cNvPr id="2" name="Title 1">
             <a:extLst>
               <a:ext uri="{FF2B5EF4-FFF2-40B4-BE49-F238E27FC236}">
-                <a16:creationId xmlns:a16="http://schemas.microsoft.com/office/drawing/2014/main" id="{19E8E27A-6B36-4F56-8735-E9EFD8AB2FAF}"/>
+                <a16:creationId xmlns:a16="http://schemas.microsoft.com/office/drawing/2014/main" id="{74ED2800-BE23-482A-B152-A72BC607E8B0}"/>
               </a:ext>
             </a:extLst>
           </p:cNvPr>
@@ -9638,7 +7291,9 @@
         </p:nvSpPr>
         <p:spPr/>
         <p:txBody>
-          <a:bodyPr/>
+          <a:bodyPr>
+            <a:normAutofit/>
+          </a:bodyPr>
           <a:lstStyle/>
           <a:p>
             <a:r>
@@ -9646,8 +7301,50 @@
                 <a:ea typeface="DejaVu Sans" pitchFamily="2"/>
                 <a:cs typeface="DejaVu Sans" pitchFamily="2"/>
               </a:rPr>
-              <a:t>Общие правила</a:t>
-            </a:r>
+              <a:t>Реализация </a:t>
+            </a:r>
+            <a:r>
+              <a:rPr lang="en-US" dirty="0">
+                <a:ea typeface="DejaVu Sans" pitchFamily="2"/>
+                <a:cs typeface="DejaVu Sans" pitchFamily="2"/>
+              </a:rPr>
+              <a:t>ETL </a:t>
+            </a:r>
+            <a:r>
+              <a:rPr lang="ru-RU" dirty="0">
+                <a:ea typeface="DejaVu Sans" pitchFamily="2"/>
+                <a:cs typeface="DejaVu Sans" pitchFamily="2"/>
+              </a:rPr>
+              <a:t>в</a:t>
+            </a:r>
+            <a:r>
+              <a:rPr lang="en-US" dirty="0">
+                <a:ea typeface="DejaVu Sans" pitchFamily="2"/>
+                <a:cs typeface="DejaVu Sans" pitchFamily="2"/>
+              </a:rPr>
+              <a:t> </a:t>
+            </a:r>
+            <a:r>
+              <a:rPr lang="en-US" sz="6000" dirty="0">
+                <a:ea typeface="DejaVu Sans" pitchFamily="2"/>
+                <a:cs typeface="DejaVu Sans" pitchFamily="2"/>
+              </a:rPr>
+              <a:t>Airflow</a:t>
+            </a:r>
+            <a:br>
+              <a:rPr lang="ru-RU" dirty="0">
+                <a:ea typeface="DejaVu Sans" pitchFamily="2"/>
+                <a:cs typeface="DejaVu Sans" pitchFamily="2"/>
+              </a:rPr>
+            </a:br>
+            <a:r>
+              <a:rPr lang="ru-RU" sz="2400" dirty="0">
+                <a:ea typeface="DejaVu Sans" pitchFamily="2"/>
+                <a:cs typeface="DejaVu Sans" pitchFamily="2"/>
+              </a:rPr>
+              <a:t>План</a:t>
+            </a:r>
+            <a:endParaRPr lang="ru-RU" dirty="0"/>
           </a:p>
         </p:txBody>
       </p:sp>
@@ -9656,7 +7353,7 @@
           <p:cNvPr id="3" name="Content Placeholder 2">
             <a:extLst>
               <a:ext uri="{FF2B5EF4-FFF2-40B4-BE49-F238E27FC236}">
-                <a16:creationId xmlns:a16="http://schemas.microsoft.com/office/drawing/2014/main" id="{928D906C-A77E-431F-9861-7FFC3693BFAB}"/>
+                <a16:creationId xmlns:a16="http://schemas.microsoft.com/office/drawing/2014/main" id="{C15EB09F-B745-4151-9C07-58D16BCE98C4}"/>
               </a:ext>
             </a:extLst>
           </p:cNvPr>
@@ -9667,9 +7364,16 @@
             <p:ph idx="1"/>
           </p:nvPr>
         </p:nvSpPr>
-        <p:spPr/>
+        <p:spPr>
+          <a:xfrm>
+            <a:off x="1451579" y="2015732"/>
+            <a:ext cx="9603275" cy="4125186"/>
+          </a:xfrm>
+        </p:spPr>
         <p:txBody>
-          <a:bodyPr/>
+          <a:bodyPr>
+            <a:normAutofit/>
+          </a:bodyPr>
           <a:lstStyle/>
           <a:p>
             <a:pPr lvl="0">
@@ -9688,8 +7392,25 @@
                 <a:ea typeface="DejaVu Sans" pitchFamily="2"/>
                 <a:cs typeface="DejaVu Sans" pitchFamily="2"/>
               </a:rPr>
-              <a:t>Задаем вопросы по ходу (в чатике или голосом)</a:t>
-            </a:r>
+              <a:t>Общий обзор </a:t>
+            </a:r>
+            <a:r>
+              <a:rPr lang="en-US" dirty="0">
+                <a:solidFill>
+                  <a:srgbClr val="000000"/>
+                </a:solidFill>
+                <a:ea typeface="DejaVu Sans" pitchFamily="2"/>
+                <a:cs typeface="DejaVu Sans" pitchFamily="2"/>
+              </a:rPr>
+              <a:t>Airflow</a:t>
+            </a:r>
+            <a:endParaRPr lang="ru-RU" dirty="0">
+              <a:solidFill>
+                <a:srgbClr val="000000"/>
+              </a:solidFill>
+              <a:ea typeface="DejaVu Sans" pitchFamily="2"/>
+              <a:cs typeface="DejaVu Sans" pitchFamily="2"/>
+            </a:endParaRPr>
           </a:p>
           <a:p>
             <a:pPr lvl="0">
@@ -9701,14 +7422,24 @@
               <a:buChar char="●"/>
             </a:pPr>
             <a:r>
-              <a:rPr lang="ru-RU" dirty="0">
+              <a:rPr lang="en-US" dirty="0">
                 <a:solidFill>
                   <a:srgbClr val="000000"/>
                 </a:solidFill>
                 <a:ea typeface="DejaVu Sans" pitchFamily="2"/>
                 <a:cs typeface="DejaVu Sans" pitchFamily="2"/>
               </a:rPr>
-              <a:t>Включаем камеры</a:t>
+              <a:t>DAG</a:t>
+            </a:r>
+            <a:r>
+              <a:rPr lang="ru-RU" dirty="0">
+                <a:solidFill>
+                  <a:srgbClr val="000000"/>
+                </a:solidFill>
+                <a:ea typeface="DejaVu Sans" pitchFamily="2"/>
+                <a:cs typeface="DejaVu Sans" pitchFamily="2"/>
+              </a:rPr>
+              <a:t>: что это, из каких элементов состоит</a:t>
             </a:r>
           </a:p>
           <a:p>
@@ -9721,22 +7452,112 @@
               <a:buChar char="●"/>
             </a:pPr>
             <a:r>
-              <a:rPr lang="ru-RU" dirty="0">
+              <a:rPr lang="en-US" dirty="0">
                 <a:solidFill>
                   <a:srgbClr val="000000"/>
                 </a:solidFill>
                 <a:ea typeface="DejaVu Sans" pitchFamily="2"/>
                 <a:cs typeface="DejaVu Sans" pitchFamily="2"/>
               </a:rPr>
-              <a:t>Обращение на ты</a:t>
-            </a:r>
+              <a:t>Operator</a:t>
+            </a:r>
+            <a:r>
+              <a:rPr lang="ru-RU" dirty="0">
+                <a:solidFill>
+                  <a:srgbClr val="000000"/>
+                </a:solidFill>
+                <a:ea typeface="DejaVu Sans" pitchFamily="2"/>
+                <a:cs typeface="DejaVu Sans" pitchFamily="2"/>
+              </a:rPr>
+              <a:t>: что это, какие бывают, как использовать</a:t>
+            </a:r>
+            <a:endParaRPr lang="en-US" dirty="0">
+              <a:solidFill>
+                <a:srgbClr val="000000"/>
+              </a:solidFill>
+              <a:ea typeface="DejaVu Sans" pitchFamily="2"/>
+              <a:cs typeface="DejaVu Sans" pitchFamily="2"/>
+            </a:endParaRPr>
+          </a:p>
+          <a:p>
+            <a:pPr>
+              <a:buClr>
+                <a:srgbClr val="666666"/>
+              </a:buClr>
+              <a:buSzPct val="45000"/>
+              <a:buFont typeface="StarSymbol"/>
+              <a:buChar char="●"/>
+            </a:pPr>
+            <a:r>
+              <a:rPr lang="af-ZA" dirty="0"/>
+              <a:t>Control Flow</a:t>
+            </a:r>
+          </a:p>
+          <a:p>
+            <a:pPr>
+              <a:buClr>
+                <a:srgbClr val="666666"/>
+              </a:buClr>
+              <a:buSzPct val="45000"/>
+              <a:buFont typeface="StarSymbol"/>
+              <a:buChar char="●"/>
+            </a:pPr>
+            <a:r>
+              <a:rPr lang="en-US" dirty="0">
+                <a:solidFill>
+                  <a:srgbClr val="000000"/>
+                </a:solidFill>
+                <a:ea typeface="DejaVu Sans" pitchFamily="2"/>
+                <a:cs typeface="DejaVu Sans" pitchFamily="2"/>
+              </a:rPr>
+              <a:t>UI Airflow</a:t>
+            </a:r>
+          </a:p>
+          <a:p>
+            <a:pPr lvl="0">
+              <a:buClr>
+                <a:srgbClr val="666666"/>
+              </a:buClr>
+              <a:buSzPct val="45000"/>
+              <a:buFont typeface="StarSymbol"/>
+              <a:buChar char="●"/>
+            </a:pPr>
+            <a:r>
+              <a:rPr lang="ru-RU" dirty="0">
+                <a:solidFill>
+                  <a:srgbClr val="000000"/>
+                </a:solidFill>
+                <a:ea typeface="DejaVu Sans" pitchFamily="2"/>
+                <a:cs typeface="DejaVu Sans" pitchFamily="2"/>
+              </a:rPr>
+              <a:t>Практика</a:t>
+            </a:r>
+          </a:p>
+          <a:p>
+            <a:pPr marL="0" lvl="0" indent="0">
+              <a:buClr>
+                <a:srgbClr val="666666"/>
+              </a:buClr>
+              <a:buSzPct val="45000"/>
+              <a:buNone/>
+            </a:pPr>
+            <a:endParaRPr lang="ru-RU" dirty="0">
+              <a:solidFill>
+                <a:srgbClr val="000000"/>
+              </a:solidFill>
+              <a:ea typeface="DejaVu Sans" pitchFamily="2"/>
+              <a:cs typeface="DejaVu Sans" pitchFamily="2"/>
+            </a:endParaRPr>
+          </a:p>
+          <a:p>
+            <a:endParaRPr lang="ru-RU" dirty="0"/>
           </a:p>
         </p:txBody>
       </p:sp>
     </p:spTree>
     <p:extLst>
       <p:ext uri="{BB962C8B-B14F-4D97-AF65-F5344CB8AC3E}">
-        <p14:creationId xmlns:p14="http://schemas.microsoft.com/office/powerpoint/2010/main" val="1565899712"/>
+        <p14:creationId xmlns:p14="http://schemas.microsoft.com/office/powerpoint/2010/main" val="597229495"/>
       </p:ext>
     </p:extLst>
   </p:cSld>
@@ -9768,7 +7589,7 @@
           <p:cNvPr id="2" name="Title 1">
             <a:extLst>
               <a:ext uri="{FF2B5EF4-FFF2-40B4-BE49-F238E27FC236}">
-                <a16:creationId xmlns:a16="http://schemas.microsoft.com/office/drawing/2014/main" id="{74ED2800-BE23-482A-B152-A72BC607E8B0}"/>
+                <a16:creationId xmlns:a16="http://schemas.microsoft.com/office/drawing/2014/main" id="{BE1292CA-4CE6-4039-946A-FBB997CAE971}"/>
               </a:ext>
             </a:extLst>
           </p:cNvPr>
@@ -9781,9 +7602,7 @@
         </p:nvSpPr>
         <p:spPr/>
         <p:txBody>
-          <a:bodyPr>
-            <a:normAutofit/>
-          </a:bodyPr>
+          <a:bodyPr/>
           <a:lstStyle/>
           <a:p>
             <a:r>
@@ -9791,48 +7610,14 @@
                 <a:ea typeface="DejaVu Sans" pitchFamily="2"/>
                 <a:cs typeface="DejaVu Sans" pitchFamily="2"/>
               </a:rPr>
-              <a:t>Реализация </a:t>
+              <a:t>Обзор </a:t>
             </a:r>
             <a:r>
               <a:rPr lang="en-US" dirty="0">
                 <a:ea typeface="DejaVu Sans" pitchFamily="2"/>
                 <a:cs typeface="DejaVu Sans" pitchFamily="2"/>
               </a:rPr>
-              <a:t>ETL </a:t>
-            </a:r>
-            <a:r>
-              <a:rPr lang="ru-RU" dirty="0">
-                <a:ea typeface="DejaVu Sans" pitchFamily="2"/>
-                <a:cs typeface="DejaVu Sans" pitchFamily="2"/>
-              </a:rPr>
-              <a:t>в</a:t>
-            </a:r>
-            <a:r>
-              <a:rPr lang="en-US" dirty="0">
-                <a:ea typeface="DejaVu Sans" pitchFamily="2"/>
-                <a:cs typeface="DejaVu Sans" pitchFamily="2"/>
-              </a:rPr>
-              <a:t> </a:t>
-            </a:r>
-            <a:r>
-              <a:rPr lang="en-US" sz="6000" dirty="0">
-                <a:ea typeface="DejaVu Sans" pitchFamily="2"/>
-                <a:cs typeface="DejaVu Sans" pitchFamily="2"/>
-              </a:rPr>
               <a:t>Airflow</a:t>
-            </a:r>
-            <a:br>
-              <a:rPr lang="ru-RU" dirty="0">
-                <a:ea typeface="DejaVu Sans" pitchFamily="2"/>
-                <a:cs typeface="DejaVu Sans" pitchFamily="2"/>
-              </a:rPr>
-            </a:br>
-            <a:r>
-              <a:rPr lang="ru-RU" sz="2400" dirty="0">
-                <a:ea typeface="DejaVu Sans" pitchFamily="2"/>
-                <a:cs typeface="DejaVu Sans" pitchFamily="2"/>
-              </a:rPr>
-              <a:t>План</a:t>
             </a:r>
             <a:endParaRPr lang="ru-RU" dirty="0"/>
           </a:p>
@@ -9843,7 +7628,7 @@
           <p:cNvPr id="3" name="Content Placeholder 2">
             <a:extLst>
               <a:ext uri="{FF2B5EF4-FFF2-40B4-BE49-F238E27FC236}">
-                <a16:creationId xmlns:a16="http://schemas.microsoft.com/office/drawing/2014/main" id="{C15EB09F-B745-4151-9C07-58D16BCE98C4}"/>
+                <a16:creationId xmlns:a16="http://schemas.microsoft.com/office/drawing/2014/main" id="{3C596BB3-2621-40FF-A8C0-72C9A6D05C42}"/>
               </a:ext>
             </a:extLst>
           </p:cNvPr>
@@ -9854,220 +7639,71 @@
             <p:ph idx="1"/>
           </p:nvPr>
         </p:nvSpPr>
-        <p:spPr>
-          <a:xfrm>
-            <a:off x="1451579" y="2015732"/>
-            <a:ext cx="9603275" cy="4125186"/>
-          </a:xfrm>
-        </p:spPr>
+        <p:spPr/>
         <p:txBody>
-          <a:bodyPr>
-            <a:normAutofit/>
-          </a:bodyPr>
+          <a:bodyPr/>
           <a:lstStyle/>
           <a:p>
-            <a:pPr lvl="0">
-              <a:buClr>
-                <a:srgbClr val="666666"/>
-              </a:buClr>
-              <a:buSzPct val="45000"/>
-              <a:buFont typeface="StarSymbol"/>
-              <a:buChar char="●"/>
-            </a:pPr>
-            <a:r>
-              <a:rPr lang="ru-RU" dirty="0">
-                <a:solidFill>
-                  <a:srgbClr val="000000"/>
-                </a:solidFill>
-                <a:ea typeface="DejaVu Sans" pitchFamily="2"/>
-                <a:cs typeface="DejaVu Sans" pitchFamily="2"/>
-              </a:rPr>
-              <a:t>О себе</a:t>
-            </a:r>
-          </a:p>
-          <a:p>
-            <a:pPr lvl="0">
-              <a:buClr>
-                <a:srgbClr val="666666"/>
-              </a:buClr>
-              <a:buSzPct val="45000"/>
-              <a:buFont typeface="StarSymbol"/>
-              <a:buChar char="●"/>
-            </a:pPr>
-            <a:r>
-              <a:rPr lang="ru-RU" dirty="0">
-                <a:solidFill>
-                  <a:srgbClr val="000000"/>
-                </a:solidFill>
-                <a:ea typeface="DejaVu Sans" pitchFamily="2"/>
-                <a:cs typeface="DejaVu Sans" pitchFamily="2"/>
-              </a:rPr>
-              <a:t>Общий обзор </a:t>
-            </a:r>
-            <a:r>
-              <a:rPr lang="en-US" dirty="0">
-                <a:solidFill>
-                  <a:srgbClr val="000000"/>
-                </a:solidFill>
-                <a:ea typeface="DejaVu Sans" pitchFamily="2"/>
-                <a:cs typeface="DejaVu Sans" pitchFamily="2"/>
-              </a:rPr>
-              <a:t>Airflow</a:t>
-            </a:r>
-            <a:endParaRPr lang="ru-RU" dirty="0">
-              <a:solidFill>
-                <a:srgbClr val="000000"/>
-              </a:solidFill>
-              <a:ea typeface="DejaVu Sans" pitchFamily="2"/>
-              <a:cs typeface="DejaVu Sans" pitchFamily="2"/>
-            </a:endParaRPr>
-          </a:p>
-          <a:p>
-            <a:pPr lvl="0">
-              <a:buClr>
-                <a:srgbClr val="666666"/>
-              </a:buClr>
-              <a:buSzPct val="45000"/>
-              <a:buFont typeface="StarSymbol"/>
-              <a:buChar char="●"/>
-            </a:pPr>
-            <a:r>
-              <a:rPr lang="en-US" dirty="0">
-                <a:solidFill>
-                  <a:srgbClr val="000000"/>
-                </a:solidFill>
-                <a:ea typeface="DejaVu Sans" pitchFamily="2"/>
-                <a:cs typeface="DejaVu Sans" pitchFamily="2"/>
-              </a:rPr>
-              <a:t>DAG</a:t>
-            </a:r>
-            <a:r>
-              <a:rPr lang="ru-RU" dirty="0">
-                <a:solidFill>
-                  <a:srgbClr val="000000"/>
-                </a:solidFill>
-                <a:ea typeface="DejaVu Sans" pitchFamily="2"/>
-                <a:cs typeface="DejaVu Sans" pitchFamily="2"/>
-              </a:rPr>
-              <a:t>: что это, из каких элементов состоит</a:t>
-            </a:r>
-          </a:p>
-          <a:p>
-            <a:pPr lvl="0">
-              <a:buClr>
-                <a:srgbClr val="666666"/>
-              </a:buClr>
-              <a:buSzPct val="45000"/>
-              <a:buFont typeface="StarSymbol"/>
-              <a:buChar char="●"/>
-            </a:pPr>
-            <a:r>
-              <a:rPr lang="en-US" dirty="0">
-                <a:solidFill>
-                  <a:srgbClr val="000000"/>
-                </a:solidFill>
-                <a:ea typeface="DejaVu Sans" pitchFamily="2"/>
-                <a:cs typeface="DejaVu Sans" pitchFamily="2"/>
-              </a:rPr>
-              <a:t>Operator</a:t>
-            </a:r>
-            <a:r>
-              <a:rPr lang="ru-RU" dirty="0">
-                <a:solidFill>
-                  <a:srgbClr val="000000"/>
-                </a:solidFill>
-                <a:ea typeface="DejaVu Sans" pitchFamily="2"/>
-                <a:cs typeface="DejaVu Sans" pitchFamily="2"/>
-              </a:rPr>
-              <a:t>: что это, какие бывают, как использовать</a:t>
-            </a:r>
-            <a:endParaRPr lang="en-US" dirty="0">
-              <a:solidFill>
-                <a:srgbClr val="000000"/>
-              </a:solidFill>
-              <a:ea typeface="DejaVu Sans" pitchFamily="2"/>
-              <a:cs typeface="DejaVu Sans" pitchFamily="2"/>
-            </a:endParaRPr>
-          </a:p>
-          <a:p>
-            <a:pPr>
-              <a:buClr>
-                <a:srgbClr val="666666"/>
-              </a:buClr>
-              <a:buSzPct val="45000"/>
-              <a:buFont typeface="StarSymbol"/>
-              <a:buChar char="●"/>
-            </a:pPr>
-            <a:r>
-              <a:rPr lang="af-ZA" dirty="0"/>
-              <a:t>Control Flow</a:t>
-            </a:r>
-          </a:p>
-          <a:p>
-            <a:pPr>
-              <a:buClr>
-                <a:srgbClr val="666666"/>
-              </a:buClr>
-              <a:buSzPct val="45000"/>
-              <a:buFont typeface="StarSymbol"/>
-              <a:buChar char="●"/>
-            </a:pPr>
-            <a:r>
-              <a:rPr lang="en-US" dirty="0">
-                <a:solidFill>
-                  <a:srgbClr val="000000"/>
-                </a:solidFill>
-                <a:ea typeface="DejaVu Sans" pitchFamily="2"/>
-                <a:cs typeface="DejaVu Sans" pitchFamily="2"/>
-              </a:rPr>
-              <a:t>UI Airflow</a:t>
-            </a:r>
-          </a:p>
-          <a:p>
-            <a:pPr lvl="0">
-              <a:buClr>
-                <a:srgbClr val="666666"/>
-              </a:buClr>
-              <a:buSzPct val="45000"/>
-              <a:buFont typeface="StarSymbol"/>
-              <a:buChar char="●"/>
-            </a:pPr>
-            <a:r>
-              <a:rPr lang="ru-RU" dirty="0">
-                <a:solidFill>
-                  <a:srgbClr val="000000"/>
-                </a:solidFill>
-                <a:ea typeface="DejaVu Sans" pitchFamily="2"/>
-                <a:cs typeface="DejaVu Sans" pitchFamily="2"/>
-              </a:rPr>
-              <a:t>Практика</a:t>
-            </a:r>
-          </a:p>
-          <a:p>
-            <a:pPr marL="0" lvl="0" indent="0">
-              <a:buClr>
-                <a:srgbClr val="666666"/>
-              </a:buClr>
-              <a:buSzPct val="45000"/>
+            <a:r>
+              <a:rPr lang="en-US" dirty="0"/>
+              <a:t>Airflow - </a:t>
+            </a:r>
+            <a:r>
+              <a:rPr lang="ru-RU" dirty="0"/>
+              <a:t>инструмент для автоматизации и планирования задач и рабочих процессов (оркестратор для управления ETL/ELT)</a:t>
+            </a:r>
+          </a:p>
+          <a:p>
+            <a:endParaRPr lang="ru-RU" dirty="0"/>
+          </a:p>
+          <a:p>
+            <a:pPr marL="0" indent="0">
               <a:buNone/>
             </a:pPr>
-            <a:endParaRPr lang="ru-RU" dirty="0">
-              <a:solidFill>
-                <a:srgbClr val="000000"/>
-              </a:solidFill>
-              <a:ea typeface="DejaVu Sans" pitchFamily="2"/>
-              <a:cs typeface="DejaVu Sans" pitchFamily="2"/>
-            </a:endParaRPr>
-          </a:p>
-          <a:p>
             <a:endParaRPr lang="ru-RU" dirty="0"/>
+          </a:p>
+          <a:p>
+            <a:r>
+              <a:rPr lang="af-ZA" dirty="0"/>
+              <a:t>ETL</a:t>
+            </a:r>
+            <a:r>
+              <a:rPr lang="ru-RU" dirty="0"/>
+              <a:t>: извлечение-загрузка-преобразование</a:t>
+            </a:r>
+          </a:p>
+          <a:p>
+            <a:r>
+              <a:rPr lang="en-US" dirty="0"/>
+              <a:t>ELT: </a:t>
+            </a:r>
+            <a:r>
+              <a:rPr lang="ru-RU" dirty="0"/>
+              <a:t>при ELT-процессах в </a:t>
+            </a:r>
+            <a:r>
+              <a:rPr lang="ru-RU" dirty="0" err="1"/>
+              <a:t>Data</a:t>
+            </a:r>
+            <a:r>
+              <a:rPr lang="ru-RU" dirty="0"/>
+              <a:t> </a:t>
+            </a:r>
+            <a:r>
+              <a:rPr lang="ru-RU" dirty="0" err="1"/>
+              <a:t>Lake</a:t>
+            </a:r>
+            <a:r>
+              <a:rPr lang="ru-RU" dirty="0"/>
+              <a:t> или целевые системы загружаются любые данные и обрабатываются уже после загрузки</a:t>
+            </a:r>
           </a:p>
         </p:txBody>
       </p:sp>
     </p:spTree>
     <p:extLst>
       <p:ext uri="{BB962C8B-B14F-4D97-AF65-F5344CB8AC3E}">
-        <p14:creationId xmlns:p14="http://schemas.microsoft.com/office/powerpoint/2010/main" val="597229495"/>
+        <p14:creationId xmlns:p14="http://schemas.microsoft.com/office/powerpoint/2010/main" val="983503369"/>
       </p:ext>
     </p:extLst>
   </p:cSld>
@@ -10129,6 +7765,13 @@
               </a:rPr>
               <a:t>Airflow</a:t>
             </a:r>
+            <a:r>
+              <a:rPr lang="ru-RU" dirty="0">
+                <a:ea typeface="DejaVu Sans" pitchFamily="2"/>
+                <a:cs typeface="DejaVu Sans" pitchFamily="2"/>
+              </a:rPr>
+              <a:t>: компоненты</a:t>
+            </a:r>
             <a:endParaRPr lang="ru-RU" dirty="0"/>
           </a:p>
         </p:txBody>
@@ -10149,71 +7792,146 @@
             <p:ph idx="1"/>
           </p:nvPr>
         </p:nvSpPr>
-        <p:spPr/>
+        <p:spPr>
+          <a:xfrm>
+            <a:off x="1069848" y="1846555"/>
+            <a:ext cx="5863612" cy="4820059"/>
+          </a:xfrm>
+        </p:spPr>
         <p:txBody>
-          <a:bodyPr/>
+          <a:bodyPr>
+            <a:normAutofit fontScale="92500" lnSpcReduction="10000"/>
+          </a:bodyPr>
           <a:lstStyle/>
           <a:p>
             <a:r>
-              <a:rPr lang="en-US" dirty="0"/>
-              <a:t>Airflow - </a:t>
+              <a:rPr lang="ru-RU" b="1" dirty="0" err="1"/>
+              <a:t>Scheduler</a:t>
+            </a:r>
+            <a:r>
+              <a:rPr lang="ru-RU" b="1" dirty="0"/>
+              <a:t> (Планировщик)</a:t>
             </a:r>
             <a:r>
               <a:rPr lang="ru-RU" dirty="0"/>
-              <a:t>инструмент для автоматизации и планирования задач и рабочих процессов (оркестратор для управления ETL/ELT)</a:t>
-            </a:r>
-          </a:p>
-          <a:p>
-            <a:endParaRPr lang="ru-RU" dirty="0"/>
-          </a:p>
-          <a:p>
-            <a:pPr marL="0" indent="0">
-              <a:buNone/>
-            </a:pPr>
-            <a:endParaRPr lang="ru-RU" dirty="0"/>
-          </a:p>
-          <a:p>
-            <a:r>
-              <a:rPr lang="af-ZA" dirty="0"/>
-              <a:t>ETL</a:t>
+              <a:t> — запускает запланированные рабочие процессы.</a:t>
+            </a:r>
+          </a:p>
+          <a:p>
+            <a:r>
+              <a:rPr lang="ru-RU" b="1" dirty="0" err="1"/>
+              <a:t>Executor</a:t>
+            </a:r>
+            <a:r>
+              <a:rPr lang="ru-RU" b="1" dirty="0"/>
+              <a:t> (Исполнитель)</a:t>
             </a:r>
             <a:r>
               <a:rPr lang="ru-RU" dirty="0"/>
-              <a:t>: извлечение-загрузка-преобразование</a:t>
-            </a:r>
-          </a:p>
-          <a:p>
-            <a:r>
-              <a:rPr lang="en-US" dirty="0"/>
-              <a:t>ELT: </a:t>
+              <a:t> — обрабатывает выполнения задачи.</a:t>
+            </a:r>
+          </a:p>
+          <a:p>
+            <a:r>
+              <a:rPr lang="ru-RU" b="1" dirty="0"/>
+              <a:t>Веб-сервер</a:t>
             </a:r>
             <a:r>
               <a:rPr lang="ru-RU" dirty="0"/>
-              <a:t>при ELT-процессах в </a:t>
+              <a:t> —пользовательский интерфейс для проверки, запуска и отладки поведения </a:t>
             </a:r>
             <a:r>
               <a:rPr lang="ru-RU" dirty="0" err="1"/>
-              <a:t>Data</a:t>
+              <a:t>DAGs</a:t>
             </a:r>
             <a:r>
               <a:rPr lang="ru-RU" dirty="0"/>
-              <a:t> </a:t>
-            </a:r>
-            <a:r>
-              <a:rPr lang="ru-RU" dirty="0" err="1"/>
-              <a:t>Lake</a:t>
+              <a:t> и задач.</a:t>
+            </a:r>
+          </a:p>
+          <a:p>
+            <a:r>
+              <a:rPr lang="ru-RU" b="1" dirty="0"/>
+              <a:t>Папка файлов DAG</a:t>
             </a:r>
             <a:r>
               <a:rPr lang="ru-RU" dirty="0"/>
-              <a:t> или целевые системы загружаются любые данные и обрабатываются уже после загрузки</a:t>
+              <a:t>, читаемая планировщиком и исполнителем (и любыми рабочими, которые есть у исполнителя).</a:t>
+            </a:r>
+          </a:p>
+          <a:p>
+            <a:r>
+              <a:rPr lang="ru-RU" b="1" dirty="0"/>
+              <a:t>База метаданных</a:t>
+            </a:r>
+            <a:r>
+              <a:rPr lang="ru-RU" dirty="0"/>
+              <a:t> — используется планировщиком, исполнителем и веб-сервером для сохранения состояния.</a:t>
+            </a:r>
+          </a:p>
+          <a:p>
+            <a:r>
+              <a:rPr lang="ru-RU" b="1" dirty="0" err="1"/>
+              <a:t>airflow.cfg</a:t>
+            </a:r>
+            <a:r>
+              <a:rPr lang="ru-RU" dirty="0"/>
+              <a:t> — главный конфигурационный файл, в котором хранятся переменные, различные параметры и настройки, которые нужны для работы инструмента</a:t>
             </a:r>
           </a:p>
         </p:txBody>
       </p:sp>
+      <p:pic>
+        <p:nvPicPr>
+          <p:cNvPr id="1028" name="Picture 4" descr="Concepts — Airflow Documentation">
+            <a:extLst>
+              <a:ext uri="{FF2B5EF4-FFF2-40B4-BE49-F238E27FC236}">
+                <a16:creationId xmlns:a16="http://schemas.microsoft.com/office/drawing/2014/main" id="{30A3BF9F-3AB3-48CB-B20D-66F06E348151}"/>
+              </a:ext>
+            </a:extLst>
+          </p:cNvPr>
+          <p:cNvPicPr>
+            <a:picLocks noChangeAspect="1" noChangeArrowheads="1"/>
+          </p:cNvPicPr>
+          <p:nvPr/>
+        </p:nvPicPr>
+        <p:blipFill>
+          <a:blip r:embed="rId2">
+            <a:extLst>
+              <a:ext uri="{28A0092B-C50C-407E-A947-70E740481C1C}">
+                <a14:useLocalDpi xmlns:a14="http://schemas.microsoft.com/office/drawing/2010/main" val="0"/>
+              </a:ext>
+            </a:extLst>
+          </a:blip>
+          <a:srcRect/>
+          <a:stretch>
+            <a:fillRect/>
+          </a:stretch>
+        </p:blipFill>
+        <p:spPr bwMode="auto">
+          <a:xfrm>
+            <a:off x="6525550" y="1953892"/>
+            <a:ext cx="5666450" cy="2950216"/>
+          </a:xfrm>
+          <a:prstGeom prst="rect">
+            <a:avLst/>
+          </a:prstGeom>
+          <a:noFill/>
+          <a:extLst>
+            <a:ext uri="{909E8E84-426E-40DD-AFC4-6F175D3DCCD1}">
+              <a14:hiddenFill xmlns:a14="http://schemas.microsoft.com/office/drawing/2010/main">
+                <a:solidFill>
+                  <a:srgbClr val="FFFFFF"/>
+                </a:solidFill>
+              </a14:hiddenFill>
+            </a:ext>
+          </a:extLst>
+        </p:spPr>
+      </p:pic>
     </p:spTree>
     <p:extLst>
       <p:ext uri="{BB962C8B-B14F-4D97-AF65-F5344CB8AC3E}">
-        <p14:creationId xmlns:p14="http://schemas.microsoft.com/office/powerpoint/2010/main" val="983503369"/>
+        <p14:creationId xmlns:p14="http://schemas.microsoft.com/office/powerpoint/2010/main" val="3491350937"/>
       </p:ext>
     </p:extLst>
   </p:cSld>
@@ -10256,31 +7974,22 @@
             <p:ph type="title"/>
           </p:nvPr>
         </p:nvSpPr>
-        <p:spPr/>
+        <p:spPr>
+          <a:xfrm>
+            <a:off x="1069848" y="484632"/>
+            <a:ext cx="10058400" cy="1609344"/>
+          </a:xfrm>
+        </p:spPr>
         <p:txBody>
           <a:bodyPr/>
           <a:lstStyle/>
           <a:p>
             <a:r>
-              <a:rPr lang="ru-RU" dirty="0">
-                <a:ea typeface="DejaVu Sans" pitchFamily="2"/>
-                <a:cs typeface="DejaVu Sans" pitchFamily="2"/>
-              </a:rPr>
-              <a:t>Обзор </a:t>
-            </a:r>
-            <a:r>
               <a:rPr lang="en-US" dirty="0">
                 <a:ea typeface="DejaVu Sans" pitchFamily="2"/>
                 <a:cs typeface="DejaVu Sans" pitchFamily="2"/>
               </a:rPr>
-              <a:t>Airflow</a:t>
-            </a:r>
-            <a:r>
-              <a:rPr lang="ru-RU" dirty="0">
-                <a:ea typeface="DejaVu Sans" pitchFamily="2"/>
-                <a:cs typeface="DejaVu Sans" pitchFamily="2"/>
-              </a:rPr>
-              <a:t>: компоненты</a:t>
+              <a:t>DAG – directed acyclic graph</a:t>
             </a:r>
             <a:endParaRPr lang="ru-RU" dirty="0"/>
           </a:p>
@@ -10304,8 +8013,8 @@
         </p:nvSpPr>
         <p:spPr>
           <a:xfrm>
-            <a:off x="1069848" y="1846555"/>
-            <a:ext cx="5863612" cy="4820059"/>
+            <a:off x="1069848" y="2121408"/>
+            <a:ext cx="6305739" cy="4050792"/>
           </a:xfrm>
         </p:spPr>
         <p:txBody>
@@ -10315,88 +8024,107 @@
           <a:lstStyle/>
           <a:p>
             <a:r>
-              <a:rPr lang="ru-RU" b="1" dirty="0" err="1"/>
-              <a:t>Scheduler</a:t>
-            </a:r>
-            <a:r>
               <a:rPr lang="ru-RU" b="1" dirty="0"/>
-              <a:t> (Планировщик)</a:t>
+              <a:t>DAG (направленный ациклический граф)</a:t>
             </a:r>
             <a:r>
               <a:rPr lang="ru-RU" dirty="0"/>
-              <a:t> — запускает запланированные рабочие процессы.</a:t>
-            </a:r>
-          </a:p>
-          <a:p>
-            <a:r>
-              <a:rPr lang="ru-RU" b="1" dirty="0" err="1"/>
-              <a:t>Executor</a:t>
-            </a:r>
-            <a:r>
-              <a:rPr lang="ru-RU" b="1" dirty="0"/>
-              <a:t> (Исполнитель)</a:t>
+              <a:t> — это серия задач, которые вы хотите выполнять как часть рабочего процесса. Т.е. </a:t>
+            </a:r>
+            <a:r>
+              <a:rPr lang="en-US" dirty="0"/>
+              <a:t>DAG</a:t>
             </a:r>
             <a:r>
               <a:rPr lang="ru-RU" dirty="0"/>
-              <a:t> — обрабатывает выполнения задачи.</a:t>
-            </a:r>
-          </a:p>
-          <a:p>
-            <a:r>
-              <a:rPr lang="ru-RU" b="1" dirty="0"/>
-              <a:t>Веб-сервер</a:t>
-            </a:r>
+              <a:t> описывает, как выполнять серию задач</a:t>
+            </a:r>
+            <a:endParaRPr lang="en-US" dirty="0"/>
+          </a:p>
+          <a:p>
             <a:r>
               <a:rPr lang="ru-RU" dirty="0"/>
-              <a:t> —пользовательский интерфейс для проверки, запуска и отладки поведения </a:t>
+              <a:t> </a:t>
             </a:r>
             <a:r>
               <a:rPr lang="ru-RU" dirty="0" err="1"/>
-              <a:t>DAGs</a:t>
+              <a:t>Airflow</a:t>
             </a:r>
             <a:r>
               <a:rPr lang="ru-RU" dirty="0"/>
-              <a:t> и задач.</a:t>
-            </a:r>
-          </a:p>
-          <a:p>
-            <a:r>
-              <a:rPr lang="ru-RU" b="1" dirty="0"/>
-              <a:t>Папка файлов DAG</a:t>
-            </a:r>
+              <a:t> позволяет также указать взаимосвязь между задачами, любые зависимости (например, данные, загруженные в таблицу перед запуском задачи) и порядок, в котором задачи должны выполняться. </a:t>
+            </a:r>
+            <a:endParaRPr lang="en-US" dirty="0"/>
+          </a:p>
+          <a:p>
             <a:r>
               <a:rPr lang="ru-RU" dirty="0"/>
-              <a:t>, читаемая планировщиком и исполнителем (и любыми рабочими, которые есть у исполнителя).</a:t>
-            </a:r>
-          </a:p>
-          <a:p>
-            <a:r>
-              <a:rPr lang="ru-RU" b="1" dirty="0"/>
-              <a:t>База метаданных</a:t>
+              <a:t>DAG написан на </a:t>
+            </a:r>
+            <a:r>
+              <a:rPr lang="ru-RU" dirty="0" err="1"/>
+              <a:t>Python</a:t>
             </a:r>
             <a:r>
               <a:rPr lang="ru-RU" dirty="0"/>
-              <a:t> — используется планировщиком, исполнителем и веб-сервером для сохранения состояния.</a:t>
-            </a:r>
-          </a:p>
-          <a:p>
-            <a:r>
-              <a:rPr lang="ru-RU" b="1" dirty="0" err="1"/>
-              <a:t>airflow.cfg</a:t>
+              <a:t> и сохраняется в виде .</a:t>
+            </a:r>
+            <a:r>
+              <a:rPr lang="ru-RU" dirty="0" err="1"/>
+              <a:t>py</a:t>
             </a:r>
             <a:r>
               <a:rPr lang="ru-RU" dirty="0"/>
-              <a:t> — главный конфигурационный файл, в котором хранятся переменные, различные параметры и настройки, которые нужны для работы инструмента</a:t>
-            </a:r>
+              <a:t> файла.</a:t>
+            </a:r>
+          </a:p>
+          <a:p>
+            <a:endParaRPr lang="ru-RU" dirty="0"/>
+          </a:p>
+          <a:p>
+            <a:r>
+              <a:rPr lang="ru-RU" dirty="0"/>
+              <a:t>Существуют также </a:t>
+            </a:r>
+            <a:r>
+              <a:rPr lang="en-US" dirty="0" err="1"/>
+              <a:t>SubDAGs</a:t>
+            </a:r>
+            <a:r>
+              <a:rPr lang="ru-RU" dirty="0"/>
+              <a:t> или вложенные </a:t>
+            </a:r>
+            <a:r>
+              <a:rPr lang="en-US" dirty="0"/>
+              <a:t>DAG</a:t>
+            </a:r>
+            <a:r>
+              <a:rPr lang="ru-RU" dirty="0"/>
+              <a:t>, которые позволяют сгруппировать </a:t>
+            </a:r>
+            <a:r>
+              <a:rPr lang="en-US" dirty="0"/>
+              <a:t>DAG</a:t>
+            </a:r>
+            <a:r>
+              <a:rPr lang="ru-RU" dirty="0"/>
+              <a:t>-и когда их становится слишком много</a:t>
+            </a:r>
+          </a:p>
+          <a:p>
+            <a:pPr marL="0" indent="0">
+              <a:buNone/>
+            </a:pPr>
+            <a:endParaRPr lang="ru-RU" dirty="0"/>
           </a:p>
         </p:txBody>
       </p:sp>
       <p:pic>
         <p:nvPicPr>
-          <p:cNvPr id="1028" name="Picture 4" descr="Concepts — Airflow Documentation">
+          <p:cNvPr id="3074" name="Picture 2" descr="../_images/subdag_before.png">
             <a:extLst>
               <a:ext uri="{FF2B5EF4-FFF2-40B4-BE49-F238E27FC236}">
-                <a16:creationId xmlns:a16="http://schemas.microsoft.com/office/drawing/2014/main" id="{30A3BF9F-3AB3-48CB-B20D-66F06E348151}"/>
+                <a16:creationId xmlns:a16="http://schemas.microsoft.com/office/drawing/2014/main" id="{FD9BBC40-E5D7-4EFC-BEC0-09169D608D60}"/>
               </a:ext>
             </a:extLst>
           </p:cNvPr>
@@ -10406,7 +8134,7 @@
           <p:nvPr/>
         </p:nvPicPr>
         <p:blipFill>
-          <a:blip r:embed="rId2">
+          <a:blip r:embed="rId3">
             <a:extLst>
               <a:ext uri="{28A0092B-C50C-407E-A947-70E740481C1C}">
                 <a14:useLocalDpi xmlns:a14="http://schemas.microsoft.com/office/drawing/2010/main" val="0"/>
@@ -10420,8 +8148,8 @@
         </p:blipFill>
         <p:spPr bwMode="auto">
           <a:xfrm>
-            <a:off x="6525550" y="1953892"/>
-            <a:ext cx="5666450" cy="2950216"/>
+            <a:off x="7375587" y="2121408"/>
+            <a:ext cx="4667250" cy="2314575"/>
           </a:xfrm>
           <a:prstGeom prst="rect">
             <a:avLst/>
@@ -10438,10 +8166,57 @@
           </a:extLst>
         </p:spPr>
       </p:pic>
+      <p:pic>
+        <p:nvPicPr>
+          <p:cNvPr id="3076" name="Picture 4" descr="../_images/subdag_after.png">
+            <a:extLst>
+              <a:ext uri="{FF2B5EF4-FFF2-40B4-BE49-F238E27FC236}">
+                <a16:creationId xmlns:a16="http://schemas.microsoft.com/office/drawing/2014/main" id="{E7883682-74B6-42A2-B506-4D2F23B77899}"/>
+              </a:ext>
+            </a:extLst>
+          </p:cNvPr>
+          <p:cNvPicPr>
+            <a:picLocks noChangeAspect="1" noChangeArrowheads="1"/>
+          </p:cNvPicPr>
+          <p:nvPr/>
+        </p:nvPicPr>
+        <p:blipFill>
+          <a:blip r:embed="rId4">
+            <a:extLst>
+              <a:ext uri="{28A0092B-C50C-407E-A947-70E740481C1C}">
+                <a14:useLocalDpi xmlns:a14="http://schemas.microsoft.com/office/drawing/2010/main" val="0"/>
+              </a:ext>
+            </a:extLst>
+          </a:blip>
+          <a:srcRect/>
+          <a:stretch>
+            <a:fillRect/>
+          </a:stretch>
+        </p:blipFill>
+        <p:spPr bwMode="auto">
+          <a:xfrm>
+            <a:off x="7375587" y="5117561"/>
+            <a:ext cx="4667250" cy="537515"/>
+          </a:xfrm>
+          <a:prstGeom prst="rect">
+            <a:avLst/>
+          </a:prstGeom>
+          <a:noFill/>
+          <a:extLst>
+            <a:ext uri="{909E8E84-426E-40DD-AFC4-6F175D3DCCD1}">
+              <a14:hiddenFill xmlns:a14="http://schemas.microsoft.com/office/drawing/2010/main">
+                <a:solidFill>
+                  <a:srgbClr val="FFFFFF"/>
+                </a:solidFill>
+              </a14:hiddenFill>
+            </a:ext>
+          </a:extLst>
+        </p:spPr>
+      </p:pic>
     </p:spTree>
     <p:extLst>
       <p:ext uri="{BB962C8B-B14F-4D97-AF65-F5344CB8AC3E}">
-        <p14:creationId xmlns:p14="http://schemas.microsoft.com/office/powerpoint/2010/main" val="3491350937"/>
+        <p14:creationId xmlns:p14="http://schemas.microsoft.com/office/powerpoint/2010/main" val="3304181700"/>
       </p:ext>
     </p:extLst>
   </p:cSld>
@@ -10490,11 +8265,8 @@
           <a:lstStyle/>
           <a:p>
             <a:r>
-              <a:rPr lang="en-US" dirty="0">
-                <a:ea typeface="DejaVu Sans" pitchFamily="2"/>
-                <a:cs typeface="DejaVu Sans" pitchFamily="2"/>
-              </a:rPr>
-              <a:t>Airflow UI</a:t>
+              <a:rPr lang="en-US" b="1" dirty="0"/>
+              <a:t>Control flow</a:t>
             </a:r>
             <a:endParaRPr lang="ru-RU" dirty="0"/>
           </a:p>
@@ -10516,27 +8288,2274 @@
             <p:ph idx="1"/>
           </p:nvPr>
         </p:nvSpPr>
-        <p:spPr/>
+        <p:spPr>
+          <a:xfrm>
+            <a:off x="594804" y="1722268"/>
+            <a:ext cx="5632260" cy="5135732"/>
+          </a:xfrm>
+        </p:spPr>
         <p:txBody>
-          <a:bodyPr/>
+          <a:bodyPr>
+            <a:normAutofit/>
+          </a:bodyPr>
           <a:lstStyle/>
           <a:p>
             <a:r>
-              <a:rPr lang="ru-RU" dirty="0"/>
-              <a:t>Переходим в </a:t>
-            </a:r>
-            <a:r>
-              <a:rPr lang="en-US" dirty="0"/>
-              <a:t>UI</a:t>
-            </a:r>
+              <a:rPr lang="en-US" sz="1600" dirty="0"/>
+              <a:t>Control flow = </a:t>
+            </a:r>
+            <a:r>
+              <a:rPr lang="ru-RU" sz="1600" dirty="0"/>
+              <a:t>последовательность выполнения заданий в рамках </a:t>
+            </a:r>
+            <a:r>
+              <a:rPr lang="en-US" sz="1600" dirty="0"/>
+              <a:t>DAG</a:t>
+            </a:r>
+            <a:endParaRPr lang="ru-RU" sz="1600" dirty="0"/>
+          </a:p>
+          <a:p>
+            <a:r>
+              <a:rPr lang="ru-RU" sz="1600" dirty="0"/>
+              <a:t>Устанавливает зависимости в порядке выполнения заданий в </a:t>
+            </a:r>
+            <a:r>
+              <a:rPr lang="en-US" sz="1600" dirty="0"/>
+              <a:t>DAG</a:t>
+            </a:r>
+            <a:r>
+              <a:rPr lang="ru-RU" sz="1600" dirty="0"/>
+              <a:t>:</a:t>
+            </a:r>
+          </a:p>
+          <a:p>
+            <a:pPr lvl="1"/>
+            <a:r>
+              <a:rPr lang="ru-RU" sz="1400" dirty="0"/>
+              <a:t>Последовательное выполнение заданий</a:t>
+            </a:r>
+          </a:p>
+          <a:p>
+            <a:pPr lvl="1"/>
+            <a:r>
+              <a:rPr lang="ru-RU" sz="1400" dirty="0"/>
+              <a:t>Выполнение</a:t>
+            </a:r>
+            <a:r>
+              <a:rPr lang="en-US" sz="1400" dirty="0"/>
+              <a:t> </a:t>
+            </a:r>
+            <a:r>
+              <a:rPr lang="ru-RU" sz="1400" dirty="0"/>
+              <a:t>нескольких заданий параллельно</a:t>
+            </a:r>
+          </a:p>
+          <a:p>
+            <a:pPr lvl="1"/>
+            <a:r>
+              <a:rPr lang="ru-RU" sz="1400" dirty="0"/>
+              <a:t>Запуск после успешного выполнения одного или более заданий</a:t>
+            </a:r>
+          </a:p>
+          <a:p>
+            <a:r>
+              <a:rPr lang="en-US" sz="1800" dirty="0" err="1"/>
+              <a:t>Trigger_rule</a:t>
+            </a:r>
+            <a:r>
+              <a:rPr lang="en-US" sz="1800" dirty="0"/>
+              <a:t>:</a:t>
+            </a:r>
+            <a:br>
+              <a:rPr lang="ru-RU" sz="1800" dirty="0"/>
+            </a:br>
+            <a:endParaRPr lang="ru-RU" sz="1800" dirty="0"/>
+          </a:p>
+          <a:p>
+            <a:pPr eaLnBrk="0" fontAlgn="base" hangingPunct="0">
+              <a:lnSpc>
+                <a:spcPct val="100000"/>
+              </a:lnSpc>
+              <a:spcBef>
+                <a:spcPct val="0"/>
+              </a:spcBef>
+              <a:spcAft>
+                <a:spcPct val="0"/>
+              </a:spcAft>
+              <a:buClrTx/>
+              <a:buSzTx/>
+            </a:pPr>
+            <a:r>
+              <a:rPr lang="ru-RU" altLang="ru-RU" sz="900" dirty="0" err="1">
+                <a:solidFill>
+                  <a:srgbClr val="E74C3C"/>
+                </a:solidFill>
+                <a:latin typeface="SFMono-Regular"/>
+              </a:rPr>
+              <a:t>all_success</a:t>
+            </a:r>
+            <a:r>
+              <a:rPr lang="ru-RU" altLang="ru-RU" sz="1200" dirty="0">
+                <a:solidFill>
+                  <a:srgbClr val="404040"/>
+                </a:solidFill>
+                <a:latin typeface="Lato"/>
+              </a:rPr>
+              <a:t>: (</a:t>
+            </a:r>
+            <a:r>
+              <a:rPr lang="ru-RU" altLang="ru-RU" sz="1200" dirty="0" err="1">
+                <a:solidFill>
+                  <a:srgbClr val="404040"/>
+                </a:solidFill>
+                <a:latin typeface="Lato"/>
+              </a:rPr>
+              <a:t>default</a:t>
+            </a:r>
+            <a:r>
+              <a:rPr lang="ru-RU" altLang="ru-RU" sz="1200" dirty="0">
+                <a:solidFill>
+                  <a:srgbClr val="404040"/>
+                </a:solidFill>
+                <a:latin typeface="Lato"/>
+              </a:rPr>
+              <a:t>) </a:t>
+            </a:r>
+            <a:r>
+              <a:rPr lang="ru-RU" altLang="ru-RU" sz="1200" dirty="0" err="1">
+                <a:solidFill>
+                  <a:srgbClr val="404040"/>
+                </a:solidFill>
+                <a:latin typeface="Lato"/>
+              </a:rPr>
+              <a:t>all</a:t>
+            </a:r>
+            <a:r>
+              <a:rPr lang="ru-RU" altLang="ru-RU" sz="1200" dirty="0">
+                <a:solidFill>
+                  <a:srgbClr val="404040"/>
+                </a:solidFill>
+                <a:latin typeface="Lato"/>
+              </a:rPr>
+              <a:t> </a:t>
+            </a:r>
+            <a:r>
+              <a:rPr lang="ru-RU" altLang="ru-RU" sz="1200" dirty="0" err="1">
+                <a:solidFill>
+                  <a:srgbClr val="404040"/>
+                </a:solidFill>
+                <a:latin typeface="Lato"/>
+              </a:rPr>
+              <a:t>parents</a:t>
+            </a:r>
+            <a:r>
+              <a:rPr lang="ru-RU" altLang="ru-RU" sz="1200" dirty="0">
+                <a:solidFill>
+                  <a:srgbClr val="404040"/>
+                </a:solidFill>
+                <a:latin typeface="Lato"/>
+              </a:rPr>
+              <a:t> </a:t>
+            </a:r>
+            <a:r>
+              <a:rPr lang="ru-RU" altLang="ru-RU" sz="1200" dirty="0" err="1">
+                <a:solidFill>
+                  <a:srgbClr val="404040"/>
+                </a:solidFill>
+                <a:latin typeface="Lato"/>
+              </a:rPr>
+              <a:t>have</a:t>
+            </a:r>
+            <a:r>
+              <a:rPr lang="ru-RU" altLang="ru-RU" sz="1200" dirty="0">
+                <a:solidFill>
+                  <a:srgbClr val="404040"/>
+                </a:solidFill>
+                <a:latin typeface="Lato"/>
+              </a:rPr>
+              <a:t> </a:t>
+            </a:r>
+            <a:r>
+              <a:rPr lang="ru-RU" altLang="ru-RU" sz="1200" dirty="0" err="1">
+                <a:solidFill>
+                  <a:srgbClr val="404040"/>
+                </a:solidFill>
+                <a:latin typeface="Lato"/>
+              </a:rPr>
+              <a:t>succeeded</a:t>
+            </a:r>
+            <a:endParaRPr lang="ru-RU" altLang="ru-RU" sz="1200" dirty="0">
+              <a:solidFill>
+                <a:srgbClr val="404040"/>
+              </a:solidFill>
+              <a:latin typeface="Lato"/>
+            </a:endParaRPr>
+          </a:p>
+          <a:p>
+            <a:pPr eaLnBrk="0" fontAlgn="base" hangingPunct="0">
+              <a:lnSpc>
+                <a:spcPct val="100000"/>
+              </a:lnSpc>
+              <a:spcBef>
+                <a:spcPct val="0"/>
+              </a:spcBef>
+              <a:spcAft>
+                <a:spcPct val="0"/>
+              </a:spcAft>
+              <a:buClrTx/>
+              <a:buSzTx/>
+            </a:pPr>
+            <a:r>
+              <a:rPr lang="ru-RU" altLang="ru-RU" sz="900" dirty="0" err="1">
+                <a:solidFill>
+                  <a:srgbClr val="E74C3C"/>
+                </a:solidFill>
+                <a:latin typeface="SFMono-Regular"/>
+              </a:rPr>
+              <a:t>all_failed</a:t>
+            </a:r>
+            <a:r>
+              <a:rPr lang="ru-RU" altLang="ru-RU" sz="1200" dirty="0">
+                <a:solidFill>
+                  <a:srgbClr val="404040"/>
+                </a:solidFill>
+                <a:latin typeface="Lato"/>
+              </a:rPr>
+              <a:t>: </a:t>
+            </a:r>
+            <a:r>
+              <a:rPr lang="ru-RU" altLang="ru-RU" sz="1200" dirty="0" err="1">
+                <a:solidFill>
+                  <a:srgbClr val="404040"/>
+                </a:solidFill>
+                <a:latin typeface="Lato"/>
+              </a:rPr>
+              <a:t>all</a:t>
+            </a:r>
+            <a:r>
+              <a:rPr lang="ru-RU" altLang="ru-RU" sz="1200" dirty="0">
+                <a:solidFill>
+                  <a:srgbClr val="404040"/>
+                </a:solidFill>
+                <a:latin typeface="Lato"/>
+              </a:rPr>
+              <a:t> </a:t>
+            </a:r>
+            <a:r>
+              <a:rPr lang="ru-RU" altLang="ru-RU" sz="1200" dirty="0" err="1">
+                <a:solidFill>
+                  <a:srgbClr val="404040"/>
+                </a:solidFill>
+                <a:latin typeface="Lato"/>
+              </a:rPr>
+              <a:t>parents</a:t>
+            </a:r>
+            <a:r>
+              <a:rPr lang="ru-RU" altLang="ru-RU" sz="1200" dirty="0">
+                <a:solidFill>
+                  <a:srgbClr val="404040"/>
+                </a:solidFill>
+                <a:latin typeface="Lato"/>
+              </a:rPr>
+              <a:t> </a:t>
+            </a:r>
+            <a:r>
+              <a:rPr lang="ru-RU" altLang="ru-RU" sz="1200" dirty="0" err="1">
+                <a:solidFill>
+                  <a:srgbClr val="404040"/>
+                </a:solidFill>
+                <a:latin typeface="Lato"/>
+              </a:rPr>
+              <a:t>are</a:t>
+            </a:r>
+            <a:r>
+              <a:rPr lang="ru-RU" altLang="ru-RU" sz="1200" dirty="0">
+                <a:solidFill>
+                  <a:srgbClr val="404040"/>
+                </a:solidFill>
+                <a:latin typeface="Lato"/>
+              </a:rPr>
+              <a:t> </a:t>
+            </a:r>
+            <a:r>
+              <a:rPr lang="ru-RU" altLang="ru-RU" sz="1200" dirty="0" err="1">
+                <a:solidFill>
+                  <a:srgbClr val="404040"/>
+                </a:solidFill>
+                <a:latin typeface="Lato"/>
+              </a:rPr>
+              <a:t>in</a:t>
+            </a:r>
+            <a:r>
+              <a:rPr lang="ru-RU" altLang="ru-RU" sz="1200" dirty="0">
+                <a:solidFill>
+                  <a:srgbClr val="404040"/>
+                </a:solidFill>
+                <a:latin typeface="Lato"/>
+              </a:rPr>
+              <a:t> a </a:t>
+            </a:r>
+            <a:r>
+              <a:rPr lang="ru-RU" altLang="ru-RU" sz="900" dirty="0" err="1">
+                <a:solidFill>
+                  <a:srgbClr val="E74C3C"/>
+                </a:solidFill>
+                <a:latin typeface="SFMono-Regular"/>
+              </a:rPr>
+              <a:t>failed</a:t>
+            </a:r>
+            <a:r>
+              <a:rPr lang="ru-RU" altLang="ru-RU" sz="1200" dirty="0">
+                <a:solidFill>
+                  <a:srgbClr val="404040"/>
+                </a:solidFill>
+                <a:latin typeface="Lato"/>
+              </a:rPr>
+              <a:t> </a:t>
+            </a:r>
+            <a:r>
+              <a:rPr lang="ru-RU" altLang="ru-RU" sz="1200" dirty="0" err="1">
+                <a:solidFill>
+                  <a:srgbClr val="404040"/>
+                </a:solidFill>
+                <a:latin typeface="Lato"/>
+              </a:rPr>
+              <a:t>or</a:t>
+            </a:r>
+            <a:r>
+              <a:rPr lang="ru-RU" altLang="ru-RU" sz="1200" dirty="0">
+                <a:solidFill>
+                  <a:srgbClr val="404040"/>
+                </a:solidFill>
+                <a:latin typeface="Lato"/>
+              </a:rPr>
+              <a:t> </a:t>
+            </a:r>
+            <a:r>
+              <a:rPr lang="ru-RU" altLang="ru-RU" sz="900" dirty="0" err="1">
+                <a:solidFill>
+                  <a:srgbClr val="E74C3C"/>
+                </a:solidFill>
+                <a:latin typeface="SFMono-Regular"/>
+              </a:rPr>
+              <a:t>upstream_failed</a:t>
+            </a:r>
+            <a:r>
+              <a:rPr lang="ru-RU" altLang="ru-RU" sz="1200" dirty="0">
+                <a:solidFill>
+                  <a:srgbClr val="404040"/>
+                </a:solidFill>
+                <a:latin typeface="Lato"/>
+              </a:rPr>
+              <a:t> </a:t>
+            </a:r>
+            <a:r>
+              <a:rPr lang="ru-RU" altLang="ru-RU" sz="1200" dirty="0" err="1">
+                <a:solidFill>
+                  <a:srgbClr val="404040"/>
+                </a:solidFill>
+                <a:latin typeface="Lato"/>
+              </a:rPr>
+              <a:t>state</a:t>
+            </a:r>
+            <a:endParaRPr lang="ru-RU" altLang="ru-RU" sz="1200" dirty="0">
+              <a:solidFill>
+                <a:srgbClr val="404040"/>
+              </a:solidFill>
+              <a:latin typeface="Lato"/>
+            </a:endParaRPr>
+          </a:p>
+          <a:p>
+            <a:pPr eaLnBrk="0" fontAlgn="base" hangingPunct="0">
+              <a:lnSpc>
+                <a:spcPct val="100000"/>
+              </a:lnSpc>
+              <a:spcBef>
+                <a:spcPct val="0"/>
+              </a:spcBef>
+              <a:spcAft>
+                <a:spcPct val="0"/>
+              </a:spcAft>
+              <a:buClrTx/>
+              <a:buSzTx/>
+            </a:pPr>
+            <a:r>
+              <a:rPr lang="ru-RU" altLang="ru-RU" sz="900" dirty="0" err="1">
+                <a:solidFill>
+                  <a:srgbClr val="E74C3C"/>
+                </a:solidFill>
+                <a:latin typeface="SFMono-Regular"/>
+              </a:rPr>
+              <a:t>all_done</a:t>
+            </a:r>
+            <a:r>
+              <a:rPr lang="ru-RU" altLang="ru-RU" sz="1200" dirty="0">
+                <a:solidFill>
+                  <a:srgbClr val="404040"/>
+                </a:solidFill>
+                <a:latin typeface="Lato"/>
+              </a:rPr>
+              <a:t>: </a:t>
+            </a:r>
+            <a:r>
+              <a:rPr lang="ru-RU" altLang="ru-RU" sz="1200" dirty="0" err="1">
+                <a:solidFill>
+                  <a:srgbClr val="404040"/>
+                </a:solidFill>
+                <a:latin typeface="Lato"/>
+              </a:rPr>
+              <a:t>all</a:t>
+            </a:r>
+            <a:r>
+              <a:rPr lang="ru-RU" altLang="ru-RU" sz="1200" dirty="0">
+                <a:solidFill>
+                  <a:srgbClr val="404040"/>
+                </a:solidFill>
+                <a:latin typeface="Lato"/>
+              </a:rPr>
+              <a:t> </a:t>
+            </a:r>
+            <a:r>
+              <a:rPr lang="ru-RU" altLang="ru-RU" sz="1200" dirty="0" err="1">
+                <a:solidFill>
+                  <a:srgbClr val="404040"/>
+                </a:solidFill>
+                <a:latin typeface="Lato"/>
+              </a:rPr>
+              <a:t>parents</a:t>
+            </a:r>
+            <a:r>
+              <a:rPr lang="ru-RU" altLang="ru-RU" sz="1200" dirty="0">
+                <a:solidFill>
+                  <a:srgbClr val="404040"/>
+                </a:solidFill>
+                <a:latin typeface="Lato"/>
+              </a:rPr>
+              <a:t> </a:t>
+            </a:r>
+            <a:r>
+              <a:rPr lang="ru-RU" altLang="ru-RU" sz="1200" dirty="0" err="1">
+                <a:solidFill>
+                  <a:srgbClr val="404040"/>
+                </a:solidFill>
+                <a:latin typeface="Lato"/>
+              </a:rPr>
+              <a:t>are</a:t>
+            </a:r>
+            <a:r>
+              <a:rPr lang="ru-RU" altLang="ru-RU" sz="1200" dirty="0">
+                <a:solidFill>
+                  <a:srgbClr val="404040"/>
+                </a:solidFill>
+                <a:latin typeface="Lato"/>
+              </a:rPr>
+              <a:t> </a:t>
+            </a:r>
+            <a:r>
+              <a:rPr lang="ru-RU" altLang="ru-RU" sz="1200" dirty="0" err="1">
+                <a:solidFill>
+                  <a:srgbClr val="404040"/>
+                </a:solidFill>
+                <a:latin typeface="Lato"/>
+              </a:rPr>
+              <a:t>done</a:t>
+            </a:r>
+            <a:r>
+              <a:rPr lang="ru-RU" altLang="ru-RU" sz="1200" dirty="0">
+                <a:solidFill>
+                  <a:srgbClr val="404040"/>
+                </a:solidFill>
+                <a:latin typeface="Lato"/>
+              </a:rPr>
+              <a:t> </a:t>
+            </a:r>
+            <a:r>
+              <a:rPr lang="ru-RU" altLang="ru-RU" sz="1200" dirty="0" err="1">
+                <a:solidFill>
+                  <a:srgbClr val="404040"/>
+                </a:solidFill>
+                <a:latin typeface="Lato"/>
+              </a:rPr>
+              <a:t>with</a:t>
+            </a:r>
+            <a:r>
+              <a:rPr lang="ru-RU" altLang="ru-RU" sz="1200" dirty="0">
+                <a:solidFill>
+                  <a:srgbClr val="404040"/>
+                </a:solidFill>
+                <a:latin typeface="Lato"/>
+              </a:rPr>
+              <a:t> </a:t>
+            </a:r>
+            <a:r>
+              <a:rPr lang="ru-RU" altLang="ru-RU" sz="1200" dirty="0" err="1">
+                <a:solidFill>
+                  <a:srgbClr val="404040"/>
+                </a:solidFill>
+                <a:latin typeface="Lato"/>
+              </a:rPr>
+              <a:t>their</a:t>
+            </a:r>
+            <a:r>
+              <a:rPr lang="ru-RU" altLang="ru-RU" sz="1200" dirty="0">
+                <a:solidFill>
+                  <a:srgbClr val="404040"/>
+                </a:solidFill>
+                <a:latin typeface="Lato"/>
+              </a:rPr>
+              <a:t> </a:t>
+            </a:r>
+            <a:r>
+              <a:rPr lang="ru-RU" altLang="ru-RU" sz="1200" dirty="0" err="1">
+                <a:solidFill>
+                  <a:srgbClr val="404040"/>
+                </a:solidFill>
+                <a:latin typeface="Lato"/>
+              </a:rPr>
+              <a:t>execution</a:t>
+            </a:r>
+            <a:endParaRPr lang="ru-RU" altLang="ru-RU" sz="1200" dirty="0">
+              <a:solidFill>
+                <a:srgbClr val="404040"/>
+              </a:solidFill>
+              <a:latin typeface="Lato"/>
+            </a:endParaRPr>
+          </a:p>
+          <a:p>
+            <a:pPr eaLnBrk="0" fontAlgn="base" hangingPunct="0">
+              <a:lnSpc>
+                <a:spcPct val="100000"/>
+              </a:lnSpc>
+              <a:spcBef>
+                <a:spcPct val="0"/>
+              </a:spcBef>
+              <a:spcAft>
+                <a:spcPct val="0"/>
+              </a:spcAft>
+              <a:buClrTx/>
+              <a:buSzTx/>
+            </a:pPr>
+            <a:r>
+              <a:rPr lang="ru-RU" altLang="ru-RU" sz="900" dirty="0" err="1">
+                <a:solidFill>
+                  <a:srgbClr val="E74C3C"/>
+                </a:solidFill>
+                <a:latin typeface="SFMono-Regular"/>
+              </a:rPr>
+              <a:t>one_failed</a:t>
+            </a:r>
+            <a:r>
+              <a:rPr lang="ru-RU" altLang="ru-RU" sz="1200" dirty="0">
+                <a:solidFill>
+                  <a:srgbClr val="404040"/>
+                </a:solidFill>
+                <a:latin typeface="Lato"/>
+              </a:rPr>
+              <a:t>: </a:t>
+            </a:r>
+            <a:r>
+              <a:rPr lang="ru-RU" altLang="ru-RU" sz="1200" dirty="0" err="1">
+                <a:solidFill>
+                  <a:srgbClr val="404040"/>
+                </a:solidFill>
+                <a:latin typeface="Lato"/>
+              </a:rPr>
+              <a:t>fires</a:t>
+            </a:r>
+            <a:r>
+              <a:rPr lang="ru-RU" altLang="ru-RU" sz="1200" dirty="0">
+                <a:solidFill>
+                  <a:srgbClr val="404040"/>
+                </a:solidFill>
+                <a:latin typeface="Lato"/>
+              </a:rPr>
+              <a:t> </a:t>
+            </a:r>
+            <a:r>
+              <a:rPr lang="ru-RU" altLang="ru-RU" sz="1200" dirty="0" err="1">
+                <a:solidFill>
+                  <a:srgbClr val="404040"/>
+                </a:solidFill>
+                <a:latin typeface="Lato"/>
+              </a:rPr>
+              <a:t>as</a:t>
+            </a:r>
+            <a:r>
+              <a:rPr lang="ru-RU" altLang="ru-RU" sz="1200" dirty="0">
+                <a:solidFill>
+                  <a:srgbClr val="404040"/>
+                </a:solidFill>
+                <a:latin typeface="Lato"/>
+              </a:rPr>
+              <a:t> </a:t>
+            </a:r>
+            <a:r>
+              <a:rPr lang="ru-RU" altLang="ru-RU" sz="1200" dirty="0" err="1">
+                <a:solidFill>
+                  <a:srgbClr val="404040"/>
+                </a:solidFill>
+                <a:latin typeface="Lato"/>
+              </a:rPr>
+              <a:t>soon</a:t>
+            </a:r>
+            <a:r>
+              <a:rPr lang="ru-RU" altLang="ru-RU" sz="1200" dirty="0">
+                <a:solidFill>
+                  <a:srgbClr val="404040"/>
+                </a:solidFill>
+                <a:latin typeface="Lato"/>
+              </a:rPr>
+              <a:t> </a:t>
+            </a:r>
+            <a:r>
+              <a:rPr lang="ru-RU" altLang="ru-RU" sz="1200" dirty="0" err="1">
+                <a:solidFill>
+                  <a:srgbClr val="404040"/>
+                </a:solidFill>
+                <a:latin typeface="Lato"/>
+              </a:rPr>
+              <a:t>as</a:t>
+            </a:r>
+            <a:r>
+              <a:rPr lang="ru-RU" altLang="ru-RU" sz="1200" dirty="0">
+                <a:solidFill>
+                  <a:srgbClr val="404040"/>
+                </a:solidFill>
+                <a:latin typeface="Lato"/>
+              </a:rPr>
+              <a:t> </a:t>
+            </a:r>
+            <a:r>
+              <a:rPr lang="ru-RU" altLang="ru-RU" sz="1200" dirty="0" err="1">
+                <a:solidFill>
+                  <a:srgbClr val="404040"/>
+                </a:solidFill>
+                <a:latin typeface="Lato"/>
+              </a:rPr>
+              <a:t>at</a:t>
+            </a:r>
+            <a:r>
+              <a:rPr lang="ru-RU" altLang="ru-RU" sz="1200" dirty="0">
+                <a:solidFill>
+                  <a:srgbClr val="404040"/>
+                </a:solidFill>
+                <a:latin typeface="Lato"/>
+              </a:rPr>
+              <a:t> </a:t>
+            </a:r>
+            <a:r>
+              <a:rPr lang="ru-RU" altLang="ru-RU" sz="1200" dirty="0" err="1">
+                <a:solidFill>
+                  <a:srgbClr val="404040"/>
+                </a:solidFill>
+                <a:latin typeface="Lato"/>
+              </a:rPr>
+              <a:t>least</a:t>
+            </a:r>
+            <a:r>
+              <a:rPr lang="ru-RU" altLang="ru-RU" sz="1200" dirty="0">
+                <a:solidFill>
+                  <a:srgbClr val="404040"/>
+                </a:solidFill>
+                <a:latin typeface="Lato"/>
+              </a:rPr>
+              <a:t> </a:t>
+            </a:r>
+            <a:r>
+              <a:rPr lang="ru-RU" altLang="ru-RU" sz="1200" dirty="0" err="1">
+                <a:solidFill>
+                  <a:srgbClr val="404040"/>
+                </a:solidFill>
+                <a:latin typeface="Lato"/>
+              </a:rPr>
+              <a:t>one</a:t>
+            </a:r>
+            <a:r>
+              <a:rPr lang="ru-RU" altLang="ru-RU" sz="1200" dirty="0">
+                <a:solidFill>
+                  <a:srgbClr val="404040"/>
+                </a:solidFill>
+                <a:latin typeface="Lato"/>
+              </a:rPr>
+              <a:t> </a:t>
+            </a:r>
+            <a:r>
+              <a:rPr lang="ru-RU" altLang="ru-RU" sz="1200" dirty="0" err="1">
+                <a:solidFill>
+                  <a:srgbClr val="404040"/>
+                </a:solidFill>
+                <a:latin typeface="Lato"/>
+              </a:rPr>
+              <a:t>parent</a:t>
+            </a:r>
+            <a:r>
+              <a:rPr lang="ru-RU" altLang="ru-RU" sz="1200" dirty="0">
+                <a:solidFill>
+                  <a:srgbClr val="404040"/>
+                </a:solidFill>
+                <a:latin typeface="Lato"/>
+              </a:rPr>
+              <a:t> </a:t>
+            </a:r>
+            <a:r>
+              <a:rPr lang="ru-RU" altLang="ru-RU" sz="1200" dirty="0" err="1">
+                <a:solidFill>
+                  <a:srgbClr val="404040"/>
+                </a:solidFill>
+                <a:latin typeface="Lato"/>
+              </a:rPr>
+              <a:t>has</a:t>
+            </a:r>
+            <a:r>
+              <a:rPr lang="ru-RU" altLang="ru-RU" sz="1200" dirty="0">
+                <a:solidFill>
+                  <a:srgbClr val="404040"/>
+                </a:solidFill>
+                <a:latin typeface="Lato"/>
+              </a:rPr>
+              <a:t> </a:t>
+            </a:r>
+            <a:r>
+              <a:rPr lang="ru-RU" altLang="ru-RU" sz="1200" dirty="0" err="1">
+                <a:solidFill>
+                  <a:srgbClr val="404040"/>
+                </a:solidFill>
+                <a:latin typeface="Lato"/>
+              </a:rPr>
+              <a:t>failed</a:t>
+            </a:r>
+            <a:r>
+              <a:rPr lang="ru-RU" altLang="ru-RU" sz="1200" dirty="0">
+                <a:solidFill>
+                  <a:srgbClr val="404040"/>
+                </a:solidFill>
+                <a:latin typeface="Lato"/>
+              </a:rPr>
+              <a:t>, </a:t>
+            </a:r>
+            <a:r>
+              <a:rPr lang="ru-RU" altLang="ru-RU" sz="1200" dirty="0" err="1">
+                <a:solidFill>
+                  <a:srgbClr val="404040"/>
+                </a:solidFill>
+                <a:latin typeface="Lato"/>
+              </a:rPr>
+              <a:t>it</a:t>
+            </a:r>
+            <a:r>
+              <a:rPr lang="ru-RU" altLang="ru-RU" sz="1200" dirty="0">
+                <a:solidFill>
+                  <a:srgbClr val="404040"/>
+                </a:solidFill>
+                <a:latin typeface="Lato"/>
+              </a:rPr>
+              <a:t> </a:t>
+            </a:r>
+            <a:r>
+              <a:rPr lang="ru-RU" altLang="ru-RU" sz="1200" dirty="0" err="1">
+                <a:solidFill>
+                  <a:srgbClr val="404040"/>
+                </a:solidFill>
+                <a:latin typeface="Lato"/>
+              </a:rPr>
+              <a:t>does</a:t>
+            </a:r>
+            <a:r>
+              <a:rPr lang="ru-RU" altLang="ru-RU" sz="1200" dirty="0">
+                <a:solidFill>
+                  <a:srgbClr val="404040"/>
+                </a:solidFill>
+                <a:latin typeface="Lato"/>
+              </a:rPr>
+              <a:t> </a:t>
+            </a:r>
+            <a:r>
+              <a:rPr lang="ru-RU" altLang="ru-RU" sz="1200" dirty="0" err="1">
+                <a:solidFill>
+                  <a:srgbClr val="404040"/>
+                </a:solidFill>
+                <a:latin typeface="Lato"/>
+              </a:rPr>
+              <a:t>not</a:t>
+            </a:r>
+            <a:r>
+              <a:rPr lang="ru-RU" altLang="ru-RU" sz="1200" dirty="0">
+                <a:solidFill>
+                  <a:srgbClr val="404040"/>
+                </a:solidFill>
+                <a:latin typeface="Lato"/>
+              </a:rPr>
+              <a:t> </a:t>
+            </a:r>
+            <a:r>
+              <a:rPr lang="ru-RU" altLang="ru-RU" sz="1200" dirty="0" err="1">
+                <a:solidFill>
+                  <a:srgbClr val="404040"/>
+                </a:solidFill>
+                <a:latin typeface="Lato"/>
+              </a:rPr>
+              <a:t>wait</a:t>
+            </a:r>
+            <a:r>
+              <a:rPr lang="ru-RU" altLang="ru-RU" sz="1200" dirty="0">
+                <a:solidFill>
+                  <a:srgbClr val="404040"/>
+                </a:solidFill>
+                <a:latin typeface="Lato"/>
+              </a:rPr>
+              <a:t> </a:t>
+            </a:r>
+            <a:r>
+              <a:rPr lang="ru-RU" altLang="ru-RU" sz="1200" dirty="0" err="1">
+                <a:solidFill>
+                  <a:srgbClr val="404040"/>
+                </a:solidFill>
+                <a:latin typeface="Lato"/>
+              </a:rPr>
+              <a:t>for</a:t>
+            </a:r>
+            <a:r>
+              <a:rPr lang="ru-RU" altLang="ru-RU" sz="1200" dirty="0">
+                <a:solidFill>
+                  <a:srgbClr val="404040"/>
+                </a:solidFill>
+                <a:latin typeface="Lato"/>
+              </a:rPr>
+              <a:t> </a:t>
+            </a:r>
+            <a:r>
+              <a:rPr lang="ru-RU" altLang="ru-RU" sz="1200" dirty="0" err="1">
+                <a:solidFill>
+                  <a:srgbClr val="404040"/>
+                </a:solidFill>
+                <a:latin typeface="Lato"/>
+              </a:rPr>
+              <a:t>all</a:t>
+            </a:r>
+            <a:r>
+              <a:rPr lang="ru-RU" altLang="ru-RU" sz="1200" dirty="0">
+                <a:solidFill>
+                  <a:srgbClr val="404040"/>
+                </a:solidFill>
+                <a:latin typeface="Lato"/>
+              </a:rPr>
+              <a:t> </a:t>
+            </a:r>
+            <a:r>
+              <a:rPr lang="ru-RU" altLang="ru-RU" sz="1200" dirty="0" err="1">
+                <a:solidFill>
+                  <a:srgbClr val="404040"/>
+                </a:solidFill>
+                <a:latin typeface="Lato"/>
+              </a:rPr>
+              <a:t>parents</a:t>
+            </a:r>
+            <a:r>
+              <a:rPr lang="ru-RU" altLang="ru-RU" sz="1200" dirty="0">
+                <a:solidFill>
+                  <a:srgbClr val="404040"/>
+                </a:solidFill>
+                <a:latin typeface="Lato"/>
+              </a:rPr>
+              <a:t> </a:t>
+            </a:r>
+            <a:r>
+              <a:rPr lang="ru-RU" altLang="ru-RU" sz="1200" dirty="0" err="1">
+                <a:solidFill>
+                  <a:srgbClr val="404040"/>
+                </a:solidFill>
+                <a:latin typeface="Lato"/>
+              </a:rPr>
+              <a:t>to</a:t>
+            </a:r>
+            <a:r>
+              <a:rPr lang="ru-RU" altLang="ru-RU" sz="1200" dirty="0">
+                <a:solidFill>
+                  <a:srgbClr val="404040"/>
+                </a:solidFill>
+                <a:latin typeface="Lato"/>
+              </a:rPr>
+              <a:t> </a:t>
+            </a:r>
+            <a:r>
+              <a:rPr lang="ru-RU" altLang="ru-RU" sz="1200" dirty="0" err="1">
+                <a:solidFill>
+                  <a:srgbClr val="404040"/>
+                </a:solidFill>
+                <a:latin typeface="Lato"/>
+              </a:rPr>
+              <a:t>be</a:t>
+            </a:r>
+            <a:r>
+              <a:rPr lang="ru-RU" altLang="ru-RU" sz="1200" dirty="0">
+                <a:solidFill>
+                  <a:srgbClr val="404040"/>
+                </a:solidFill>
+                <a:latin typeface="Lato"/>
+              </a:rPr>
+              <a:t> </a:t>
+            </a:r>
+            <a:r>
+              <a:rPr lang="ru-RU" altLang="ru-RU" sz="1200" dirty="0" err="1">
+                <a:solidFill>
+                  <a:srgbClr val="404040"/>
+                </a:solidFill>
+                <a:latin typeface="Lato"/>
+              </a:rPr>
+              <a:t>done</a:t>
+            </a:r>
+            <a:endParaRPr lang="ru-RU" altLang="ru-RU" sz="1200" dirty="0">
+              <a:solidFill>
+                <a:srgbClr val="404040"/>
+              </a:solidFill>
+              <a:latin typeface="Lato"/>
+            </a:endParaRPr>
+          </a:p>
+          <a:p>
+            <a:pPr eaLnBrk="0" fontAlgn="base" hangingPunct="0">
+              <a:lnSpc>
+                <a:spcPct val="100000"/>
+              </a:lnSpc>
+              <a:spcBef>
+                <a:spcPct val="0"/>
+              </a:spcBef>
+              <a:spcAft>
+                <a:spcPct val="0"/>
+              </a:spcAft>
+              <a:buClrTx/>
+              <a:buSzTx/>
+            </a:pPr>
+            <a:r>
+              <a:rPr lang="ru-RU" altLang="ru-RU" sz="900" dirty="0" err="1">
+                <a:solidFill>
+                  <a:srgbClr val="E74C3C"/>
+                </a:solidFill>
+                <a:latin typeface="SFMono-Regular"/>
+              </a:rPr>
+              <a:t>one_success</a:t>
+            </a:r>
+            <a:r>
+              <a:rPr lang="ru-RU" altLang="ru-RU" sz="1200" dirty="0">
+                <a:solidFill>
+                  <a:srgbClr val="404040"/>
+                </a:solidFill>
+                <a:latin typeface="Lato"/>
+              </a:rPr>
+              <a:t>: </a:t>
+            </a:r>
+            <a:r>
+              <a:rPr lang="ru-RU" altLang="ru-RU" sz="1200" dirty="0" err="1">
+                <a:solidFill>
+                  <a:srgbClr val="404040"/>
+                </a:solidFill>
+                <a:latin typeface="Lato"/>
+              </a:rPr>
+              <a:t>fires</a:t>
+            </a:r>
+            <a:r>
+              <a:rPr lang="ru-RU" altLang="ru-RU" sz="1200" dirty="0">
+                <a:solidFill>
+                  <a:srgbClr val="404040"/>
+                </a:solidFill>
+                <a:latin typeface="Lato"/>
+              </a:rPr>
+              <a:t> </a:t>
+            </a:r>
+            <a:r>
+              <a:rPr lang="ru-RU" altLang="ru-RU" sz="1200" dirty="0" err="1">
+                <a:solidFill>
+                  <a:srgbClr val="404040"/>
+                </a:solidFill>
+                <a:latin typeface="Lato"/>
+              </a:rPr>
+              <a:t>as</a:t>
+            </a:r>
+            <a:r>
+              <a:rPr lang="ru-RU" altLang="ru-RU" sz="1200" dirty="0">
+                <a:solidFill>
+                  <a:srgbClr val="404040"/>
+                </a:solidFill>
+                <a:latin typeface="Lato"/>
+              </a:rPr>
+              <a:t> </a:t>
+            </a:r>
+            <a:r>
+              <a:rPr lang="ru-RU" altLang="ru-RU" sz="1200" dirty="0" err="1">
+                <a:solidFill>
+                  <a:srgbClr val="404040"/>
+                </a:solidFill>
+                <a:latin typeface="Lato"/>
+              </a:rPr>
+              <a:t>soon</a:t>
+            </a:r>
+            <a:r>
+              <a:rPr lang="ru-RU" altLang="ru-RU" sz="1200" dirty="0">
+                <a:solidFill>
+                  <a:srgbClr val="404040"/>
+                </a:solidFill>
+                <a:latin typeface="Lato"/>
+              </a:rPr>
+              <a:t> </a:t>
+            </a:r>
+            <a:r>
+              <a:rPr lang="ru-RU" altLang="ru-RU" sz="1200" dirty="0" err="1">
+                <a:solidFill>
+                  <a:srgbClr val="404040"/>
+                </a:solidFill>
+                <a:latin typeface="Lato"/>
+              </a:rPr>
+              <a:t>as</a:t>
+            </a:r>
+            <a:r>
+              <a:rPr lang="ru-RU" altLang="ru-RU" sz="1200" dirty="0">
+                <a:solidFill>
+                  <a:srgbClr val="404040"/>
+                </a:solidFill>
+                <a:latin typeface="Lato"/>
+              </a:rPr>
+              <a:t> </a:t>
+            </a:r>
+            <a:r>
+              <a:rPr lang="ru-RU" altLang="ru-RU" sz="1200" dirty="0" err="1">
+                <a:solidFill>
+                  <a:srgbClr val="404040"/>
+                </a:solidFill>
+                <a:latin typeface="Lato"/>
+              </a:rPr>
+              <a:t>at</a:t>
+            </a:r>
+            <a:r>
+              <a:rPr lang="ru-RU" altLang="ru-RU" sz="1200" dirty="0">
+                <a:solidFill>
+                  <a:srgbClr val="404040"/>
+                </a:solidFill>
+                <a:latin typeface="Lato"/>
+              </a:rPr>
+              <a:t> </a:t>
+            </a:r>
+            <a:r>
+              <a:rPr lang="ru-RU" altLang="ru-RU" sz="1200" dirty="0" err="1">
+                <a:solidFill>
+                  <a:srgbClr val="404040"/>
+                </a:solidFill>
+                <a:latin typeface="Lato"/>
+              </a:rPr>
+              <a:t>least</a:t>
+            </a:r>
+            <a:r>
+              <a:rPr lang="ru-RU" altLang="ru-RU" sz="1200" dirty="0">
+                <a:solidFill>
+                  <a:srgbClr val="404040"/>
+                </a:solidFill>
+                <a:latin typeface="Lato"/>
+              </a:rPr>
+              <a:t> </a:t>
+            </a:r>
+            <a:r>
+              <a:rPr lang="ru-RU" altLang="ru-RU" sz="1200" dirty="0" err="1">
+                <a:solidFill>
+                  <a:srgbClr val="404040"/>
+                </a:solidFill>
+                <a:latin typeface="Lato"/>
+              </a:rPr>
+              <a:t>one</a:t>
+            </a:r>
+            <a:r>
+              <a:rPr lang="ru-RU" altLang="ru-RU" sz="1200" dirty="0">
+                <a:solidFill>
+                  <a:srgbClr val="404040"/>
+                </a:solidFill>
+                <a:latin typeface="Lato"/>
+              </a:rPr>
+              <a:t> </a:t>
+            </a:r>
+            <a:r>
+              <a:rPr lang="ru-RU" altLang="ru-RU" sz="1200" dirty="0" err="1">
+                <a:solidFill>
+                  <a:srgbClr val="404040"/>
+                </a:solidFill>
+                <a:latin typeface="Lato"/>
+              </a:rPr>
+              <a:t>parent</a:t>
+            </a:r>
+            <a:r>
+              <a:rPr lang="ru-RU" altLang="ru-RU" sz="1200" dirty="0">
+                <a:solidFill>
+                  <a:srgbClr val="404040"/>
+                </a:solidFill>
+                <a:latin typeface="Lato"/>
+              </a:rPr>
+              <a:t> </a:t>
+            </a:r>
+            <a:r>
+              <a:rPr lang="ru-RU" altLang="ru-RU" sz="1200" dirty="0" err="1">
+                <a:solidFill>
+                  <a:srgbClr val="404040"/>
+                </a:solidFill>
+                <a:latin typeface="Lato"/>
+              </a:rPr>
+              <a:t>succeeds</a:t>
+            </a:r>
+            <a:r>
+              <a:rPr lang="ru-RU" altLang="ru-RU" sz="1200" dirty="0">
+                <a:solidFill>
+                  <a:srgbClr val="404040"/>
+                </a:solidFill>
+                <a:latin typeface="Lato"/>
+              </a:rPr>
+              <a:t>, </a:t>
+            </a:r>
+            <a:r>
+              <a:rPr lang="ru-RU" altLang="ru-RU" sz="1200" dirty="0" err="1">
+                <a:solidFill>
+                  <a:srgbClr val="404040"/>
+                </a:solidFill>
+                <a:latin typeface="Lato"/>
+              </a:rPr>
+              <a:t>it</a:t>
+            </a:r>
+            <a:r>
+              <a:rPr lang="ru-RU" altLang="ru-RU" sz="1200" dirty="0">
+                <a:solidFill>
+                  <a:srgbClr val="404040"/>
+                </a:solidFill>
+                <a:latin typeface="Lato"/>
+              </a:rPr>
+              <a:t> </a:t>
+            </a:r>
+            <a:r>
+              <a:rPr lang="ru-RU" altLang="ru-RU" sz="1200" dirty="0" err="1">
+                <a:solidFill>
+                  <a:srgbClr val="404040"/>
+                </a:solidFill>
+                <a:latin typeface="Lato"/>
+              </a:rPr>
+              <a:t>does</a:t>
+            </a:r>
+            <a:r>
+              <a:rPr lang="ru-RU" altLang="ru-RU" sz="1200" dirty="0">
+                <a:solidFill>
+                  <a:srgbClr val="404040"/>
+                </a:solidFill>
+                <a:latin typeface="Lato"/>
+              </a:rPr>
+              <a:t> </a:t>
+            </a:r>
+            <a:r>
+              <a:rPr lang="ru-RU" altLang="ru-RU" sz="1200" dirty="0" err="1">
+                <a:solidFill>
+                  <a:srgbClr val="404040"/>
+                </a:solidFill>
+                <a:latin typeface="Lato"/>
+              </a:rPr>
+              <a:t>not</a:t>
+            </a:r>
+            <a:r>
+              <a:rPr lang="ru-RU" altLang="ru-RU" sz="1200" dirty="0">
+                <a:solidFill>
+                  <a:srgbClr val="404040"/>
+                </a:solidFill>
+                <a:latin typeface="Lato"/>
+              </a:rPr>
+              <a:t> </a:t>
+            </a:r>
+            <a:r>
+              <a:rPr lang="ru-RU" altLang="ru-RU" sz="1200" dirty="0" err="1">
+                <a:solidFill>
+                  <a:srgbClr val="404040"/>
+                </a:solidFill>
+                <a:latin typeface="Lato"/>
+              </a:rPr>
+              <a:t>wait</a:t>
+            </a:r>
+            <a:r>
+              <a:rPr lang="ru-RU" altLang="ru-RU" sz="1200" dirty="0">
+                <a:solidFill>
+                  <a:srgbClr val="404040"/>
+                </a:solidFill>
+                <a:latin typeface="Lato"/>
+              </a:rPr>
+              <a:t> </a:t>
+            </a:r>
+            <a:r>
+              <a:rPr lang="ru-RU" altLang="ru-RU" sz="1200" dirty="0" err="1">
+                <a:solidFill>
+                  <a:srgbClr val="404040"/>
+                </a:solidFill>
+                <a:latin typeface="Lato"/>
+              </a:rPr>
+              <a:t>for</a:t>
+            </a:r>
+            <a:r>
+              <a:rPr lang="ru-RU" altLang="ru-RU" sz="1200" dirty="0">
+                <a:solidFill>
+                  <a:srgbClr val="404040"/>
+                </a:solidFill>
+                <a:latin typeface="Lato"/>
+              </a:rPr>
+              <a:t> </a:t>
+            </a:r>
+            <a:r>
+              <a:rPr lang="ru-RU" altLang="ru-RU" sz="1200" dirty="0" err="1">
+                <a:solidFill>
+                  <a:srgbClr val="404040"/>
+                </a:solidFill>
+                <a:latin typeface="Lato"/>
+              </a:rPr>
+              <a:t>all</a:t>
+            </a:r>
+            <a:r>
+              <a:rPr lang="ru-RU" altLang="ru-RU" sz="1200" dirty="0">
+                <a:solidFill>
+                  <a:srgbClr val="404040"/>
+                </a:solidFill>
+                <a:latin typeface="Lato"/>
+              </a:rPr>
+              <a:t> </a:t>
+            </a:r>
+            <a:r>
+              <a:rPr lang="ru-RU" altLang="ru-RU" sz="1200" dirty="0" err="1">
+                <a:solidFill>
+                  <a:srgbClr val="404040"/>
+                </a:solidFill>
+                <a:latin typeface="Lato"/>
+              </a:rPr>
+              <a:t>parents</a:t>
+            </a:r>
+            <a:r>
+              <a:rPr lang="ru-RU" altLang="ru-RU" sz="1200" dirty="0">
+                <a:solidFill>
+                  <a:srgbClr val="404040"/>
+                </a:solidFill>
+                <a:latin typeface="Lato"/>
+              </a:rPr>
+              <a:t> </a:t>
+            </a:r>
+            <a:r>
+              <a:rPr lang="ru-RU" altLang="ru-RU" sz="1200" dirty="0" err="1">
+                <a:solidFill>
+                  <a:srgbClr val="404040"/>
+                </a:solidFill>
+                <a:latin typeface="Lato"/>
+              </a:rPr>
+              <a:t>to</a:t>
+            </a:r>
+            <a:r>
+              <a:rPr lang="ru-RU" altLang="ru-RU" sz="1200" dirty="0">
+                <a:solidFill>
+                  <a:srgbClr val="404040"/>
+                </a:solidFill>
+                <a:latin typeface="Lato"/>
+              </a:rPr>
+              <a:t> </a:t>
+            </a:r>
+            <a:r>
+              <a:rPr lang="ru-RU" altLang="ru-RU" sz="1200" dirty="0" err="1">
+                <a:solidFill>
+                  <a:srgbClr val="404040"/>
+                </a:solidFill>
+                <a:latin typeface="Lato"/>
+              </a:rPr>
+              <a:t>be</a:t>
+            </a:r>
+            <a:r>
+              <a:rPr lang="ru-RU" altLang="ru-RU" sz="1200" dirty="0">
+                <a:solidFill>
+                  <a:srgbClr val="404040"/>
+                </a:solidFill>
+                <a:latin typeface="Lato"/>
+              </a:rPr>
+              <a:t> </a:t>
+            </a:r>
+            <a:r>
+              <a:rPr lang="ru-RU" altLang="ru-RU" sz="1200" dirty="0" err="1">
+                <a:solidFill>
+                  <a:srgbClr val="404040"/>
+                </a:solidFill>
+                <a:latin typeface="Lato"/>
+              </a:rPr>
+              <a:t>done</a:t>
+            </a:r>
+            <a:endParaRPr lang="ru-RU" altLang="ru-RU" sz="1200" dirty="0">
+              <a:solidFill>
+                <a:srgbClr val="404040"/>
+              </a:solidFill>
+              <a:latin typeface="Lato"/>
+            </a:endParaRPr>
+          </a:p>
+          <a:p>
+            <a:pPr eaLnBrk="0" fontAlgn="base" hangingPunct="0">
+              <a:lnSpc>
+                <a:spcPct val="100000"/>
+              </a:lnSpc>
+              <a:spcBef>
+                <a:spcPct val="0"/>
+              </a:spcBef>
+              <a:spcAft>
+                <a:spcPct val="0"/>
+              </a:spcAft>
+              <a:buClrTx/>
+              <a:buSzTx/>
+            </a:pPr>
+            <a:r>
+              <a:rPr lang="ru-RU" altLang="ru-RU" sz="900" dirty="0" err="1">
+                <a:solidFill>
+                  <a:srgbClr val="E74C3C"/>
+                </a:solidFill>
+                <a:latin typeface="SFMono-Regular"/>
+              </a:rPr>
+              <a:t>none_failed</a:t>
+            </a:r>
+            <a:r>
+              <a:rPr lang="ru-RU" altLang="ru-RU" sz="1200" dirty="0">
+                <a:solidFill>
+                  <a:srgbClr val="404040"/>
+                </a:solidFill>
+                <a:latin typeface="Lato"/>
+              </a:rPr>
+              <a:t>: </a:t>
+            </a:r>
+            <a:r>
+              <a:rPr lang="ru-RU" altLang="ru-RU" sz="1200" dirty="0" err="1">
+                <a:solidFill>
+                  <a:srgbClr val="404040"/>
+                </a:solidFill>
+                <a:latin typeface="Lato"/>
+              </a:rPr>
+              <a:t>all</a:t>
+            </a:r>
+            <a:r>
+              <a:rPr lang="ru-RU" altLang="ru-RU" sz="1200" dirty="0">
+                <a:solidFill>
+                  <a:srgbClr val="404040"/>
+                </a:solidFill>
+                <a:latin typeface="Lato"/>
+              </a:rPr>
+              <a:t> </a:t>
+            </a:r>
+            <a:r>
+              <a:rPr lang="ru-RU" altLang="ru-RU" sz="1200" dirty="0" err="1">
+                <a:solidFill>
+                  <a:srgbClr val="404040"/>
+                </a:solidFill>
+                <a:latin typeface="Lato"/>
+              </a:rPr>
+              <a:t>parents</a:t>
+            </a:r>
+            <a:r>
+              <a:rPr lang="ru-RU" altLang="ru-RU" sz="1200" dirty="0">
+                <a:solidFill>
+                  <a:srgbClr val="404040"/>
+                </a:solidFill>
+                <a:latin typeface="Lato"/>
+              </a:rPr>
+              <a:t> </a:t>
+            </a:r>
+            <a:r>
+              <a:rPr lang="ru-RU" altLang="ru-RU" sz="1200" dirty="0" err="1">
+                <a:solidFill>
+                  <a:srgbClr val="404040"/>
+                </a:solidFill>
+                <a:latin typeface="Lato"/>
+              </a:rPr>
+              <a:t>have</a:t>
+            </a:r>
+            <a:r>
+              <a:rPr lang="ru-RU" altLang="ru-RU" sz="1200" dirty="0">
+                <a:solidFill>
+                  <a:srgbClr val="404040"/>
+                </a:solidFill>
+                <a:latin typeface="Lato"/>
+              </a:rPr>
+              <a:t> </a:t>
+            </a:r>
+            <a:r>
+              <a:rPr lang="ru-RU" altLang="ru-RU" sz="1200" dirty="0" err="1">
+                <a:solidFill>
+                  <a:srgbClr val="404040"/>
+                </a:solidFill>
+                <a:latin typeface="Lato"/>
+              </a:rPr>
+              <a:t>not</a:t>
+            </a:r>
+            <a:r>
+              <a:rPr lang="ru-RU" altLang="ru-RU" sz="1200" dirty="0">
+                <a:solidFill>
+                  <a:srgbClr val="404040"/>
+                </a:solidFill>
+                <a:latin typeface="Lato"/>
+              </a:rPr>
+              <a:t> </a:t>
+            </a:r>
+            <a:r>
+              <a:rPr lang="ru-RU" altLang="ru-RU" sz="1200" dirty="0" err="1">
+                <a:solidFill>
+                  <a:srgbClr val="404040"/>
+                </a:solidFill>
+                <a:latin typeface="Lato"/>
+              </a:rPr>
+              <a:t>failed</a:t>
+            </a:r>
+            <a:r>
+              <a:rPr lang="ru-RU" altLang="ru-RU" sz="1200" dirty="0">
+                <a:solidFill>
+                  <a:srgbClr val="404040"/>
+                </a:solidFill>
+                <a:latin typeface="Lato"/>
+              </a:rPr>
+              <a:t> (</a:t>
+            </a:r>
+            <a:r>
+              <a:rPr lang="ru-RU" altLang="ru-RU" sz="900" dirty="0" err="1">
+                <a:solidFill>
+                  <a:srgbClr val="E74C3C"/>
+                </a:solidFill>
+                <a:latin typeface="SFMono-Regular"/>
+              </a:rPr>
+              <a:t>failed</a:t>
+            </a:r>
+            <a:r>
+              <a:rPr lang="ru-RU" altLang="ru-RU" sz="1200" dirty="0">
+                <a:solidFill>
+                  <a:srgbClr val="404040"/>
+                </a:solidFill>
+                <a:latin typeface="Lato"/>
+              </a:rPr>
+              <a:t> </a:t>
+            </a:r>
+            <a:r>
+              <a:rPr lang="ru-RU" altLang="ru-RU" sz="1200" dirty="0" err="1">
+                <a:solidFill>
+                  <a:srgbClr val="404040"/>
+                </a:solidFill>
+                <a:latin typeface="Lato"/>
+              </a:rPr>
+              <a:t>or</a:t>
+            </a:r>
+            <a:r>
+              <a:rPr lang="ru-RU" altLang="ru-RU" sz="1200" dirty="0">
+                <a:solidFill>
+                  <a:srgbClr val="404040"/>
+                </a:solidFill>
+                <a:latin typeface="Lato"/>
+              </a:rPr>
+              <a:t> </a:t>
+            </a:r>
+            <a:r>
+              <a:rPr lang="ru-RU" altLang="ru-RU" sz="900" dirty="0" err="1">
+                <a:solidFill>
+                  <a:srgbClr val="E74C3C"/>
+                </a:solidFill>
+                <a:latin typeface="SFMono-Regular"/>
+              </a:rPr>
+              <a:t>upstream_failed</a:t>
+            </a:r>
+            <a:r>
+              <a:rPr lang="ru-RU" altLang="ru-RU" sz="1200" dirty="0">
+                <a:solidFill>
+                  <a:srgbClr val="404040"/>
+                </a:solidFill>
+                <a:latin typeface="Lato"/>
+              </a:rPr>
+              <a:t>) </a:t>
+            </a:r>
+            <a:r>
+              <a:rPr lang="ru-RU" altLang="ru-RU" sz="1200" dirty="0" err="1">
+                <a:solidFill>
+                  <a:srgbClr val="404040"/>
+                </a:solidFill>
+                <a:latin typeface="Lato"/>
+              </a:rPr>
+              <a:t>i.e</a:t>
+            </a:r>
+            <a:r>
+              <a:rPr lang="ru-RU" altLang="ru-RU" sz="1200" dirty="0">
+                <a:solidFill>
+                  <a:srgbClr val="404040"/>
+                </a:solidFill>
+                <a:latin typeface="Lato"/>
+              </a:rPr>
+              <a:t>. </a:t>
+            </a:r>
+            <a:r>
+              <a:rPr lang="ru-RU" altLang="ru-RU" sz="1200" dirty="0" err="1">
+                <a:solidFill>
+                  <a:srgbClr val="404040"/>
+                </a:solidFill>
+                <a:latin typeface="Lato"/>
+              </a:rPr>
+              <a:t>all</a:t>
+            </a:r>
+            <a:r>
+              <a:rPr lang="ru-RU" altLang="ru-RU" sz="1200" dirty="0">
+                <a:solidFill>
+                  <a:srgbClr val="404040"/>
+                </a:solidFill>
+                <a:latin typeface="Lato"/>
+              </a:rPr>
+              <a:t> </a:t>
+            </a:r>
+            <a:r>
+              <a:rPr lang="ru-RU" altLang="ru-RU" sz="1200" dirty="0" err="1">
+                <a:solidFill>
+                  <a:srgbClr val="404040"/>
+                </a:solidFill>
+                <a:latin typeface="Lato"/>
+              </a:rPr>
+              <a:t>parents</a:t>
+            </a:r>
+            <a:r>
+              <a:rPr lang="ru-RU" altLang="ru-RU" sz="1200" dirty="0">
+                <a:solidFill>
+                  <a:srgbClr val="404040"/>
+                </a:solidFill>
+                <a:latin typeface="Lato"/>
+              </a:rPr>
+              <a:t> </a:t>
+            </a:r>
+            <a:r>
+              <a:rPr lang="ru-RU" altLang="ru-RU" sz="1200" dirty="0" err="1">
+                <a:solidFill>
+                  <a:srgbClr val="404040"/>
+                </a:solidFill>
+                <a:latin typeface="Lato"/>
+              </a:rPr>
+              <a:t>have</a:t>
+            </a:r>
+            <a:r>
+              <a:rPr lang="ru-RU" altLang="ru-RU" sz="1200" dirty="0">
+                <a:solidFill>
+                  <a:srgbClr val="404040"/>
+                </a:solidFill>
+                <a:latin typeface="Lato"/>
+              </a:rPr>
+              <a:t> </a:t>
+            </a:r>
+            <a:r>
+              <a:rPr lang="ru-RU" altLang="ru-RU" sz="1200" dirty="0" err="1">
+                <a:solidFill>
+                  <a:srgbClr val="404040"/>
+                </a:solidFill>
+                <a:latin typeface="Lato"/>
+              </a:rPr>
+              <a:t>succeeded</a:t>
+            </a:r>
+            <a:r>
+              <a:rPr lang="ru-RU" altLang="ru-RU" sz="1200" dirty="0">
+                <a:solidFill>
+                  <a:srgbClr val="404040"/>
+                </a:solidFill>
+                <a:latin typeface="Lato"/>
+              </a:rPr>
+              <a:t> </a:t>
+            </a:r>
+            <a:r>
+              <a:rPr lang="ru-RU" altLang="ru-RU" sz="1200" dirty="0" err="1">
+                <a:solidFill>
+                  <a:srgbClr val="404040"/>
+                </a:solidFill>
+                <a:latin typeface="Lato"/>
+              </a:rPr>
+              <a:t>or</a:t>
+            </a:r>
+            <a:r>
+              <a:rPr lang="ru-RU" altLang="ru-RU" sz="1200" dirty="0">
+                <a:solidFill>
+                  <a:srgbClr val="404040"/>
+                </a:solidFill>
+                <a:latin typeface="Lato"/>
+              </a:rPr>
+              <a:t> </a:t>
+            </a:r>
+            <a:r>
+              <a:rPr lang="ru-RU" altLang="ru-RU" sz="1200" dirty="0" err="1">
+                <a:solidFill>
+                  <a:srgbClr val="404040"/>
+                </a:solidFill>
+                <a:latin typeface="Lato"/>
+              </a:rPr>
+              <a:t>been</a:t>
+            </a:r>
+            <a:r>
+              <a:rPr lang="ru-RU" altLang="ru-RU" sz="1200" dirty="0">
+                <a:solidFill>
+                  <a:srgbClr val="404040"/>
+                </a:solidFill>
+                <a:latin typeface="Lato"/>
+              </a:rPr>
+              <a:t> </a:t>
+            </a:r>
+            <a:r>
+              <a:rPr lang="ru-RU" altLang="ru-RU" sz="1200" dirty="0" err="1">
+                <a:solidFill>
+                  <a:srgbClr val="404040"/>
+                </a:solidFill>
+                <a:latin typeface="Lato"/>
+              </a:rPr>
+              <a:t>skipped</a:t>
+            </a:r>
+            <a:endParaRPr lang="ru-RU" altLang="ru-RU" sz="1200" dirty="0">
+              <a:solidFill>
+                <a:srgbClr val="404040"/>
+              </a:solidFill>
+              <a:latin typeface="Lato"/>
+            </a:endParaRPr>
+          </a:p>
+          <a:p>
+            <a:pPr eaLnBrk="0" fontAlgn="base" hangingPunct="0">
+              <a:lnSpc>
+                <a:spcPct val="100000"/>
+              </a:lnSpc>
+              <a:spcBef>
+                <a:spcPct val="0"/>
+              </a:spcBef>
+              <a:spcAft>
+                <a:spcPct val="0"/>
+              </a:spcAft>
+              <a:buClrTx/>
+              <a:buSzTx/>
+            </a:pPr>
+            <a:r>
+              <a:rPr lang="ru-RU" altLang="ru-RU" sz="900" dirty="0" err="1">
+                <a:solidFill>
+                  <a:srgbClr val="E74C3C"/>
+                </a:solidFill>
+                <a:latin typeface="SFMono-Regular"/>
+              </a:rPr>
+              <a:t>none_skipped</a:t>
+            </a:r>
+            <a:r>
+              <a:rPr lang="ru-RU" altLang="ru-RU" sz="1200" dirty="0">
+                <a:solidFill>
+                  <a:srgbClr val="404040"/>
+                </a:solidFill>
+                <a:latin typeface="Lato"/>
+              </a:rPr>
+              <a:t>: </a:t>
+            </a:r>
+            <a:r>
+              <a:rPr lang="ru-RU" altLang="ru-RU" sz="1200" dirty="0" err="1">
+                <a:solidFill>
+                  <a:srgbClr val="404040"/>
+                </a:solidFill>
+                <a:latin typeface="Lato"/>
+              </a:rPr>
+              <a:t>no</a:t>
+            </a:r>
+            <a:r>
+              <a:rPr lang="ru-RU" altLang="ru-RU" sz="1200" dirty="0">
+                <a:solidFill>
+                  <a:srgbClr val="404040"/>
+                </a:solidFill>
+                <a:latin typeface="Lato"/>
+              </a:rPr>
+              <a:t> </a:t>
+            </a:r>
+            <a:r>
+              <a:rPr lang="ru-RU" altLang="ru-RU" sz="1200" dirty="0" err="1">
+                <a:solidFill>
+                  <a:srgbClr val="404040"/>
+                </a:solidFill>
+                <a:latin typeface="Lato"/>
+              </a:rPr>
+              <a:t>parent</a:t>
+            </a:r>
+            <a:r>
+              <a:rPr lang="ru-RU" altLang="ru-RU" sz="1200" dirty="0">
+                <a:solidFill>
+                  <a:srgbClr val="404040"/>
+                </a:solidFill>
+                <a:latin typeface="Lato"/>
+              </a:rPr>
+              <a:t> </a:t>
+            </a:r>
+            <a:r>
+              <a:rPr lang="ru-RU" altLang="ru-RU" sz="1200" dirty="0" err="1">
+                <a:solidFill>
+                  <a:srgbClr val="404040"/>
+                </a:solidFill>
+                <a:latin typeface="Lato"/>
+              </a:rPr>
+              <a:t>is</a:t>
+            </a:r>
+            <a:r>
+              <a:rPr lang="ru-RU" altLang="ru-RU" sz="1200" dirty="0">
+                <a:solidFill>
+                  <a:srgbClr val="404040"/>
+                </a:solidFill>
+                <a:latin typeface="Lato"/>
+              </a:rPr>
+              <a:t> </a:t>
+            </a:r>
+            <a:r>
+              <a:rPr lang="ru-RU" altLang="ru-RU" sz="1200" dirty="0" err="1">
+                <a:solidFill>
+                  <a:srgbClr val="404040"/>
+                </a:solidFill>
+                <a:latin typeface="Lato"/>
+              </a:rPr>
+              <a:t>in</a:t>
+            </a:r>
+            <a:r>
+              <a:rPr lang="ru-RU" altLang="ru-RU" sz="1200" dirty="0">
+                <a:solidFill>
+                  <a:srgbClr val="404040"/>
+                </a:solidFill>
+                <a:latin typeface="Lato"/>
+              </a:rPr>
+              <a:t> a </a:t>
+            </a:r>
+            <a:r>
+              <a:rPr lang="ru-RU" altLang="ru-RU" sz="900" dirty="0" err="1">
+                <a:solidFill>
+                  <a:srgbClr val="E74C3C"/>
+                </a:solidFill>
+                <a:latin typeface="SFMono-Regular"/>
+              </a:rPr>
+              <a:t>skipped</a:t>
+            </a:r>
+            <a:r>
+              <a:rPr lang="ru-RU" altLang="ru-RU" sz="1200" dirty="0">
+                <a:solidFill>
+                  <a:srgbClr val="404040"/>
+                </a:solidFill>
+                <a:latin typeface="Lato"/>
+              </a:rPr>
+              <a:t> </a:t>
+            </a:r>
+            <a:r>
+              <a:rPr lang="ru-RU" altLang="ru-RU" sz="1200" dirty="0" err="1">
+                <a:solidFill>
+                  <a:srgbClr val="404040"/>
+                </a:solidFill>
+                <a:latin typeface="Lato"/>
+              </a:rPr>
+              <a:t>state</a:t>
+            </a:r>
+            <a:r>
+              <a:rPr lang="ru-RU" altLang="ru-RU" sz="1200" dirty="0">
+                <a:solidFill>
+                  <a:srgbClr val="404040"/>
+                </a:solidFill>
+                <a:latin typeface="Lato"/>
+              </a:rPr>
+              <a:t>, </a:t>
+            </a:r>
+            <a:r>
+              <a:rPr lang="ru-RU" altLang="ru-RU" sz="1200" dirty="0" err="1">
+                <a:solidFill>
+                  <a:srgbClr val="404040"/>
+                </a:solidFill>
+                <a:latin typeface="Lato"/>
+              </a:rPr>
+              <a:t>i.e</a:t>
+            </a:r>
+            <a:r>
+              <a:rPr lang="ru-RU" altLang="ru-RU" sz="1200" dirty="0">
+                <a:solidFill>
+                  <a:srgbClr val="404040"/>
+                </a:solidFill>
+                <a:latin typeface="Lato"/>
+              </a:rPr>
+              <a:t>. </a:t>
+            </a:r>
+            <a:r>
+              <a:rPr lang="ru-RU" altLang="ru-RU" sz="1200" dirty="0" err="1">
+                <a:solidFill>
+                  <a:srgbClr val="404040"/>
+                </a:solidFill>
+                <a:latin typeface="Lato"/>
+              </a:rPr>
+              <a:t>all</a:t>
+            </a:r>
+            <a:r>
+              <a:rPr lang="ru-RU" altLang="ru-RU" sz="1200" dirty="0">
+                <a:solidFill>
+                  <a:srgbClr val="404040"/>
+                </a:solidFill>
+                <a:latin typeface="Lato"/>
+              </a:rPr>
+              <a:t> </a:t>
+            </a:r>
+            <a:r>
+              <a:rPr lang="ru-RU" altLang="ru-RU" sz="1200" dirty="0" err="1">
+                <a:solidFill>
+                  <a:srgbClr val="404040"/>
+                </a:solidFill>
+                <a:latin typeface="Lato"/>
+              </a:rPr>
+              <a:t>parents</a:t>
+            </a:r>
+            <a:r>
+              <a:rPr lang="ru-RU" altLang="ru-RU" sz="1200" dirty="0">
+                <a:solidFill>
+                  <a:srgbClr val="404040"/>
+                </a:solidFill>
+                <a:latin typeface="Lato"/>
+              </a:rPr>
+              <a:t> </a:t>
+            </a:r>
+            <a:r>
+              <a:rPr lang="ru-RU" altLang="ru-RU" sz="1200" dirty="0" err="1">
+                <a:solidFill>
+                  <a:srgbClr val="404040"/>
+                </a:solidFill>
+                <a:latin typeface="Lato"/>
+              </a:rPr>
+              <a:t>are</a:t>
+            </a:r>
+            <a:r>
+              <a:rPr lang="ru-RU" altLang="ru-RU" sz="1200" dirty="0">
+                <a:solidFill>
+                  <a:srgbClr val="404040"/>
+                </a:solidFill>
+                <a:latin typeface="Lato"/>
+              </a:rPr>
+              <a:t> </a:t>
+            </a:r>
+            <a:r>
+              <a:rPr lang="ru-RU" altLang="ru-RU" sz="1200" dirty="0" err="1">
+                <a:solidFill>
+                  <a:srgbClr val="404040"/>
+                </a:solidFill>
+                <a:latin typeface="Lato"/>
+              </a:rPr>
+              <a:t>in</a:t>
+            </a:r>
+            <a:r>
+              <a:rPr lang="ru-RU" altLang="ru-RU" sz="1200" dirty="0">
+                <a:solidFill>
+                  <a:srgbClr val="404040"/>
+                </a:solidFill>
+                <a:latin typeface="Lato"/>
+              </a:rPr>
+              <a:t> a </a:t>
+            </a:r>
+            <a:r>
+              <a:rPr lang="ru-RU" altLang="ru-RU" sz="900" dirty="0" err="1">
+                <a:solidFill>
+                  <a:srgbClr val="E74C3C"/>
+                </a:solidFill>
+                <a:latin typeface="SFMono-Regular"/>
+              </a:rPr>
+              <a:t>success</a:t>
+            </a:r>
+            <a:r>
+              <a:rPr lang="ru-RU" altLang="ru-RU" sz="1200" dirty="0">
+                <a:solidFill>
+                  <a:srgbClr val="404040"/>
+                </a:solidFill>
+                <a:latin typeface="Lato"/>
+              </a:rPr>
+              <a:t>, </a:t>
+            </a:r>
+            <a:r>
+              <a:rPr lang="ru-RU" altLang="ru-RU" sz="900" dirty="0" err="1">
+                <a:solidFill>
+                  <a:srgbClr val="E74C3C"/>
+                </a:solidFill>
+                <a:latin typeface="SFMono-Regular"/>
+              </a:rPr>
+              <a:t>failed</a:t>
+            </a:r>
+            <a:r>
+              <a:rPr lang="ru-RU" altLang="ru-RU" sz="1200" dirty="0">
+                <a:solidFill>
+                  <a:srgbClr val="404040"/>
+                </a:solidFill>
+                <a:latin typeface="Lato"/>
+              </a:rPr>
+              <a:t>, </a:t>
+            </a:r>
+            <a:r>
+              <a:rPr lang="ru-RU" altLang="ru-RU" sz="1200" dirty="0" err="1">
+                <a:solidFill>
+                  <a:srgbClr val="404040"/>
+                </a:solidFill>
+                <a:latin typeface="Lato"/>
+              </a:rPr>
+              <a:t>or</a:t>
+            </a:r>
+            <a:r>
+              <a:rPr lang="ru-RU" altLang="ru-RU" sz="1200" dirty="0">
+                <a:solidFill>
+                  <a:srgbClr val="404040"/>
+                </a:solidFill>
+                <a:latin typeface="Lato"/>
+              </a:rPr>
+              <a:t> </a:t>
+            </a:r>
+            <a:r>
+              <a:rPr lang="ru-RU" altLang="ru-RU" sz="900" dirty="0" err="1">
+                <a:solidFill>
+                  <a:srgbClr val="E74C3C"/>
+                </a:solidFill>
+                <a:latin typeface="SFMono-Regular"/>
+              </a:rPr>
+              <a:t>upstream_failed</a:t>
+            </a:r>
+            <a:r>
+              <a:rPr lang="ru-RU" altLang="ru-RU" sz="1200" dirty="0">
+                <a:solidFill>
+                  <a:srgbClr val="404040"/>
+                </a:solidFill>
+                <a:latin typeface="Lato"/>
+              </a:rPr>
+              <a:t> </a:t>
+            </a:r>
+            <a:r>
+              <a:rPr lang="ru-RU" altLang="ru-RU" sz="1200" dirty="0" err="1">
+                <a:solidFill>
+                  <a:srgbClr val="404040"/>
+                </a:solidFill>
+                <a:latin typeface="Lato"/>
+              </a:rPr>
+              <a:t>state</a:t>
+            </a:r>
+            <a:endParaRPr lang="ru-RU" altLang="ru-RU" sz="1200" dirty="0">
+              <a:solidFill>
+                <a:srgbClr val="404040"/>
+              </a:solidFill>
+              <a:latin typeface="Lato"/>
+            </a:endParaRPr>
+          </a:p>
+          <a:p>
+            <a:pPr eaLnBrk="0" fontAlgn="base" hangingPunct="0">
+              <a:lnSpc>
+                <a:spcPct val="100000"/>
+              </a:lnSpc>
+              <a:spcBef>
+                <a:spcPct val="0"/>
+              </a:spcBef>
+              <a:spcAft>
+                <a:spcPct val="0"/>
+              </a:spcAft>
+              <a:buClrTx/>
+              <a:buSzTx/>
+            </a:pPr>
+            <a:r>
+              <a:rPr lang="ru-RU" altLang="ru-RU" sz="900" dirty="0" err="1">
+                <a:solidFill>
+                  <a:srgbClr val="E74C3C"/>
+                </a:solidFill>
+                <a:latin typeface="SFMono-Regular"/>
+              </a:rPr>
+              <a:t>dummy</a:t>
+            </a:r>
+            <a:r>
+              <a:rPr lang="ru-RU" altLang="ru-RU" sz="1200" dirty="0">
+                <a:solidFill>
+                  <a:srgbClr val="404040"/>
+                </a:solidFill>
+                <a:latin typeface="Lato"/>
+              </a:rPr>
+              <a:t>: </a:t>
+            </a:r>
+            <a:r>
+              <a:rPr lang="ru-RU" altLang="ru-RU" sz="1200" dirty="0" err="1">
+                <a:solidFill>
+                  <a:srgbClr val="404040"/>
+                </a:solidFill>
+                <a:latin typeface="Lato"/>
+              </a:rPr>
+              <a:t>dependencies</a:t>
+            </a:r>
+            <a:r>
+              <a:rPr lang="ru-RU" altLang="ru-RU" sz="1200" dirty="0">
+                <a:solidFill>
+                  <a:srgbClr val="404040"/>
+                </a:solidFill>
+                <a:latin typeface="Lato"/>
+              </a:rPr>
+              <a:t> </a:t>
+            </a:r>
+            <a:r>
+              <a:rPr lang="ru-RU" altLang="ru-RU" sz="1200" dirty="0" err="1">
+                <a:solidFill>
+                  <a:srgbClr val="404040"/>
+                </a:solidFill>
+                <a:latin typeface="Lato"/>
+              </a:rPr>
+              <a:t>are</a:t>
+            </a:r>
+            <a:r>
+              <a:rPr lang="ru-RU" altLang="ru-RU" sz="1200" dirty="0">
+                <a:solidFill>
+                  <a:srgbClr val="404040"/>
+                </a:solidFill>
+                <a:latin typeface="Lato"/>
+              </a:rPr>
+              <a:t> </a:t>
+            </a:r>
+            <a:r>
+              <a:rPr lang="ru-RU" altLang="ru-RU" sz="1200" dirty="0" err="1">
+                <a:solidFill>
+                  <a:srgbClr val="404040"/>
+                </a:solidFill>
+                <a:latin typeface="Lato"/>
+              </a:rPr>
+              <a:t>just</a:t>
+            </a:r>
+            <a:r>
+              <a:rPr lang="ru-RU" altLang="ru-RU" sz="1200" dirty="0">
+                <a:solidFill>
+                  <a:srgbClr val="404040"/>
+                </a:solidFill>
+                <a:latin typeface="Lato"/>
+              </a:rPr>
+              <a:t> </a:t>
+            </a:r>
+            <a:r>
+              <a:rPr lang="ru-RU" altLang="ru-RU" sz="1200" dirty="0" err="1">
+                <a:solidFill>
+                  <a:srgbClr val="404040"/>
+                </a:solidFill>
+                <a:latin typeface="Lato"/>
+              </a:rPr>
+              <a:t>for</a:t>
+            </a:r>
+            <a:r>
+              <a:rPr lang="ru-RU" altLang="ru-RU" sz="1200" dirty="0">
+                <a:solidFill>
+                  <a:srgbClr val="404040"/>
+                </a:solidFill>
+                <a:latin typeface="Lato"/>
+              </a:rPr>
+              <a:t> </a:t>
+            </a:r>
+            <a:r>
+              <a:rPr lang="ru-RU" altLang="ru-RU" sz="1200" dirty="0" err="1">
+                <a:solidFill>
+                  <a:srgbClr val="404040"/>
+                </a:solidFill>
+                <a:latin typeface="Lato"/>
+              </a:rPr>
+              <a:t>show</a:t>
+            </a:r>
+            <a:r>
+              <a:rPr lang="ru-RU" altLang="ru-RU" sz="1200" dirty="0">
+                <a:solidFill>
+                  <a:srgbClr val="404040"/>
+                </a:solidFill>
+                <a:latin typeface="Lato"/>
+              </a:rPr>
+              <a:t>, </a:t>
+            </a:r>
+            <a:r>
+              <a:rPr lang="ru-RU" altLang="ru-RU" sz="1200" b="1" dirty="0" err="1">
+                <a:solidFill>
+                  <a:srgbClr val="404040"/>
+                </a:solidFill>
+                <a:latin typeface="Lato"/>
+              </a:rPr>
+              <a:t>trigger</a:t>
+            </a:r>
+            <a:r>
+              <a:rPr lang="ru-RU" altLang="ru-RU" sz="1200" dirty="0">
+                <a:solidFill>
+                  <a:srgbClr val="404040"/>
+                </a:solidFill>
+                <a:latin typeface="Lato"/>
+              </a:rPr>
+              <a:t> </a:t>
+            </a:r>
+            <a:r>
+              <a:rPr lang="ru-RU" altLang="ru-RU" sz="1200" dirty="0" err="1">
+                <a:solidFill>
+                  <a:srgbClr val="404040"/>
+                </a:solidFill>
+                <a:latin typeface="Lato"/>
+              </a:rPr>
+              <a:t>at</a:t>
+            </a:r>
+            <a:r>
+              <a:rPr lang="ru-RU" altLang="ru-RU" sz="1200" dirty="0">
+                <a:solidFill>
+                  <a:srgbClr val="404040"/>
+                </a:solidFill>
+                <a:latin typeface="Lato"/>
+              </a:rPr>
+              <a:t> </a:t>
+            </a:r>
+            <a:r>
+              <a:rPr lang="ru-RU" altLang="ru-RU" sz="1200" dirty="0" err="1">
+                <a:solidFill>
+                  <a:srgbClr val="404040"/>
+                </a:solidFill>
+                <a:latin typeface="Lato"/>
+              </a:rPr>
+              <a:t>will</a:t>
+            </a:r>
+            <a:endParaRPr lang="ru-RU" altLang="ru-RU" sz="1200" dirty="0">
+              <a:solidFill>
+                <a:srgbClr val="404040"/>
+              </a:solidFill>
+              <a:latin typeface="Lato"/>
+            </a:endParaRPr>
+          </a:p>
+          <a:p>
+            <a:pPr marL="274320" lvl="1" indent="0">
+              <a:buNone/>
+            </a:pPr>
             <a:endParaRPr lang="ru-RU" dirty="0"/>
+          </a:p>
+          <a:p>
+            <a:pPr lvl="1"/>
+            <a:endParaRPr lang="ru-RU" dirty="0"/>
+          </a:p>
+        </p:txBody>
+      </p:sp>
+      <p:pic>
+        <p:nvPicPr>
+          <p:cNvPr id="4" name="Picture 3">
+            <a:extLst>
+              <a:ext uri="{FF2B5EF4-FFF2-40B4-BE49-F238E27FC236}">
+                <a16:creationId xmlns:a16="http://schemas.microsoft.com/office/drawing/2014/main" id="{0125E9F2-A600-4F0C-89DC-4858A1FC988C}"/>
+              </a:ext>
+            </a:extLst>
+          </p:cNvPr>
+          <p:cNvPicPr>
+            <a:picLocks noChangeAspect="1"/>
+          </p:cNvPicPr>
+          <p:nvPr/>
+        </p:nvPicPr>
+        <p:blipFill>
+          <a:blip r:embed="rId2"/>
+          <a:stretch>
+            <a:fillRect/>
+          </a:stretch>
+        </p:blipFill>
+        <p:spPr>
+          <a:xfrm>
+            <a:off x="6227064" y="2048990"/>
+            <a:ext cx="5902988" cy="2141270"/>
+          </a:xfrm>
+          <a:prstGeom prst="rect">
+            <a:avLst/>
+          </a:prstGeom>
+        </p:spPr>
+      </p:pic>
+      <p:sp>
+        <p:nvSpPr>
+          <p:cNvPr id="8" name="Rectangle 4">
+            <a:extLst>
+              <a:ext uri="{FF2B5EF4-FFF2-40B4-BE49-F238E27FC236}">
+                <a16:creationId xmlns:a16="http://schemas.microsoft.com/office/drawing/2014/main" id="{CF21DA83-1565-4C0B-81FB-C610D5F744EC}"/>
+              </a:ext>
+            </a:extLst>
+          </p:cNvPr>
+          <p:cNvSpPr>
+            <a:spLocks noChangeArrowheads="1"/>
+          </p:cNvSpPr>
+          <p:nvPr/>
+        </p:nvSpPr>
+        <p:spPr bwMode="auto">
+          <a:xfrm>
+            <a:off x="0" y="-353919"/>
+            <a:ext cx="65" cy="707838"/>
+          </a:xfrm>
+          <a:prstGeom prst="rect">
+            <a:avLst/>
+          </a:prstGeom>
+          <a:solidFill>
+            <a:srgbClr val="FFFFFF"/>
+          </a:solidFill>
+          <a:ln>
+            <a:noFill/>
+          </a:ln>
+          <a:effectLst/>
+          <a:extLst>
+            <a:ext uri="{91240B29-F687-4F45-9708-019B960494DF}">
+              <a14:hiddenLine xmlns:a14="http://schemas.microsoft.com/office/drawing/2010/main" w="9525">
+                <a:solidFill>
+                  <a:schemeClr val="tx1"/>
+                </a:solidFill>
+                <a:miter lim="800000"/>
+                <a:headEnd/>
+                <a:tailEnd/>
+              </a14:hiddenLine>
+            </a:ext>
+            <a:ext uri="{AF507438-7753-43E0-B8FC-AC1667EBCBE1}">
+              <a14:hiddenEffects xmlns:a14="http://schemas.microsoft.com/office/drawing/2010/main">
+                <a:effectLst>
+                  <a:outerShdw dist="35921" dir="2700000" algn="ctr" rotWithShape="0">
+                    <a:schemeClr val="bg2"/>
+                  </a:outerShdw>
+                </a:effectLst>
+              </a14:hiddenEffects>
+            </a:ext>
+          </a:extLst>
+        </p:spPr>
+        <p:txBody>
+          <a:bodyPr vert="horz" wrap="none" lIns="0" tIns="0" rIns="0" bIns="152352" numCol="1" anchor="ctr" anchorCtr="0" compatLnSpc="1">
+            <a:prstTxWarp prst="textNoShape">
+              <a:avLst/>
+            </a:prstTxWarp>
+            <a:spAutoFit/>
+          </a:bodyPr>
+          <a:lstStyle/>
+          <a:p>
+            <a:pPr marL="0" marR="0" lvl="0" indent="0" algn="l" defTabSz="914400" rtl="0" eaLnBrk="0" fontAlgn="base" latinLnBrk="0" hangingPunct="0">
+              <a:lnSpc>
+                <a:spcPct val="100000"/>
+              </a:lnSpc>
+              <a:spcBef>
+                <a:spcPct val="0"/>
+              </a:spcBef>
+              <a:spcAft>
+                <a:spcPct val="0"/>
+              </a:spcAft>
+              <a:buClrTx/>
+              <a:buSzTx/>
+              <a:buFontTx/>
+              <a:buNone/>
+              <a:tabLst/>
+            </a:pPr>
+            <a:endParaRPr kumimoji="0" lang="ru-RU" altLang="ru-RU" sz="1800" b="0" i="0" u="none" strike="noStrike" cap="none" normalizeH="0" baseline="0" dirty="0">
+              <a:ln>
+                <a:noFill/>
+              </a:ln>
+              <a:solidFill>
+                <a:schemeClr val="tx1"/>
+              </a:solidFill>
+              <a:effectLst/>
+              <a:latin typeface="Arial" panose="020B0604020202020204" pitchFamily="34" charset="0"/>
+            </a:endParaRPr>
+          </a:p>
+          <a:p>
+            <a:pPr marL="0" marR="0" lvl="0" indent="0" algn="l" defTabSz="914400" rtl="0" eaLnBrk="0" fontAlgn="base" latinLnBrk="0" hangingPunct="0">
+              <a:lnSpc>
+                <a:spcPct val="100000"/>
+              </a:lnSpc>
+              <a:spcBef>
+                <a:spcPct val="0"/>
+              </a:spcBef>
+              <a:spcAft>
+                <a:spcPct val="0"/>
+              </a:spcAft>
+              <a:buClrTx/>
+              <a:buSzTx/>
+              <a:buFontTx/>
+              <a:buNone/>
+              <a:tabLst/>
+            </a:pPr>
+            <a:endParaRPr kumimoji="0" lang="ru-RU" altLang="ru-RU" sz="1800" b="0" i="0" u="none" strike="noStrike" cap="none" normalizeH="0" baseline="0" dirty="0">
+              <a:ln>
+                <a:noFill/>
+              </a:ln>
+              <a:solidFill>
+                <a:schemeClr val="tx1"/>
+              </a:solidFill>
+              <a:effectLst/>
+              <a:latin typeface="Arial" panose="020B0604020202020204" pitchFamily="34" charset="0"/>
+            </a:endParaRPr>
           </a:p>
         </p:txBody>
       </p:sp>
     </p:spTree>
     <p:extLst>
       <p:ext uri="{BB962C8B-B14F-4D97-AF65-F5344CB8AC3E}">
-        <p14:creationId xmlns:p14="http://schemas.microsoft.com/office/powerpoint/2010/main" val="4192629615"/>
+        <p14:creationId xmlns:p14="http://schemas.microsoft.com/office/powerpoint/2010/main" val="1911791694"/>
       </p:ext>
     </p:extLst>
   </p:cSld>
@@ -10579,23 +10598,18 @@
             <p:ph type="title"/>
           </p:nvPr>
         </p:nvSpPr>
-        <p:spPr>
-          <a:xfrm>
-            <a:off x="1069848" y="484632"/>
-            <a:ext cx="10735056" cy="1609344"/>
-          </a:xfrm>
-        </p:spPr>
+        <p:spPr/>
         <p:txBody>
           <a:bodyPr/>
           <a:lstStyle/>
           <a:p>
             <a:r>
+              <a:rPr lang="af-ZA" b="1" dirty="0"/>
+              <a:t>Operator (</a:t>
+            </a:r>
+            <a:r>
               <a:rPr lang="ru-RU" b="1" dirty="0"/>
-              <a:t>Перезапуск</a:t>
-            </a:r>
-            <a:r>
-              <a:rPr lang="en-US" b="1" dirty="0"/>
-              <a:t>, Catchup, Backfill</a:t>
+              <a:t>Оператор)</a:t>
             </a:r>
             <a:endParaRPr lang="ru-RU" dirty="0"/>
           </a:p>
@@ -10617,254 +10631,168 @@
             <p:ph idx="1"/>
           </p:nvPr>
         </p:nvSpPr>
-        <p:spPr>
-          <a:xfrm>
-            <a:off x="1069848" y="1609344"/>
-            <a:ext cx="10058400" cy="5029200"/>
-          </a:xfrm>
-        </p:spPr>
+        <p:spPr/>
         <p:txBody>
-          <a:bodyPr>
-            <a:normAutofit lnSpcReduction="10000"/>
-          </a:bodyPr>
+          <a:bodyPr/>
           <a:lstStyle/>
           <a:p>
-            <a:pPr marL="0" indent="0">
+            <a:r>
+              <a:rPr lang="ru-RU" dirty="0"/>
+              <a:t>Задача, единица расчета</a:t>
+            </a:r>
+            <a:endParaRPr lang="en-US" dirty="0"/>
+          </a:p>
+          <a:p>
+            <a:endParaRPr lang="en-US" dirty="0"/>
+          </a:p>
+          <a:p>
+            <a:r>
+              <a:rPr lang="ru-RU" dirty="0"/>
+              <a:t>Виды операторов:</a:t>
+            </a:r>
+            <a:endParaRPr lang="en-US" dirty="0"/>
+          </a:p>
+          <a:p>
+            <a:pPr lvl="1"/>
+            <a:r>
+              <a:rPr lang="en-US" dirty="0" err="1"/>
+              <a:t>PythonOperator</a:t>
+            </a:r>
+            <a:r>
+              <a:rPr lang="en-US" dirty="0"/>
+              <a:t> – </a:t>
+            </a:r>
+            <a:r>
+              <a:rPr lang="ru-RU" dirty="0"/>
+              <a:t>вызывает </a:t>
+            </a:r>
+            <a:r>
+              <a:rPr lang="en-US" dirty="0"/>
+              <a:t>Python </a:t>
+            </a:r>
+            <a:r>
+              <a:rPr lang="ru-RU" dirty="0"/>
+              <a:t>- функцию</a:t>
+            </a:r>
+            <a:endParaRPr lang="en-US" dirty="0"/>
+          </a:p>
+          <a:p>
+            <a:pPr lvl="1"/>
+            <a:r>
+              <a:rPr lang="en-US" dirty="0" err="1"/>
+              <a:t>BashOperator</a:t>
+            </a:r>
+            <a:r>
+              <a:rPr lang="en-US" dirty="0"/>
+              <a:t> - </a:t>
+            </a:r>
+            <a:r>
+              <a:rPr lang="ru-RU" dirty="0"/>
+              <a:t>вызывает</a:t>
+            </a:r>
+            <a:r>
+              <a:rPr lang="en-US" dirty="0"/>
+              <a:t> bash </a:t>
+            </a:r>
+            <a:r>
+              <a:rPr lang="ru-RU" dirty="0"/>
+              <a:t>– команду</a:t>
+            </a:r>
+          </a:p>
+          <a:p>
+            <a:pPr lvl="1"/>
+            <a:r>
+              <a:rPr lang="af-ZA" dirty="0"/>
+              <a:t>EmailOperator – </a:t>
+            </a:r>
+            <a:r>
+              <a:rPr lang="ru-RU" dirty="0"/>
+              <a:t>отправляет </a:t>
+            </a:r>
+            <a:r>
+              <a:rPr lang="en-US" dirty="0"/>
+              <a:t>email</a:t>
+            </a:r>
+            <a:endParaRPr lang="ru-RU" dirty="0"/>
+          </a:p>
+          <a:p>
+            <a:pPr lvl="1"/>
+            <a:r>
+              <a:rPr lang="af-ZA" dirty="0"/>
+              <a:t>PostgresOperator</a:t>
+            </a:r>
+            <a:r>
+              <a:rPr lang="ru-RU" dirty="0"/>
+              <a:t> – выполняет </a:t>
+            </a:r>
+            <a:r>
+              <a:rPr lang="en-US" dirty="0" err="1"/>
+              <a:t>sql</a:t>
+            </a:r>
+            <a:r>
+              <a:rPr lang="ru-RU" dirty="0"/>
+              <a:t> - команду</a:t>
+            </a:r>
+            <a:endParaRPr lang="af-ZA" dirty="0"/>
+          </a:p>
+          <a:p>
+            <a:pPr lvl="1"/>
+            <a:r>
+              <a:rPr lang="af-ZA" dirty="0"/>
+              <a:t>SubDagOperator – </a:t>
+            </a:r>
+            <a:r>
+              <a:rPr lang="ru-RU" dirty="0"/>
+              <a:t>позволяет вызывать вложенный </a:t>
+            </a:r>
+            <a:r>
+              <a:rPr lang="en-US" dirty="0"/>
+              <a:t>DAG</a:t>
+            </a:r>
+            <a:endParaRPr lang="ru-RU" dirty="0"/>
+          </a:p>
+          <a:p>
+            <a:pPr lvl="1"/>
+            <a:r>
+              <a:rPr lang="af-ZA" dirty="0"/>
+              <a:t>Sensor </a:t>
+            </a:r>
+            <a:r>
+              <a:rPr lang="ru-RU" dirty="0"/>
+              <a:t>– ждет наступления события: появление файла или данных в БД</a:t>
+            </a:r>
+          </a:p>
+          <a:p>
+            <a:pPr lvl="1"/>
+            <a:r>
+              <a:rPr lang="en-US" dirty="0"/>
+              <a:t>Etc.</a:t>
+            </a:r>
+          </a:p>
+          <a:p>
+            <a:pPr marL="274320" lvl="1" indent="0">
               <a:buNone/>
             </a:pPr>
-            <a:endParaRPr lang="en-US" dirty="0"/>
-          </a:p>
-          <a:p>
             <a:r>
               <a:rPr lang="ru-RU" dirty="0"/>
-              <a:t>Перезапуск </a:t>
+              <a:t>В том числе можно создавать </a:t>
+            </a:r>
+            <a:r>
+              <a:rPr lang="ru-RU" dirty="0" err="1"/>
+              <a:t>самописные</a:t>
+            </a:r>
+            <a:r>
+              <a:rPr lang="ru-RU" dirty="0"/>
+              <a:t> операторы, например для запуска </a:t>
             </a:r>
             <a:r>
               <a:rPr lang="en-US" dirty="0"/>
-              <a:t>DAG</a:t>
+              <a:t>java</a:t>
             </a:r>
             <a:r>
               <a:rPr lang="ru-RU" dirty="0"/>
-              <a:t> (целиком все таски) или конкретные </a:t>
-            </a:r>
-            <a:r>
-              <a:rPr lang="en-US" dirty="0"/>
-              <a:t>Task Instance</a:t>
-            </a:r>
-            <a:endParaRPr lang="ru-RU" dirty="0"/>
-          </a:p>
-          <a:p>
-            <a:pPr lvl="1"/>
-            <a:r>
-              <a:rPr lang="ru-RU" dirty="0"/>
-              <a:t>Выполняется через </a:t>
-            </a:r>
-            <a:r>
-              <a:rPr lang="en-US" dirty="0"/>
-              <a:t>UI</a:t>
-            </a:r>
-            <a:r>
-              <a:rPr lang="ru-RU" dirty="0"/>
-              <a:t> или </a:t>
-            </a:r>
-            <a:r>
-              <a:rPr lang="en-US" dirty="0"/>
-              <a:t>CLI</a:t>
-            </a:r>
-            <a:br>
-              <a:rPr lang="en-US" dirty="0"/>
-            </a:br>
-            <a:endParaRPr lang="ru-RU" dirty="0"/>
-          </a:p>
-          <a:p>
-            <a:pPr lvl="1"/>
-            <a:r>
-              <a:rPr lang="en-US" dirty="0"/>
-              <a:t>Browse -&gt; DAG Runs -&gt; Check DAG to rerun -&gt; Actions -&gt; Clear</a:t>
-            </a:r>
-          </a:p>
-          <a:p>
-            <a:pPr lvl="1"/>
-            <a:r>
-              <a:rPr lang="en-US" dirty="0"/>
-              <a:t>Browse -&gt; Task Instances -&gt; Check Task to rerun -&gt; Actions -&gt; Clear</a:t>
-            </a:r>
-            <a:endParaRPr lang="ru-RU" dirty="0"/>
-          </a:p>
-          <a:p>
-            <a:pPr marL="0" indent="0">
-              <a:buNone/>
-            </a:pPr>
-            <a:endParaRPr lang="ru-RU" dirty="0"/>
-          </a:p>
-          <a:p>
-            <a:r>
-              <a:rPr lang="en-US" dirty="0"/>
-              <a:t>Catchup</a:t>
-            </a:r>
-            <a:r>
-              <a:rPr lang="ru-RU" dirty="0"/>
-              <a:t> – запустить </a:t>
-            </a:r>
-            <a:r>
-              <a:rPr lang="en-US" dirty="0"/>
-              <a:t>DAG</a:t>
-            </a:r>
-            <a:r>
-              <a:rPr lang="ru-RU" dirty="0"/>
-              <a:t> за все даты между </a:t>
-            </a:r>
-            <a:r>
-              <a:rPr lang="en-US" dirty="0" err="1"/>
-              <a:t>start_date</a:t>
-            </a:r>
-            <a:r>
-              <a:rPr lang="ru-RU" dirty="0"/>
-              <a:t> и текущей датой</a:t>
-            </a:r>
-            <a:endParaRPr lang="en-US" dirty="0"/>
-          </a:p>
-          <a:p>
-            <a:pPr lvl="1"/>
-            <a:r>
-              <a:rPr lang="ru-RU" dirty="0"/>
-              <a:t>Задается в коде </a:t>
-            </a:r>
-            <a:r>
-              <a:rPr lang="en-US" dirty="0"/>
-              <a:t>DAG</a:t>
-            </a:r>
-          </a:p>
-          <a:p>
-            <a:pPr lvl="1"/>
-            <a:r>
-              <a:rPr lang="af-ZA" dirty="0">
-                <a:solidFill>
-                  <a:srgbClr val="0070C0"/>
-                </a:solidFill>
-              </a:rPr>
-              <a:t>with DAG(</a:t>
-            </a:r>
-            <a:r>
-              <a:rPr lang="ru-RU" dirty="0">
-                <a:solidFill>
-                  <a:srgbClr val="0070C0"/>
-                </a:solidFill>
-              </a:rPr>
-              <a:t>… ,</a:t>
-            </a:r>
-            <a:r>
-              <a:rPr lang="en-US" dirty="0">
-                <a:solidFill>
-                  <a:srgbClr val="0070C0"/>
-                </a:solidFill>
-              </a:rPr>
-              <a:t> </a:t>
-            </a:r>
-            <a:r>
-              <a:rPr lang="en-US" dirty="0" err="1">
-                <a:solidFill>
-                  <a:srgbClr val="0070C0"/>
-                </a:solidFill>
-              </a:rPr>
-              <a:t>start_date</a:t>
-            </a:r>
-            <a:r>
-              <a:rPr lang="en-US" dirty="0">
-                <a:solidFill>
-                  <a:srgbClr val="0070C0"/>
-                </a:solidFill>
-              </a:rPr>
-              <a:t>=datetime(2022, 07, 25),</a:t>
-            </a:r>
-            <a:r>
-              <a:rPr lang="ru-RU" dirty="0">
-                <a:solidFill>
-                  <a:srgbClr val="0070C0"/>
-                </a:solidFill>
-              </a:rPr>
-              <a:t> </a:t>
-            </a:r>
-            <a:r>
-              <a:rPr lang="af-ZA" dirty="0">
-                <a:solidFill>
-                  <a:srgbClr val="0070C0"/>
-                </a:solidFill>
-              </a:rPr>
-              <a:t>catchup=True) as dag: ...</a:t>
-            </a:r>
-            <a:br>
-              <a:rPr lang="ru-RU" dirty="0"/>
-            </a:br>
-            <a:endParaRPr lang="ru-RU" dirty="0"/>
-          </a:p>
-          <a:p>
-            <a:r>
-              <a:rPr lang="en-US" dirty="0"/>
-              <a:t>Backfill – </a:t>
-            </a:r>
-            <a:r>
-              <a:rPr lang="ru-RU" dirty="0"/>
-              <a:t>перезапуск </a:t>
-            </a:r>
-            <a:r>
-              <a:rPr lang="en-US" dirty="0"/>
-              <a:t>DAG</a:t>
-            </a:r>
-            <a:r>
-              <a:rPr lang="ru-RU" dirty="0"/>
-              <a:t> за произвольные периоды времени</a:t>
-            </a:r>
-          </a:p>
-          <a:p>
-            <a:pPr lvl="1"/>
-            <a:r>
-              <a:rPr lang="ru-RU" dirty="0"/>
-              <a:t>Выполняется через </a:t>
-            </a:r>
-            <a:r>
-              <a:rPr lang="en-US" dirty="0"/>
-              <a:t>CLI</a:t>
-            </a:r>
-          </a:p>
-          <a:p>
-            <a:pPr lvl="1"/>
-            <a:r>
-              <a:rPr lang="en-US" dirty="0">
-                <a:solidFill>
-                  <a:srgbClr val="0070C0"/>
-                </a:solidFill>
-              </a:rPr>
-              <a:t>airflow </a:t>
-            </a:r>
-            <a:r>
-              <a:rPr lang="en-US" dirty="0" err="1">
-                <a:solidFill>
-                  <a:srgbClr val="0070C0"/>
-                </a:solidFill>
-              </a:rPr>
-              <a:t>dags</a:t>
-            </a:r>
-            <a:r>
-              <a:rPr lang="en-US" dirty="0">
-                <a:solidFill>
-                  <a:srgbClr val="0070C0"/>
-                </a:solidFill>
-              </a:rPr>
-              <a:t> backfill -s 2021-11-01 -e 2021-11-02 </a:t>
-            </a:r>
-            <a:r>
-              <a:rPr lang="en-US" dirty="0" err="1">
-                <a:solidFill>
-                  <a:srgbClr val="0070C0"/>
-                </a:solidFill>
-              </a:rPr>
-              <a:t>example_dag</a:t>
-            </a:r>
-            <a:br>
-              <a:rPr lang="ru-RU" dirty="0"/>
-            </a:br>
-            <a:endParaRPr lang="ru-RU" dirty="0"/>
+              <a:t> кода.</a:t>
+            </a:r>
           </a:p>
           <a:p>
             <a:endParaRPr lang="ru-RU" dirty="0"/>
@@ -10874,7 +10802,7 @@
     </p:spTree>
     <p:extLst>
       <p:ext uri="{BB962C8B-B14F-4D97-AF65-F5344CB8AC3E}">
-        <p14:creationId xmlns:p14="http://schemas.microsoft.com/office/powerpoint/2010/main" val="115586280"/>
+        <p14:creationId xmlns:p14="http://schemas.microsoft.com/office/powerpoint/2010/main" val="2390922519"/>
       </p:ext>
     </p:extLst>
   </p:cSld>
@@ -10920,7 +10848,7 @@
         <p:spPr>
           <a:xfrm>
             <a:off x="1069848" y="484632"/>
-            <a:ext cx="10058400" cy="1609344"/>
+            <a:ext cx="10735056" cy="1609344"/>
           </a:xfrm>
         </p:spPr>
         <p:txBody>
@@ -10928,11 +10856,12 @@
           <a:lstStyle/>
           <a:p>
             <a:r>
-              <a:rPr lang="en-US" dirty="0">
-                <a:ea typeface="DejaVu Sans" pitchFamily="2"/>
-                <a:cs typeface="DejaVu Sans" pitchFamily="2"/>
-              </a:rPr>
-              <a:t>DAG – directed acyclic graph</a:t>
+              <a:rPr lang="ru-RU" b="1" dirty="0"/>
+              <a:t>Перезапуск</a:t>
+            </a:r>
+            <a:r>
+              <a:rPr lang="en-US" b="1" dirty="0"/>
+              <a:t>, Catchup, Backfill</a:t>
             </a:r>
             <a:endParaRPr lang="ru-RU" dirty="0"/>
           </a:p>
@@ -10956,23 +10885,25 @@
         </p:nvSpPr>
         <p:spPr>
           <a:xfrm>
-            <a:off x="1069848" y="2121408"/>
-            <a:ext cx="6305739" cy="4050792"/>
+            <a:off x="1069848" y="1609344"/>
+            <a:ext cx="10058400" cy="5029200"/>
           </a:xfrm>
         </p:spPr>
         <p:txBody>
           <a:bodyPr>
-            <a:normAutofit fontScale="92500" lnSpcReduction="10000"/>
+            <a:normAutofit lnSpcReduction="10000"/>
           </a:bodyPr>
           <a:lstStyle/>
           <a:p>
-            <a:r>
-              <a:rPr lang="ru-RU" b="1" dirty="0"/>
-              <a:t>DAG (направленный ациклический граф)</a:t>
-            </a:r>
+            <a:pPr marL="0" indent="0">
+              <a:buNone/>
+            </a:pPr>
+            <a:endParaRPr lang="en-US" dirty="0"/>
+          </a:p>
+          <a:p>
             <a:r>
               <a:rPr lang="ru-RU" dirty="0"/>
-              <a:t> — это серия задач, которые вы хотите выполнять как часть рабочего процесса. Т.е. </a:t>
+              <a:t>Перезапуск </a:t>
             </a:r>
             <a:r>
               <a:rPr lang="en-US" dirty="0"/>
@@ -10980,79 +10911,51 @@
             </a:r>
             <a:r>
               <a:rPr lang="ru-RU" dirty="0"/>
-              <a:t> описывает, как выполнять серию задач</a:t>
-            </a:r>
-            <a:endParaRPr lang="en-US" dirty="0"/>
-          </a:p>
-          <a:p>
+              <a:t> (целиком все таски) или конкретные </a:t>
+            </a:r>
+            <a:r>
+              <a:rPr lang="en-US" dirty="0"/>
+              <a:t>Task Instance</a:t>
+            </a:r>
+            <a:endParaRPr lang="ru-RU" dirty="0"/>
+          </a:p>
+          <a:p>
+            <a:pPr lvl="1"/>
             <a:r>
               <a:rPr lang="ru-RU" dirty="0"/>
-              <a:t> </a:t>
-            </a:r>
-            <a:r>
-              <a:rPr lang="ru-RU" dirty="0" err="1"/>
-              <a:t>Airflow</a:t>
+              <a:t>Выполняется через </a:t>
+            </a:r>
+            <a:r>
+              <a:rPr lang="en-US" dirty="0"/>
+              <a:t>UI</a:t>
             </a:r>
             <a:r>
               <a:rPr lang="ru-RU" dirty="0"/>
-              <a:t> позволяет также указать взаимосвязь между задачами, любые зависимости (например, данные, загруженные в таблицу перед запуском задачи) и порядок, в котором задачи должны выполняться. </a:t>
-            </a:r>
-            <a:endParaRPr lang="en-US" dirty="0"/>
-          </a:p>
-          <a:p>
-            <a:r>
-              <a:rPr lang="ru-RU" dirty="0"/>
-              <a:t>DAG написан на </a:t>
-            </a:r>
-            <a:r>
-              <a:rPr lang="ru-RU" dirty="0" err="1"/>
-              <a:t>Python</a:t>
-            </a:r>
-            <a:r>
-              <a:rPr lang="ru-RU" dirty="0"/>
-              <a:t> и сохраняется в виде .</a:t>
-            </a:r>
-            <a:r>
-              <a:rPr lang="ru-RU" dirty="0" err="1"/>
-              <a:t>py</a:t>
-            </a:r>
-            <a:r>
-              <a:rPr lang="ru-RU" dirty="0"/>
-              <a:t> файла.</a:t>
-            </a:r>
-          </a:p>
-          <a:p>
+              <a:t> или </a:t>
+            </a:r>
+            <a:r>
+              <a:rPr lang="en-US" dirty="0"/>
+              <a:t>CLI</a:t>
+            </a:r>
+            <a:br>
+              <a:rPr lang="en-US" dirty="0"/>
+            </a:br>
             <a:endParaRPr lang="ru-RU" dirty="0"/>
           </a:p>
           <a:p>
-            <a:r>
-              <a:rPr lang="ru-RU" dirty="0"/>
-              <a:t>Существуют также </a:t>
-            </a:r>
-            <a:r>
-              <a:rPr lang="en-US" dirty="0" err="1"/>
-              <a:t>SubDAGs</a:t>
-            </a:r>
-            <a:r>
-              <a:rPr lang="ru-RU" dirty="0"/>
-              <a:t> или вложенные </a:t>
-            </a:r>
+            <a:pPr lvl="1"/>
             <a:r>
               <a:rPr lang="en-US" dirty="0"/>
-              <a:t>DAG</a:t>
-            </a:r>
-            <a:r>
-              <a:rPr lang="ru-RU" dirty="0"/>
-              <a:t>, которые позволяют сгруппировать </a:t>
-            </a:r>
+              <a:t>Browse -&gt; DAG Runs -&gt; Check DAG to rerun -&gt; Actions -&gt; Clear</a:t>
+            </a:r>
+          </a:p>
+          <a:p>
+            <a:pPr lvl="1"/>
             <a:r>
               <a:rPr lang="en-US" dirty="0"/>
-              <a:t>DAG</a:t>
-            </a:r>
-            <a:r>
-              <a:rPr lang="ru-RU" dirty="0"/>
-              <a:t>-и когда их становится слишком много</a:t>
-            </a:r>
+              <a:t>Browse -&gt; Task Instances -&gt; Check Task to rerun -&gt; Actions -&gt; Clear</a:t>
+            </a:r>
+            <a:endParaRPr lang="ru-RU" dirty="0"/>
           </a:p>
           <a:p>
             <a:pPr marL="0" indent="0">
@@ -11060,106 +10963,184 @@
             </a:pPr>
             <a:endParaRPr lang="ru-RU" dirty="0"/>
           </a:p>
+          <a:p>
+            <a:r>
+              <a:rPr lang="en-US" dirty="0"/>
+              <a:t>Catchup</a:t>
+            </a:r>
+            <a:r>
+              <a:rPr lang="ru-RU" dirty="0"/>
+              <a:t> – запустить </a:t>
+            </a:r>
+            <a:r>
+              <a:rPr lang="en-US" dirty="0"/>
+              <a:t>DAG</a:t>
+            </a:r>
+            <a:r>
+              <a:rPr lang="ru-RU" dirty="0"/>
+              <a:t> за все даты между </a:t>
+            </a:r>
+            <a:r>
+              <a:rPr lang="en-US" dirty="0" err="1"/>
+              <a:t>start_date</a:t>
+            </a:r>
+            <a:r>
+              <a:rPr lang="ru-RU" dirty="0"/>
+              <a:t> и текущей датой</a:t>
+            </a:r>
+            <a:endParaRPr lang="en-US" dirty="0"/>
+          </a:p>
+          <a:p>
+            <a:pPr lvl="1"/>
+            <a:r>
+              <a:rPr lang="ru-RU" dirty="0"/>
+              <a:t>Задается в коде </a:t>
+            </a:r>
+            <a:r>
+              <a:rPr lang="en-US" dirty="0"/>
+              <a:t>DAG</a:t>
+            </a:r>
+          </a:p>
+          <a:p>
+            <a:pPr lvl="1"/>
+            <a:r>
+              <a:rPr lang="af-ZA" dirty="0">
+                <a:solidFill>
+                  <a:srgbClr val="0070C0"/>
+                </a:solidFill>
+              </a:rPr>
+              <a:t>with DAG(</a:t>
+            </a:r>
+            <a:r>
+              <a:rPr lang="ru-RU" dirty="0">
+                <a:solidFill>
+                  <a:srgbClr val="0070C0"/>
+                </a:solidFill>
+              </a:rPr>
+              <a:t>… ,</a:t>
+            </a:r>
+            <a:r>
+              <a:rPr lang="en-US" dirty="0">
+                <a:solidFill>
+                  <a:srgbClr val="0070C0"/>
+                </a:solidFill>
+              </a:rPr>
+              <a:t> </a:t>
+            </a:r>
+            <a:r>
+              <a:rPr lang="en-US" dirty="0" err="1">
+                <a:solidFill>
+                  <a:srgbClr val="0070C0"/>
+                </a:solidFill>
+              </a:rPr>
+              <a:t>start_date</a:t>
+            </a:r>
+            <a:r>
+              <a:rPr lang="en-US" dirty="0">
+                <a:solidFill>
+                  <a:srgbClr val="0070C0"/>
+                </a:solidFill>
+              </a:rPr>
+              <a:t>=datetime(2022, 07, 25),</a:t>
+            </a:r>
+            <a:r>
+              <a:rPr lang="ru-RU" dirty="0">
+                <a:solidFill>
+                  <a:srgbClr val="0070C0"/>
+                </a:solidFill>
+              </a:rPr>
+              <a:t> </a:t>
+            </a:r>
+            <a:r>
+              <a:rPr lang="af-ZA" dirty="0">
+                <a:solidFill>
+                  <a:srgbClr val="0070C0"/>
+                </a:solidFill>
+              </a:rPr>
+              <a:t>catchup=True) as dag: ...</a:t>
+            </a:r>
+            <a:br>
+              <a:rPr lang="ru-RU" dirty="0"/>
+            </a:br>
+            <a:endParaRPr lang="ru-RU" dirty="0"/>
+          </a:p>
+          <a:p>
+            <a:r>
+              <a:rPr lang="en-US" dirty="0"/>
+              <a:t>Backfill – </a:t>
+            </a:r>
+            <a:r>
+              <a:rPr lang="ru-RU" dirty="0"/>
+              <a:t>перезапуск </a:t>
+            </a:r>
+            <a:r>
+              <a:rPr lang="en-US" dirty="0"/>
+              <a:t>DAG</a:t>
+            </a:r>
+            <a:r>
+              <a:rPr lang="ru-RU" dirty="0"/>
+              <a:t> за произвольные периоды времени</a:t>
+            </a:r>
+          </a:p>
+          <a:p>
+            <a:pPr lvl="1"/>
+            <a:r>
+              <a:rPr lang="ru-RU" dirty="0"/>
+              <a:t>Выполняется через </a:t>
+            </a:r>
+            <a:r>
+              <a:rPr lang="en-US" dirty="0"/>
+              <a:t>CLI</a:t>
+            </a:r>
+          </a:p>
+          <a:p>
+            <a:pPr lvl="1"/>
+            <a:r>
+              <a:rPr lang="en-US" dirty="0">
+                <a:solidFill>
+                  <a:srgbClr val="0070C0"/>
+                </a:solidFill>
+              </a:rPr>
+              <a:t>airflow </a:t>
+            </a:r>
+            <a:r>
+              <a:rPr lang="en-US" dirty="0" err="1">
+                <a:solidFill>
+                  <a:srgbClr val="0070C0"/>
+                </a:solidFill>
+              </a:rPr>
+              <a:t>dags</a:t>
+            </a:r>
+            <a:r>
+              <a:rPr lang="en-US" dirty="0">
+                <a:solidFill>
+                  <a:srgbClr val="0070C0"/>
+                </a:solidFill>
+              </a:rPr>
+              <a:t> backfill -s 2021-11-01 -e 2021-11-02 </a:t>
+            </a:r>
+            <a:r>
+              <a:rPr lang="en-US" dirty="0" err="1">
+                <a:solidFill>
+                  <a:srgbClr val="0070C0"/>
+                </a:solidFill>
+              </a:rPr>
+              <a:t>example_dag</a:t>
+            </a:r>
+            <a:br>
+              <a:rPr lang="ru-RU" dirty="0"/>
+            </a:br>
+            <a:endParaRPr lang="ru-RU" dirty="0"/>
+          </a:p>
+          <a:p>
+            <a:endParaRPr lang="ru-RU" dirty="0"/>
+          </a:p>
         </p:txBody>
       </p:sp>
-      <p:pic>
-        <p:nvPicPr>
-          <p:cNvPr id="3074" name="Picture 2" descr="../_images/subdag_before.png">
-            <a:extLst>
-              <a:ext uri="{FF2B5EF4-FFF2-40B4-BE49-F238E27FC236}">
-                <a16:creationId xmlns:a16="http://schemas.microsoft.com/office/drawing/2014/main" id="{FD9BBC40-E5D7-4EFC-BEC0-09169D608D60}"/>
-              </a:ext>
-            </a:extLst>
-          </p:cNvPr>
-          <p:cNvPicPr>
-            <a:picLocks noChangeAspect="1" noChangeArrowheads="1"/>
-          </p:cNvPicPr>
-          <p:nvPr/>
-        </p:nvPicPr>
-        <p:blipFill>
-          <a:blip r:embed="rId3">
-            <a:extLst>
-              <a:ext uri="{28A0092B-C50C-407E-A947-70E740481C1C}">
-                <a14:useLocalDpi xmlns:a14="http://schemas.microsoft.com/office/drawing/2010/main" val="0"/>
-              </a:ext>
-            </a:extLst>
-          </a:blip>
-          <a:srcRect/>
-          <a:stretch>
-            <a:fillRect/>
-          </a:stretch>
-        </p:blipFill>
-        <p:spPr bwMode="auto">
-          <a:xfrm>
-            <a:off x="7375587" y="2121408"/>
-            <a:ext cx="4667250" cy="2314575"/>
-          </a:xfrm>
-          <a:prstGeom prst="rect">
-            <a:avLst/>
-          </a:prstGeom>
-          <a:noFill/>
-          <a:extLst>
-            <a:ext uri="{909E8E84-426E-40DD-AFC4-6F175D3DCCD1}">
-              <a14:hiddenFill xmlns:a14="http://schemas.microsoft.com/office/drawing/2010/main">
-                <a:solidFill>
-                  <a:srgbClr val="FFFFFF"/>
-                </a:solidFill>
-              </a14:hiddenFill>
-            </a:ext>
-          </a:extLst>
-        </p:spPr>
-      </p:pic>
-      <p:pic>
-        <p:nvPicPr>
-          <p:cNvPr id="3076" name="Picture 4" descr="../_images/subdag_after.png">
-            <a:extLst>
-              <a:ext uri="{FF2B5EF4-FFF2-40B4-BE49-F238E27FC236}">
-                <a16:creationId xmlns:a16="http://schemas.microsoft.com/office/drawing/2014/main" id="{E7883682-74B6-42A2-B506-4D2F23B77899}"/>
-              </a:ext>
-            </a:extLst>
-          </p:cNvPr>
-          <p:cNvPicPr>
-            <a:picLocks noChangeAspect="1" noChangeArrowheads="1"/>
-          </p:cNvPicPr>
-          <p:nvPr/>
-        </p:nvPicPr>
-        <p:blipFill>
-          <a:blip r:embed="rId4">
-            <a:extLst>
-              <a:ext uri="{28A0092B-C50C-407E-A947-70E740481C1C}">
-                <a14:useLocalDpi xmlns:a14="http://schemas.microsoft.com/office/drawing/2010/main" val="0"/>
-              </a:ext>
-            </a:extLst>
-          </a:blip>
-          <a:srcRect/>
-          <a:stretch>
-            <a:fillRect/>
-          </a:stretch>
-        </p:blipFill>
-        <p:spPr bwMode="auto">
-          <a:xfrm>
-            <a:off x="7375587" y="5117561"/>
-            <a:ext cx="4667250" cy="537515"/>
-          </a:xfrm>
-          <a:prstGeom prst="rect">
-            <a:avLst/>
-          </a:prstGeom>
-          <a:noFill/>
-          <a:extLst>
-            <a:ext uri="{909E8E84-426E-40DD-AFC4-6F175D3DCCD1}">
-              <a14:hiddenFill xmlns:a14="http://schemas.microsoft.com/office/drawing/2010/main">
-                <a:solidFill>
-                  <a:srgbClr val="FFFFFF"/>
-                </a:solidFill>
-              </a14:hiddenFill>
-            </a:ext>
-          </a:extLst>
-        </p:spPr>
-      </p:pic>
     </p:spTree>
     <p:extLst>
       <p:ext uri="{BB962C8B-B14F-4D97-AF65-F5344CB8AC3E}">
-        <p14:creationId xmlns:p14="http://schemas.microsoft.com/office/powerpoint/2010/main" val="3304181700"/>
+        <p14:creationId xmlns:p14="http://schemas.microsoft.com/office/powerpoint/2010/main" val="115586280"/>
       </p:ext>
     </p:extLst>
   </p:cSld>

--- a/presentation/Workshop_airflow.pptx
+++ b/presentation/Workshop_airflow.pptx
@@ -6584,7 +6584,9 @@
         </p:nvSpPr>
         <p:spPr/>
         <p:txBody>
-          <a:bodyPr/>
+          <a:bodyPr>
+            <a:normAutofit fontScale="92500" lnSpcReduction="10000"/>
+          </a:bodyPr>
           <a:lstStyle/>
           <a:p>
             <a:r>
@@ -6685,28 +6687,48 @@
           <a:p>
             <a:r>
               <a:rPr lang="ru-RU" dirty="0"/>
-              <a:t>Вкратце обо всем вокруг </a:t>
-            </a:r>
-            <a:r>
-              <a:rPr lang="en-US" dirty="0"/>
-              <a:t>DE</a:t>
+              <a:t>Плагины для </a:t>
+            </a:r>
+            <a:r>
+              <a:rPr lang="ru-RU" dirty="0" err="1"/>
+              <a:t>airflow</a:t>
             </a:r>
             <a:r>
               <a:rPr lang="ru-RU" dirty="0"/>
-              <a:t>:</a:t>
-            </a:r>
-            <a:br>
+              <a:t>: </a:t>
+            </a:r>
+            <a:r>
+              <a:rPr lang="ru-RU" dirty="0">
+                <a:hlinkClick r:id="rId6"/>
+              </a:rPr>
+              <a:t>https://airflow.apache.org/docs/apache-airflow/stable/plugins.html</a:t>
+            </a:r>
+            <a:endParaRPr lang="ru-RU" dirty="0"/>
+          </a:p>
+          <a:p>
+            <a:r>
               <a:rPr lang="ru-RU" dirty="0"/>
-            </a:br>
-            <a:r>
-              <a:rPr lang="af-ZA" dirty="0">
-                <a:hlinkClick r:id="rId6"/>
-              </a:rPr>
-              <a:t>https://ivan-shamaev.ru/data-engineering-etl-pipeline-data-warehouse-datalake/</a:t>
+              <a:t>Еще про плагины: </a:t>
+            </a:r>
+            <a:r>
+              <a:rPr lang="ru-RU" dirty="0">
+                <a:hlinkClick r:id="rId7"/>
+              </a:rPr>
+              <a:t>https://medium.com/swlh/airflow-custom-plugins-38f0848b74c5</a:t>
             </a:r>
             <a:endParaRPr lang="ru-RU" dirty="0"/>
           </a:p>
           <a:p>
+            <a:r>
+              <a:rPr lang="ru-RU" dirty="0"/>
+              <a:t>Модель безопасности: </a:t>
+            </a:r>
+            <a:r>
+              <a:rPr lang="ru-RU" dirty="0">
+                <a:hlinkClick r:id="rId8"/>
+              </a:rPr>
+              <a:t>https://eng.lyft.com/securing-apache-airflow-ui-with-dag-level-access-a7bc649a2821</a:t>
+            </a:r>
             <a:endParaRPr lang="en-US" dirty="0"/>
           </a:p>
           <a:p>

--- a/presentation/Workshop_airflow.pptx
+++ b/presentation/Workshop_airflow.pptx
@@ -214,7 +214,7 @@
           <a:p>
             <a:fld id="{FA8C675E-D247-4BCD-B4BB-1300372C0488}" type="datetimeFigureOut">
               <a:rPr lang="ru-RU" smtClean="0"/>
-              <a:t>17.12.2022</a:t>
+              <a:t>21.12.2022</a:t>
             </a:fld>
             <a:endParaRPr lang="ru-RU"/>
           </a:p>
@@ -969,7 +969,7 @@
           <a:p>
             <a:fld id="{7CD77A28-62FA-4A1C-955D-4EB5AA405F1C}" type="datetimeFigureOut">
               <a:rPr lang="ru-RU" smtClean="0"/>
-              <a:t>17.12.2022</a:t>
+              <a:t>21.12.2022</a:t>
             </a:fld>
             <a:endParaRPr lang="ru-RU" dirty="0"/>
           </a:p>
@@ -1148,7 +1148,7 @@
           <a:p>
             <a:fld id="{7CD77A28-62FA-4A1C-955D-4EB5AA405F1C}" type="datetimeFigureOut">
               <a:rPr lang="ru-RU" smtClean="0"/>
-              <a:t>17.12.2022</a:t>
+              <a:t>21.12.2022</a:t>
             </a:fld>
             <a:endParaRPr lang="ru-RU" dirty="0"/>
           </a:p>
@@ -1328,7 +1328,7 @@
           <a:p>
             <a:fld id="{7CD77A28-62FA-4A1C-955D-4EB5AA405F1C}" type="datetimeFigureOut">
               <a:rPr lang="ru-RU" smtClean="0"/>
-              <a:t>17.12.2022</a:t>
+              <a:t>21.12.2022</a:t>
             </a:fld>
             <a:endParaRPr lang="ru-RU" dirty="0"/>
           </a:p>
@@ -1498,7 +1498,7 @@
           <a:p>
             <a:fld id="{7CD77A28-62FA-4A1C-955D-4EB5AA405F1C}" type="datetimeFigureOut">
               <a:rPr lang="ru-RU" smtClean="0"/>
-              <a:t>17.12.2022</a:t>
+              <a:t>21.12.2022</a:t>
             </a:fld>
             <a:endParaRPr lang="ru-RU" dirty="0"/>
           </a:p>
@@ -1811,7 +1811,7 @@
           <a:p>
             <a:fld id="{7CD77A28-62FA-4A1C-955D-4EB5AA405F1C}" type="datetimeFigureOut">
               <a:rPr lang="ru-RU" smtClean="0"/>
-              <a:t>17.12.2022</a:t>
+              <a:t>21.12.2022</a:t>
             </a:fld>
             <a:endParaRPr lang="ru-RU" dirty="0"/>
           </a:p>
@@ -2197,7 +2197,7 @@
           <a:p>
             <a:fld id="{7CD77A28-62FA-4A1C-955D-4EB5AA405F1C}" type="datetimeFigureOut">
               <a:rPr lang="ru-RU" smtClean="0"/>
-              <a:t>17.12.2022</a:t>
+              <a:t>21.12.2022</a:t>
             </a:fld>
             <a:endParaRPr lang="ru-RU" dirty="0"/>
           </a:p>
@@ -2631,7 +2631,7 @@
           <a:p>
             <a:fld id="{7CD77A28-62FA-4A1C-955D-4EB5AA405F1C}" type="datetimeFigureOut">
               <a:rPr lang="ru-RU" smtClean="0"/>
-              <a:t>17.12.2022</a:t>
+              <a:t>21.12.2022</a:t>
             </a:fld>
             <a:endParaRPr lang="ru-RU" dirty="0"/>
           </a:p>
@@ -2749,7 +2749,7 @@
           <a:p>
             <a:fld id="{7CD77A28-62FA-4A1C-955D-4EB5AA405F1C}" type="datetimeFigureOut">
               <a:rPr lang="ru-RU" smtClean="0"/>
-              <a:t>17.12.2022</a:t>
+              <a:t>21.12.2022</a:t>
             </a:fld>
             <a:endParaRPr lang="ru-RU" dirty="0"/>
           </a:p>
@@ -2844,7 +2844,7 @@
           <a:p>
             <a:fld id="{7CD77A28-62FA-4A1C-955D-4EB5AA405F1C}" type="datetimeFigureOut">
               <a:rPr lang="ru-RU" smtClean="0"/>
-              <a:t>17.12.2022</a:t>
+              <a:t>21.12.2022</a:t>
             </a:fld>
             <a:endParaRPr lang="ru-RU" dirty="0"/>
           </a:p>
@@ -3194,7 +3194,7 @@
           <a:p>
             <a:fld id="{7CD77A28-62FA-4A1C-955D-4EB5AA405F1C}" type="datetimeFigureOut">
               <a:rPr lang="ru-RU" smtClean="0"/>
-              <a:t>17.12.2022</a:t>
+              <a:t>21.12.2022</a:t>
             </a:fld>
             <a:endParaRPr lang="ru-RU" dirty="0"/>
           </a:p>
@@ -3618,7 +3618,7 @@
           <a:p>
             <a:fld id="{7CD77A28-62FA-4A1C-955D-4EB5AA405F1C}" type="datetimeFigureOut">
               <a:rPr lang="ru-RU" smtClean="0"/>
-              <a:t>17.12.2022</a:t>
+              <a:t>21.12.2022</a:t>
             </a:fld>
             <a:endParaRPr lang="ru-RU" dirty="0"/>
           </a:p>
@@ -3899,7 +3899,7 @@
           <a:p>
             <a:fld id="{7CD77A28-62FA-4A1C-955D-4EB5AA405F1C}" type="datetimeFigureOut">
               <a:rPr lang="ru-RU" smtClean="0"/>
-              <a:t>17.12.2022</a:t>
+              <a:t>21.12.2022</a:t>
             </a:fld>
             <a:endParaRPr lang="ru-RU" dirty="0"/>
           </a:p>
@@ -5724,7 +5724,9 @@
               <a:rPr lang="ru-RU" dirty="0"/>
               <a:t>Через сохранение в промежуточное хранилище (на диск, в БД и т.д.)</a:t>
             </a:r>
-            <a:endParaRPr lang="en-US" dirty="0"/>
+          </a:p>
+          <a:p>
+            <a:endParaRPr lang="ru-RU" dirty="0"/>
           </a:p>
           <a:p>
             <a:pPr marL="0" indent="0">
@@ -6494,6 +6496,25 @@
             <a:endParaRPr lang="ru-RU" dirty="0"/>
           </a:p>
           <a:p>
+            <a:pPr marL="0" indent="0">
+              <a:buNone/>
+            </a:pPr>
+            <a:endParaRPr lang="ru-RU" dirty="0"/>
+          </a:p>
+          <a:p>
+            <a:pPr marL="0" indent="0">
+              <a:buNone/>
+            </a:pPr>
+            <a:r>
+              <a:rPr lang="ru-RU" dirty="0" err="1"/>
+              <a:t>Тайминг</a:t>
+            </a:r>
+            <a:r>
+              <a:rPr lang="ru-RU" dirty="0"/>
+              <a:t> – 30 минут</a:t>
+            </a:r>
+          </a:p>
+          <a:p>
             <a:endParaRPr lang="ru-RU" dirty="0"/>
           </a:p>
         </p:txBody>
@@ -10913,7 +10934,7 @@
         </p:spPr>
         <p:txBody>
           <a:bodyPr>
-            <a:normAutofit lnSpcReduction="10000"/>
+            <a:normAutofit/>
           </a:bodyPr>
           <a:lstStyle/>
           <a:p>
@@ -10962,27 +10983,6 @@
             <a:br>
               <a:rPr lang="en-US" dirty="0"/>
             </a:br>
-            <a:endParaRPr lang="ru-RU" dirty="0"/>
-          </a:p>
-          <a:p>
-            <a:pPr lvl="1"/>
-            <a:r>
-              <a:rPr lang="en-US" dirty="0"/>
-              <a:t>Browse -&gt; DAG Runs -&gt; Check DAG to rerun -&gt; Actions -&gt; Clear</a:t>
-            </a:r>
-          </a:p>
-          <a:p>
-            <a:pPr lvl="1"/>
-            <a:r>
-              <a:rPr lang="en-US" dirty="0"/>
-              <a:t>Browse -&gt; Task Instances -&gt; Check Task to rerun -&gt; Actions -&gt; Clear</a:t>
-            </a:r>
-            <a:endParaRPr lang="ru-RU" dirty="0"/>
-          </a:p>
-          <a:p>
-            <a:pPr marL="0" indent="0">
-              <a:buNone/>
-            </a:pPr>
             <a:endParaRPr lang="ru-RU" dirty="0"/>
           </a:p>
           <a:p>
